--- a/팀프로젝트＿발표양식_B조.pptx
+++ b/팀프로젝트＿발표양식_B조.pptx
@@ -5,7 +5,7 @@
     <p:sldMasterId id="2147483648" r:id="rId1"/>
   </p:sldMasterIdLst>
   <p:notesMasterIdLst>
-    <p:notesMasterId r:id="rId11"/>
+    <p:notesMasterId r:id="rId13"/>
   </p:notesMasterIdLst>
   <p:sldIdLst>
     <p:sldId id="276" r:id="rId2"/>
@@ -16,7 +16,9 @@
     <p:sldId id="284" r:id="rId7"/>
     <p:sldId id="285" r:id="rId8"/>
     <p:sldId id="287" r:id="rId9"/>
-    <p:sldId id="286" r:id="rId10"/>
+    <p:sldId id="288" r:id="rId10"/>
+    <p:sldId id="290" r:id="rId11"/>
+    <p:sldId id="286" r:id="rId12"/>
   </p:sldIdLst>
   <p:sldSz cx="9144000" cy="5143500" type="screen16x9"/>
   <p:notesSz cx="9144000" cy="6858000"/>
@@ -117,7 +119,7 @@
   </p:defaultTextStyle>
   <p:extLst>
     <p:ext uri="{EFAFB233-063F-42B5-8137-9DF3F51BA10A}">
-      <p15:sldGuideLst xmlns:p15="http://schemas.microsoft.com/office/powerpoint/2012/main" xmlns="">
+      <p15:sldGuideLst xmlns="" xmlns:p15="http://schemas.microsoft.com/office/powerpoint/2012/main">
         <p15:guide id="1" orient="horz" pos="1620">
           <p15:clr>
             <a:srgbClr val="A4A3A4"/>
@@ -216,7 +218,7 @@
           <a:p>
             <a:fld id="{3BF68A44-C92D-4D71-AA96-C74C05C3F2D0}" type="datetimeFigureOut">
               <a:rPr lang="ko-KR" altLang="en-US" smtClean="0"/>
-              <a:t>2022-03-17</a:t>
+              <a:t>2022-03-18</a:t>
             </a:fld>
             <a:endParaRPr lang="ko-KR" altLang="en-US" dirty="0"/>
           </a:p>
@@ -665,7 +667,7 @@
           <a:p>
             <a:fld id="{3FC6EB06-D21B-4DC4-9B56-DA9A919C6252}" type="datetimeFigureOut">
               <a:rPr lang="ko-KR" altLang="en-US" smtClean="0"/>
-              <a:t>2022-03-17</a:t>
+              <a:t>2022-03-18</a:t>
             </a:fld>
             <a:endParaRPr lang="ko-KR" altLang="en-US" dirty="0"/>
           </a:p>
@@ -835,7 +837,7 @@
           <a:p>
             <a:fld id="{3FC6EB06-D21B-4DC4-9B56-DA9A919C6252}" type="datetimeFigureOut">
               <a:rPr lang="ko-KR" altLang="en-US" smtClean="0"/>
-              <a:t>2022-03-17</a:t>
+              <a:t>2022-03-18</a:t>
             </a:fld>
             <a:endParaRPr lang="ko-KR" altLang="en-US" dirty="0"/>
           </a:p>
@@ -1015,7 +1017,7 @@
           <a:p>
             <a:fld id="{3FC6EB06-D21B-4DC4-9B56-DA9A919C6252}" type="datetimeFigureOut">
               <a:rPr lang="ko-KR" altLang="en-US" smtClean="0"/>
-              <a:t>2022-03-17</a:t>
+              <a:t>2022-03-18</a:t>
             </a:fld>
             <a:endParaRPr lang="ko-KR" altLang="en-US" dirty="0"/>
           </a:p>
@@ -1185,7 +1187,7 @@
           <a:p>
             <a:fld id="{3FC6EB06-D21B-4DC4-9B56-DA9A919C6252}" type="datetimeFigureOut">
               <a:rPr lang="ko-KR" altLang="en-US" smtClean="0"/>
-              <a:t>2022-03-17</a:t>
+              <a:t>2022-03-18</a:t>
             </a:fld>
             <a:endParaRPr lang="ko-KR" altLang="en-US" dirty="0"/>
           </a:p>
@@ -1431,7 +1433,7 @@
           <a:p>
             <a:fld id="{3FC6EB06-D21B-4DC4-9B56-DA9A919C6252}" type="datetimeFigureOut">
               <a:rPr lang="ko-KR" altLang="en-US" smtClean="0"/>
-              <a:t>2022-03-17</a:t>
+              <a:t>2022-03-18</a:t>
             </a:fld>
             <a:endParaRPr lang="ko-KR" altLang="en-US" dirty="0"/>
           </a:p>
@@ -1719,7 +1721,7 @@
           <a:p>
             <a:fld id="{3FC6EB06-D21B-4DC4-9B56-DA9A919C6252}" type="datetimeFigureOut">
               <a:rPr lang="ko-KR" altLang="en-US" smtClean="0"/>
-              <a:t>2022-03-17</a:t>
+              <a:t>2022-03-18</a:t>
             </a:fld>
             <a:endParaRPr lang="ko-KR" altLang="en-US" dirty="0"/>
           </a:p>
@@ -2141,7 +2143,7 @@
           <a:p>
             <a:fld id="{3FC6EB06-D21B-4DC4-9B56-DA9A919C6252}" type="datetimeFigureOut">
               <a:rPr lang="ko-KR" altLang="en-US" smtClean="0"/>
-              <a:t>2022-03-17</a:t>
+              <a:t>2022-03-18</a:t>
             </a:fld>
             <a:endParaRPr lang="ko-KR" altLang="en-US" dirty="0"/>
           </a:p>
@@ -2259,7 +2261,7 @@
           <a:p>
             <a:fld id="{3FC6EB06-D21B-4DC4-9B56-DA9A919C6252}" type="datetimeFigureOut">
               <a:rPr lang="ko-KR" altLang="en-US" smtClean="0"/>
-              <a:t>2022-03-17</a:t>
+              <a:t>2022-03-18</a:t>
             </a:fld>
             <a:endParaRPr lang="ko-KR" altLang="en-US" dirty="0"/>
           </a:p>
@@ -2354,7 +2356,7 @@
           <a:p>
             <a:fld id="{3FC6EB06-D21B-4DC4-9B56-DA9A919C6252}" type="datetimeFigureOut">
               <a:rPr lang="ko-KR" altLang="en-US" smtClean="0"/>
-              <a:t>2022-03-17</a:t>
+              <a:t>2022-03-18</a:t>
             </a:fld>
             <a:endParaRPr lang="ko-KR" altLang="en-US" dirty="0"/>
           </a:p>
@@ -2631,7 +2633,7 @@
           <a:p>
             <a:fld id="{3FC6EB06-D21B-4DC4-9B56-DA9A919C6252}" type="datetimeFigureOut">
               <a:rPr lang="ko-KR" altLang="en-US" smtClean="0"/>
-              <a:t>2022-03-17</a:t>
+              <a:t>2022-03-18</a:t>
             </a:fld>
             <a:endParaRPr lang="ko-KR" altLang="en-US" dirty="0"/>
           </a:p>
@@ -2884,7 +2886,7 @@
           <a:p>
             <a:fld id="{3FC6EB06-D21B-4DC4-9B56-DA9A919C6252}" type="datetimeFigureOut">
               <a:rPr lang="ko-KR" altLang="en-US" smtClean="0"/>
-              <a:t>2022-03-17</a:t>
+              <a:t>2022-03-18</a:t>
             </a:fld>
             <a:endParaRPr lang="ko-KR" altLang="en-US" dirty="0"/>
           </a:p>
@@ -3097,7 +3099,7 @@
           <a:p>
             <a:fld id="{3FC6EB06-D21B-4DC4-9B56-DA9A919C6252}" type="datetimeFigureOut">
               <a:rPr lang="ko-KR" altLang="en-US" smtClean="0"/>
-              <a:t>2022-03-17</a:t>
+              <a:t>2022-03-18</a:t>
             </a:fld>
             <a:endParaRPr lang="ko-KR" altLang="en-US" dirty="0"/>
           </a:p>
@@ -3694,6 +3696,626 @@
 </p:sld>
 </file>
 
+<file path=ppt/slides/slide10.xml><?xml version="1.0" encoding="utf-8"?>
+<p:sld xmlns:a="http://schemas.openxmlformats.org/drawingml/2006/main" xmlns:r="http://schemas.openxmlformats.org/officeDocument/2006/relationships" xmlns:p="http://schemas.openxmlformats.org/presentationml/2006/main">
+  <p:cSld>
+    <p:spTree>
+      <p:nvGrpSpPr>
+        <p:cNvPr id="1" name=""/>
+        <p:cNvGrpSpPr/>
+        <p:nvPr/>
+      </p:nvGrpSpPr>
+      <p:grpSpPr>
+        <a:xfrm>
+          <a:off x="0" y="0"/>
+          <a:ext cx="0" cy="0"/>
+          <a:chOff x="0" y="0"/>
+          <a:chExt cx="0" cy="0"/>
+        </a:xfrm>
+      </p:grpSpPr>
+      <p:cxnSp>
+        <p:nvCxnSpPr>
+          <p:cNvPr id="4" name="직선 연결선 3"/>
+          <p:cNvCxnSpPr/>
+          <p:nvPr/>
+        </p:nvCxnSpPr>
+        <p:spPr>
+          <a:xfrm>
+            <a:off x="0" y="735546"/>
+            <a:ext cx="9144000" cy="0"/>
+          </a:xfrm>
+          <a:prstGeom prst="line">
+            <a:avLst/>
+          </a:prstGeom>
+          <a:ln w="25400">
+            <a:solidFill>
+              <a:srgbClr val="5F5F5F"/>
+            </a:solidFill>
+          </a:ln>
+        </p:spPr>
+        <p:style>
+          <a:lnRef idx="1">
+            <a:schemeClr val="accent1"/>
+          </a:lnRef>
+          <a:fillRef idx="0">
+            <a:schemeClr val="accent1"/>
+          </a:fillRef>
+          <a:effectRef idx="0">
+            <a:schemeClr val="accent1"/>
+          </a:effectRef>
+          <a:fontRef idx="minor">
+            <a:schemeClr val="tx1"/>
+          </a:fontRef>
+        </p:style>
+      </p:cxnSp>
+      <p:sp>
+        <p:nvSpPr>
+          <p:cNvPr id="37" name="TextBox 36"/>
+          <p:cNvSpPr txBox="1"/>
+          <p:nvPr/>
+        </p:nvSpPr>
+        <p:spPr>
+          <a:xfrm>
+            <a:off x="204844" y="771550"/>
+            <a:ext cx="5375268" cy="3323987"/>
+          </a:xfrm>
+          <a:prstGeom prst="rect">
+            <a:avLst/>
+          </a:prstGeom>
+          <a:noFill/>
+        </p:spPr>
+        <p:txBody>
+          <a:bodyPr wrap="square" rtlCol="0">
+            <a:spAutoFit/>
+          </a:bodyPr>
+          <a:lstStyle/>
+          <a:p>
+            <a:pPr>
+              <a:lnSpc>
+                <a:spcPct val="250000"/>
+              </a:lnSpc>
+            </a:pPr>
+            <a:r>
+              <a:rPr lang="ko-KR" altLang="en-US" sz="1400" dirty="0" smtClean="0">
+                <a:latin typeface="HY견고딕" panose="02030600000101010101" pitchFamily="18" charset="-127"/>
+                <a:ea typeface="HY견고딕" panose="02030600000101010101" pitchFamily="18" charset="-127"/>
+              </a:rPr>
+              <a:t>■ </a:t>
+            </a:r>
+            <a:r>
+              <a:rPr lang="ko-KR" altLang="en-US" sz="1400" dirty="0">
+                <a:latin typeface="HY견고딕" panose="02030600000101010101" pitchFamily="18" charset="-127"/>
+                <a:ea typeface="HY견고딕" panose="02030600000101010101" pitchFamily="18" charset="-127"/>
+              </a:rPr>
+              <a:t>업무 분담 </a:t>
+            </a:r>
+            <a:endParaRPr lang="en-US" altLang="ko-KR" sz="1400" dirty="0" smtClean="0">
+              <a:latin typeface="HY견고딕" panose="02030600000101010101" pitchFamily="18" charset="-127"/>
+              <a:ea typeface="HY견고딕" panose="02030600000101010101" pitchFamily="18" charset="-127"/>
+            </a:endParaRPr>
+          </a:p>
+          <a:p>
+            <a:pPr marL="285750" indent="-285750">
+              <a:lnSpc>
+                <a:spcPct val="250000"/>
+              </a:lnSpc>
+              <a:buFontTx/>
+              <a:buChar char="-"/>
+            </a:pPr>
+            <a:r>
+              <a:rPr lang="ko-KR" altLang="en-US" sz="1400" dirty="0" smtClean="0">
+                <a:latin typeface="HY견고딕" panose="02030600000101010101" pitchFamily="18" charset="-127"/>
+                <a:ea typeface="HY견고딕" panose="02030600000101010101" pitchFamily="18" charset="-127"/>
+              </a:rPr>
+              <a:t>방지윤님 </a:t>
+            </a:r>
+            <a:r>
+              <a:rPr lang="en-US" altLang="ko-KR" sz="1400" dirty="0" smtClean="0">
+                <a:latin typeface="HY견고딕" panose="02030600000101010101" pitchFamily="18" charset="-127"/>
+                <a:ea typeface="HY견고딕" panose="02030600000101010101" pitchFamily="18" charset="-127"/>
+              </a:rPr>
+              <a:t>: Main, File </a:t>
+            </a:r>
+            <a:r>
+              <a:rPr lang="ko-KR" altLang="en-US" sz="1400" dirty="0" smtClean="0">
+                <a:latin typeface="HY견고딕" panose="02030600000101010101" pitchFamily="18" charset="-127"/>
+                <a:ea typeface="HY견고딕" panose="02030600000101010101" pitchFamily="18" charset="-127"/>
+              </a:rPr>
+              <a:t>입출력</a:t>
+            </a:r>
+            <a:r>
+              <a:rPr lang="en-US" altLang="ko-KR" sz="1400" dirty="0" smtClean="0">
+                <a:latin typeface="HY견고딕" panose="02030600000101010101" pitchFamily="18" charset="-127"/>
+                <a:ea typeface="HY견고딕" panose="02030600000101010101" pitchFamily="18" charset="-127"/>
+              </a:rPr>
+              <a:t>, Parser</a:t>
+            </a:r>
+          </a:p>
+          <a:p>
+            <a:pPr marL="285750" indent="-285750">
+              <a:lnSpc>
+                <a:spcPct val="250000"/>
+              </a:lnSpc>
+              <a:buFontTx/>
+              <a:buChar char="-"/>
+            </a:pPr>
+            <a:r>
+              <a:rPr lang="ko-KR" altLang="en-US" sz="1400" dirty="0" smtClean="0">
+                <a:latin typeface="HY견고딕" panose="02030600000101010101" pitchFamily="18" charset="-127"/>
+                <a:ea typeface="HY견고딕" panose="02030600000101010101" pitchFamily="18" charset="-127"/>
+              </a:rPr>
+              <a:t>신승관님 </a:t>
+            </a:r>
+            <a:r>
+              <a:rPr lang="en-US" altLang="ko-KR" sz="1400" dirty="0" smtClean="0">
+                <a:latin typeface="HY견고딕" panose="02030600000101010101" pitchFamily="18" charset="-127"/>
+                <a:ea typeface="HY견고딕" panose="02030600000101010101" pitchFamily="18" charset="-127"/>
+              </a:rPr>
+              <a:t>: </a:t>
+            </a:r>
+            <a:r>
+              <a:rPr lang="en-US" altLang="ko-KR" sz="1400" dirty="0" err="1" smtClean="0">
+                <a:latin typeface="HY견고딕" panose="02030600000101010101" pitchFamily="18" charset="-127"/>
+                <a:ea typeface="HY견고딕" panose="02030600000101010101" pitchFamily="18" charset="-127"/>
+              </a:rPr>
+              <a:t>InputManager</a:t>
+            </a:r>
+            <a:endParaRPr lang="en-US" altLang="ko-KR" sz="1400" dirty="0" smtClean="0">
+              <a:latin typeface="HY견고딕" panose="02030600000101010101" pitchFamily="18" charset="-127"/>
+              <a:ea typeface="HY견고딕" panose="02030600000101010101" pitchFamily="18" charset="-127"/>
+            </a:endParaRPr>
+          </a:p>
+          <a:p>
+            <a:pPr marL="285750" indent="-285750">
+              <a:lnSpc>
+                <a:spcPct val="250000"/>
+              </a:lnSpc>
+              <a:buFontTx/>
+              <a:buChar char="-"/>
+            </a:pPr>
+            <a:r>
+              <a:rPr lang="ko-KR" altLang="en-US" sz="1400" dirty="0" err="1" smtClean="0">
+                <a:latin typeface="HY견고딕" panose="02030600000101010101" pitchFamily="18" charset="-127"/>
+                <a:ea typeface="HY견고딕" panose="02030600000101010101" pitchFamily="18" charset="-127"/>
+              </a:rPr>
+              <a:t>양락준님</a:t>
+            </a:r>
+            <a:r>
+              <a:rPr lang="ko-KR" altLang="en-US" sz="1400" dirty="0" smtClean="0">
+                <a:latin typeface="HY견고딕" panose="02030600000101010101" pitchFamily="18" charset="-127"/>
+                <a:ea typeface="HY견고딕" panose="02030600000101010101" pitchFamily="18" charset="-127"/>
+              </a:rPr>
+              <a:t> </a:t>
+            </a:r>
+            <a:r>
+              <a:rPr lang="en-US" altLang="ko-KR" sz="1400" dirty="0" smtClean="0">
+                <a:latin typeface="HY견고딕" panose="02030600000101010101" pitchFamily="18" charset="-127"/>
+                <a:ea typeface="HY견고딕" panose="02030600000101010101" pitchFamily="18" charset="-127"/>
+              </a:rPr>
+              <a:t>: Operator</a:t>
+            </a:r>
+          </a:p>
+          <a:p>
+            <a:pPr marL="285750" indent="-285750">
+              <a:lnSpc>
+                <a:spcPct val="250000"/>
+              </a:lnSpc>
+              <a:buFontTx/>
+              <a:buChar char="-"/>
+            </a:pPr>
+            <a:r>
+              <a:rPr lang="ko-KR" altLang="en-US" sz="1400" dirty="0" smtClean="0">
+                <a:latin typeface="HY견고딕" panose="02030600000101010101" pitchFamily="18" charset="-127"/>
+                <a:ea typeface="HY견고딕" panose="02030600000101010101" pitchFamily="18" charset="-127"/>
+              </a:rPr>
+              <a:t>정병훈님 </a:t>
+            </a:r>
+            <a:r>
+              <a:rPr lang="en-US" altLang="ko-KR" sz="1400" dirty="0" smtClean="0">
+                <a:latin typeface="HY견고딕" panose="02030600000101010101" pitchFamily="18" charset="-127"/>
+                <a:ea typeface="HY견고딕" panose="02030600000101010101" pitchFamily="18" charset="-127"/>
+              </a:rPr>
+              <a:t>: </a:t>
+            </a:r>
+            <a:r>
+              <a:rPr lang="en-US" altLang="ko-KR" sz="1400" dirty="0" err="1" smtClean="0">
+                <a:latin typeface="HY견고딕" panose="02030600000101010101" pitchFamily="18" charset="-127"/>
+                <a:ea typeface="HY견고딕" panose="02030600000101010101" pitchFamily="18" charset="-127"/>
+              </a:rPr>
+              <a:t>OptionSelector</a:t>
+            </a:r>
+            <a:r>
+              <a:rPr lang="en-US" altLang="ko-KR" sz="1400" dirty="0" smtClean="0">
+                <a:latin typeface="HY견고딕" panose="02030600000101010101" pitchFamily="18" charset="-127"/>
+                <a:ea typeface="HY견고딕" panose="02030600000101010101" pitchFamily="18" charset="-127"/>
+              </a:rPr>
+              <a:t>, Sort, Employee</a:t>
+            </a:r>
+            <a:endParaRPr lang="en-US" altLang="ko-KR" sz="1400" dirty="0">
+              <a:latin typeface="+mn-ea"/>
+            </a:endParaRPr>
+          </a:p>
+          <a:p>
+            <a:pPr marL="285750" indent="-285750">
+              <a:lnSpc>
+                <a:spcPct val="250000"/>
+              </a:lnSpc>
+              <a:buFontTx/>
+              <a:buChar char="-"/>
+            </a:pPr>
+            <a:endParaRPr lang="en-US" altLang="ko-KR" sz="1400" dirty="0">
+              <a:latin typeface="+mn-ea"/>
+            </a:endParaRPr>
+          </a:p>
+        </p:txBody>
+      </p:sp>
+      <p:sp>
+        <p:nvSpPr>
+          <p:cNvPr id="6" name="TextBox 5"/>
+          <p:cNvSpPr txBox="1"/>
+          <p:nvPr/>
+        </p:nvSpPr>
+        <p:spPr>
+          <a:xfrm>
+            <a:off x="179512" y="141480"/>
+            <a:ext cx="6408712" cy="448019"/>
+          </a:xfrm>
+          <a:prstGeom prst="rect">
+            <a:avLst/>
+          </a:prstGeom>
+          <a:noFill/>
+        </p:spPr>
+        <p:txBody>
+          <a:bodyPr wrap="square" lIns="77925" tIns="38963" rIns="77925" bIns="38963" rtlCol="0">
+            <a:spAutoFit/>
+          </a:bodyPr>
+          <a:lstStyle/>
+          <a:p>
+            <a:r>
+              <a:rPr lang="ko-KR" altLang="en-US" sz="2400" dirty="0" smtClean="0">
+                <a:latin typeface="HY견고딕" panose="02030600000101010101" pitchFamily="18" charset="-127"/>
+                <a:ea typeface="HY견고딕" panose="02030600000101010101" pitchFamily="18" charset="-127"/>
+              </a:rPr>
+              <a:t>업무 분담</a:t>
+            </a:r>
+            <a:r>
+              <a:rPr lang="en-US" altLang="ko-KR" sz="2400" dirty="0" smtClean="0">
+                <a:latin typeface="HY견고딕" panose="02030600000101010101" pitchFamily="18" charset="-127"/>
+                <a:ea typeface="HY견고딕" panose="02030600000101010101" pitchFamily="18" charset="-127"/>
+              </a:rPr>
+              <a:t>| </a:t>
+            </a:r>
+            <a:endParaRPr lang="ko-KR" altLang="en-US" sz="1800" dirty="0">
+              <a:latin typeface="HY견고딕" panose="02030600000101010101" pitchFamily="18" charset="-127"/>
+              <a:ea typeface="HY견고딕" panose="02030600000101010101" pitchFamily="18" charset="-127"/>
+            </a:endParaRPr>
+          </a:p>
+        </p:txBody>
+      </p:sp>
+    </p:spTree>
+    <p:extLst>
+      <p:ext uri="{BB962C8B-B14F-4D97-AF65-F5344CB8AC3E}">
+        <p14:creationId xmlns:p14="http://schemas.microsoft.com/office/powerpoint/2010/main" val="291737399"/>
+      </p:ext>
+    </p:extLst>
+  </p:cSld>
+  <p:clrMapOvr>
+    <a:masterClrMapping/>
+  </p:clrMapOvr>
+  <p:timing>
+    <p:tnLst>
+      <p:par>
+        <p:cTn id="1" dur="indefinite" restart="never" nodeType="tmRoot"/>
+      </p:par>
+    </p:tnLst>
+  </p:timing>
+</p:sld>
+</file>
+
+<file path=ppt/slides/slide11.xml><?xml version="1.0" encoding="utf-8"?>
+<p:sld xmlns:a="http://schemas.openxmlformats.org/drawingml/2006/main" xmlns:r="http://schemas.openxmlformats.org/officeDocument/2006/relationships" xmlns:p="http://schemas.openxmlformats.org/presentationml/2006/main">
+  <p:cSld>
+    <p:spTree>
+      <p:nvGrpSpPr>
+        <p:cNvPr id="1" name=""/>
+        <p:cNvGrpSpPr/>
+        <p:nvPr/>
+      </p:nvGrpSpPr>
+      <p:grpSpPr>
+        <a:xfrm>
+          <a:off x="0" y="0"/>
+          <a:ext cx="0" cy="0"/>
+          <a:chOff x="0" y="0"/>
+          <a:chExt cx="0" cy="0"/>
+        </a:xfrm>
+      </p:grpSpPr>
+      <p:sp>
+        <p:nvSpPr>
+          <p:cNvPr id="5" name="직사각형 4"/>
+          <p:cNvSpPr/>
+          <p:nvPr/>
+        </p:nvSpPr>
+        <p:spPr>
+          <a:xfrm>
+            <a:off x="899592" y="483518"/>
+            <a:ext cx="4572000" cy="3785652"/>
+          </a:xfrm>
+          <a:prstGeom prst="rect">
+            <a:avLst/>
+          </a:prstGeom>
+        </p:spPr>
+        <p:txBody>
+          <a:bodyPr>
+            <a:spAutoFit/>
+          </a:bodyPr>
+          <a:lstStyle/>
+          <a:p>
+            <a:r>
+              <a:rPr lang="en-US" altLang="ko-KR" dirty="0"/>
+              <a:t>1. File</a:t>
+            </a:r>
+            <a:r>
+              <a:rPr lang="ko-KR" altLang="en-US" dirty="0"/>
+              <a:t>을 </a:t>
+            </a:r>
+            <a:r>
+              <a:rPr lang="en-US" altLang="ko-KR" dirty="0"/>
+              <a:t>Read &amp; Parsing</a:t>
+            </a:r>
+          </a:p>
+          <a:p>
+            <a:r>
+              <a:rPr lang="en-US" altLang="ko-KR" dirty="0"/>
+              <a:t>2. </a:t>
+            </a:r>
+            <a:r>
+              <a:rPr lang="ko-KR" altLang="en-US" dirty="0"/>
+              <a:t>명령어가 </a:t>
+            </a:r>
+            <a:r>
+              <a:rPr lang="en-US" altLang="ko-KR" dirty="0"/>
+              <a:t>Add</a:t>
+            </a:r>
+            <a:r>
+              <a:rPr lang="ko-KR" altLang="en-US" dirty="0"/>
+              <a:t>면 추가하고 끝</a:t>
+            </a:r>
+          </a:p>
+          <a:p>
+            <a:r>
+              <a:rPr lang="en-US" altLang="ko-KR" dirty="0"/>
+              <a:t>-</a:t>
+            </a:r>
+            <a:r>
+              <a:rPr lang="ko-KR" altLang="en-US" dirty="0"/>
+              <a:t>하나의 데이터를 닮을 클래스</a:t>
+            </a:r>
+          </a:p>
+          <a:p>
+            <a:r>
+              <a:rPr lang="en-US" altLang="ko-KR" dirty="0"/>
+              <a:t>-</a:t>
+            </a:r>
+            <a:r>
+              <a:rPr lang="ko-KR" altLang="en-US" dirty="0"/>
+              <a:t>데이터 클래스를 저장하고 있을 클래스</a:t>
+            </a:r>
+          </a:p>
+          <a:p>
+            <a:r>
+              <a:rPr lang="en-US" altLang="ko-KR" dirty="0"/>
+              <a:t>3. </a:t>
+            </a:r>
+            <a:r>
+              <a:rPr lang="ko-KR" altLang="en-US" dirty="0"/>
+              <a:t>옵션 정의</a:t>
+            </a:r>
+          </a:p>
+          <a:p>
+            <a:r>
+              <a:rPr lang="en-US" altLang="ko-KR" dirty="0"/>
+              <a:t>- </a:t>
+            </a:r>
+            <a:r>
+              <a:rPr lang="ko-KR" altLang="en-US" dirty="0"/>
+              <a:t>옵션은 배열로 정의하면 </a:t>
+            </a:r>
+            <a:r>
+              <a:rPr lang="ko-KR" altLang="en-US" dirty="0" err="1"/>
+              <a:t>될듯</a:t>
+            </a:r>
+            <a:r>
+              <a:rPr lang="en-US" altLang="ko-KR" dirty="0"/>
+              <a:t>..?</a:t>
+            </a:r>
+          </a:p>
+          <a:p>
+            <a:r>
+              <a:rPr lang="en-US" altLang="ko-KR" dirty="0"/>
+              <a:t>- </a:t>
+            </a:r>
+            <a:r>
+              <a:rPr lang="ko-KR" altLang="en-US" dirty="0"/>
+              <a:t>옵션에 따라 </a:t>
+            </a:r>
+            <a:r>
+              <a:rPr lang="en-US" altLang="ko-KR" dirty="0" err="1"/>
+              <a:t>Serch</a:t>
+            </a:r>
+            <a:r>
+              <a:rPr lang="en-US" altLang="ko-KR" dirty="0"/>
+              <a:t> </a:t>
+            </a:r>
+            <a:r>
+              <a:rPr lang="ko-KR" altLang="en-US" dirty="0"/>
+              <a:t>종류가 달라짐</a:t>
+            </a:r>
+          </a:p>
+          <a:p>
+            <a:r>
+              <a:rPr lang="en-US" altLang="ko-KR" dirty="0"/>
+              <a:t>- </a:t>
+            </a:r>
+            <a:r>
+              <a:rPr lang="ko-KR" altLang="en-US" dirty="0"/>
+              <a:t>옵션 종류를 담을 클래스 필요</a:t>
+            </a:r>
+          </a:p>
+          <a:p>
+            <a:r>
+              <a:rPr lang="en-US" altLang="ko-KR" dirty="0"/>
+              <a:t>4. Search</a:t>
+            </a:r>
+          </a:p>
+          <a:p>
+            <a:r>
+              <a:rPr lang="en-US" altLang="ko-KR" dirty="0"/>
+              <a:t>- </a:t>
+            </a:r>
+            <a:r>
+              <a:rPr lang="ko-KR" altLang="en-US" dirty="0"/>
+              <a:t>옵션에 맞는 </a:t>
+            </a:r>
+            <a:r>
+              <a:rPr lang="en-US" altLang="ko-KR" dirty="0"/>
+              <a:t>Search class </a:t>
+            </a:r>
+            <a:r>
+              <a:rPr lang="ko-KR" altLang="en-US" dirty="0"/>
+              <a:t>생성해서 </a:t>
+            </a:r>
+            <a:r>
+              <a:rPr lang="en-US" altLang="ko-KR" dirty="0"/>
+              <a:t>data list </a:t>
+            </a:r>
+            <a:r>
+              <a:rPr lang="ko-KR" altLang="en-US" dirty="0"/>
+              <a:t>리턴</a:t>
+            </a:r>
+          </a:p>
+          <a:p>
+            <a:r>
+              <a:rPr lang="en-US" altLang="ko-KR" dirty="0"/>
+              <a:t>- </a:t>
+            </a:r>
+            <a:r>
+              <a:rPr lang="ko-KR" altLang="en-US" dirty="0" err="1"/>
+              <a:t>옵셜별</a:t>
+            </a:r>
+            <a:r>
+              <a:rPr lang="ko-KR" altLang="en-US" dirty="0"/>
+              <a:t> </a:t>
+            </a:r>
+            <a:r>
+              <a:rPr lang="en-US" altLang="ko-KR" dirty="0" err="1"/>
+              <a:t>seach</a:t>
+            </a:r>
+            <a:r>
+              <a:rPr lang="en-US" altLang="ko-KR" dirty="0"/>
+              <a:t> </a:t>
+            </a:r>
+            <a:r>
+              <a:rPr lang="ko-KR" altLang="en-US" dirty="0"/>
+              <a:t>클래스 필요</a:t>
+            </a:r>
+          </a:p>
+          <a:p>
+            <a:r>
+              <a:rPr lang="en-US" altLang="ko-KR" dirty="0"/>
+              <a:t>5. </a:t>
+            </a:r>
+            <a:r>
+              <a:rPr lang="ko-KR" altLang="en-US" dirty="0"/>
+              <a:t>명령어 실행</a:t>
+            </a:r>
+            <a:r>
+              <a:rPr lang="en-US" altLang="ko-KR" dirty="0"/>
+              <a:t>(</a:t>
+            </a:r>
+            <a:r>
+              <a:rPr lang="en-US" altLang="ko-KR" dirty="0" err="1"/>
+              <a:t>sch</a:t>
+            </a:r>
+            <a:r>
+              <a:rPr lang="en-US" altLang="ko-KR" dirty="0"/>
+              <a:t>, mod, del)</a:t>
+            </a:r>
+          </a:p>
+          <a:p>
+            <a:r>
+              <a:rPr lang="en-US" altLang="ko-KR" dirty="0"/>
+              <a:t>- </a:t>
+            </a:r>
+            <a:r>
+              <a:rPr lang="ko-KR" altLang="en-US" dirty="0"/>
+              <a:t>명령어에 맞는 </a:t>
+            </a:r>
+            <a:r>
+              <a:rPr lang="en-US" altLang="ko-KR" dirty="0"/>
+              <a:t>execute </a:t>
+            </a:r>
+            <a:r>
+              <a:rPr lang="ko-KR" altLang="en-US" dirty="0"/>
+              <a:t>생성해서 실행</a:t>
+            </a:r>
+          </a:p>
+          <a:p>
+            <a:r>
+              <a:rPr lang="en-US" altLang="ko-KR" dirty="0"/>
+              <a:t>- </a:t>
+            </a:r>
+            <a:r>
+              <a:rPr lang="ko-KR" altLang="en-US" dirty="0" err="1"/>
+              <a:t>명령별</a:t>
+            </a:r>
+            <a:r>
+              <a:rPr lang="ko-KR" altLang="en-US" dirty="0"/>
+              <a:t> </a:t>
+            </a:r>
+            <a:r>
+              <a:rPr lang="en-US" altLang="ko-KR" dirty="0"/>
+              <a:t>execute </a:t>
+            </a:r>
+            <a:r>
+              <a:rPr lang="ko-KR" altLang="en-US" dirty="0"/>
+              <a:t>클래스 필요</a:t>
+            </a:r>
+          </a:p>
+          <a:p>
+            <a:r>
+              <a:rPr lang="en-US" altLang="ko-KR" dirty="0"/>
+              <a:t>6. </a:t>
+            </a:r>
+            <a:r>
+              <a:rPr lang="ko-KR" altLang="en-US" dirty="0"/>
+              <a:t>결과 정렬</a:t>
+            </a:r>
+          </a:p>
+          <a:p>
+            <a:r>
+              <a:rPr lang="en-US" altLang="ko-KR" dirty="0"/>
+              <a:t>7. </a:t>
+            </a:r>
+            <a:r>
+              <a:rPr lang="ko-KR" altLang="en-US" dirty="0"/>
+              <a:t>결과 입력</a:t>
+            </a:r>
+          </a:p>
+        </p:txBody>
+      </p:sp>
+    </p:spTree>
+    <p:extLst>
+      <p:ext uri="{BB962C8B-B14F-4D97-AF65-F5344CB8AC3E}">
+        <p14:creationId xmlns:p14="http://schemas.microsoft.com/office/powerpoint/2010/main" val="3368585455"/>
+      </p:ext>
+    </p:extLst>
+  </p:cSld>
+  <p:clrMapOvr>
+    <a:masterClrMapping/>
+  </p:clrMapOvr>
+</p:sld>
+</file>
+
 <file path=ppt/slides/slide2.xml><?xml version="1.0" encoding="utf-8"?>
 <p:sld xmlns:a="http://schemas.openxmlformats.org/drawingml/2006/main" xmlns:r="http://schemas.openxmlformats.org/officeDocument/2006/relationships" xmlns:p="http://schemas.openxmlformats.org/presentationml/2006/main">
   <p:cSld>
@@ -3778,14 +4400,7 @@
                 <a:latin typeface="HY견고딕" panose="02030600000101010101" pitchFamily="18" charset="-127"/>
                 <a:ea typeface="HY견고딕" panose="02030600000101010101" pitchFamily="18" charset="-127"/>
               </a:rPr>
-              <a:t>■ </a:t>
-            </a:r>
-            <a:r>
-              <a:rPr lang="ko-KR" altLang="en-US" sz="1400" dirty="0" smtClean="0">
-                <a:latin typeface="HY견고딕" panose="02030600000101010101" pitchFamily="18" charset="-127"/>
-                <a:ea typeface="HY견고딕" panose="02030600000101010101" pitchFamily="18" charset="-127"/>
-              </a:rPr>
-              <a:t>팀 프로젝트 설계</a:t>
+              <a:t>■ 팀 프로젝트 설계</a:t>
             </a:r>
             <a:endParaRPr lang="en-US" altLang="ko-KR" sz="1400" dirty="0" smtClean="0">
               <a:latin typeface="HY견고딕" panose="02030600000101010101" pitchFamily="18" charset="-127"/>
@@ -5035,7 +5650,6 @@
               <a:rPr lang="ko-KR" altLang="en-US" dirty="0"/>
               <a:t>색</a:t>
             </a:r>
-            <a:endParaRPr lang="ko-KR" altLang="en-US" dirty="0"/>
           </a:p>
         </p:txBody>
       </p:sp>
@@ -5216,7 +5830,6 @@
               <a:rPr lang="ko-KR" altLang="en-US" dirty="0"/>
               <a:t>션</a:t>
             </a:r>
-            <a:endParaRPr lang="ko-KR" altLang="en-US" dirty="0"/>
           </a:p>
         </p:txBody>
       </p:sp>
@@ -5386,7 +5999,6 @@
               <a:rPr lang="ko-KR" altLang="en-US" dirty="0"/>
               <a:t>렬</a:t>
             </a:r>
-            <a:endParaRPr lang="ko-KR" altLang="en-US" dirty="0"/>
           </a:p>
         </p:txBody>
       </p:sp>
@@ -6109,7 +6721,6 @@
               <a:rPr lang="ko-KR" altLang="en-US" dirty="0"/>
               <a:t>색</a:t>
             </a:r>
-            <a:endParaRPr lang="ko-KR" altLang="en-US" dirty="0"/>
           </a:p>
         </p:txBody>
       </p:sp>
@@ -6290,7 +6901,6 @@
               <a:rPr lang="ko-KR" altLang="en-US" dirty="0"/>
               <a:t>션</a:t>
             </a:r>
-            <a:endParaRPr lang="ko-KR" altLang="en-US" dirty="0"/>
           </a:p>
         </p:txBody>
       </p:sp>
@@ -6460,7 +7070,6 @@
               <a:rPr lang="ko-KR" altLang="en-US" dirty="0"/>
               <a:t>렬</a:t>
             </a:r>
-            <a:endParaRPr lang="ko-KR" altLang="en-US" dirty="0"/>
           </a:p>
         </p:txBody>
       </p:sp>
@@ -8114,7 +8723,7 @@
         </p:nvSpPr>
         <p:spPr>
           <a:xfrm>
-            <a:off x="395536" y="771550"/>
+            <a:off x="395536" y="1054996"/>
             <a:ext cx="864096" cy="288032"/>
           </a:xfrm>
           <a:prstGeom prst="rect">
@@ -8161,7 +8770,7 @@
         </p:nvSpPr>
         <p:spPr>
           <a:xfrm>
-            <a:off x="395536" y="1492839"/>
+            <a:off x="395536" y="1776285"/>
             <a:ext cx="1728192" cy="288032"/>
           </a:xfrm>
           <a:prstGeom prst="rect">
@@ -8208,7 +8817,7 @@
         </p:nvSpPr>
         <p:spPr>
           <a:xfrm>
-            <a:off x="395536" y="3283231"/>
+            <a:off x="395536" y="3484847"/>
             <a:ext cx="1036638" cy="288032"/>
           </a:xfrm>
           <a:prstGeom prst="rect">
@@ -8255,7 +8864,7 @@
         </p:nvSpPr>
         <p:spPr>
           <a:xfrm>
-            <a:off x="467544" y="3859295"/>
+            <a:off x="467544" y="4060911"/>
             <a:ext cx="864096" cy="288032"/>
           </a:xfrm>
           <a:prstGeom prst="rect">
@@ -8302,7 +8911,7 @@
         </p:nvSpPr>
         <p:spPr>
           <a:xfrm>
-            <a:off x="1463710" y="3852742"/>
+            <a:off x="1463710" y="4054358"/>
             <a:ext cx="864096" cy="288032"/>
           </a:xfrm>
           <a:prstGeom prst="rect">
@@ -8349,7 +8958,7 @@
         </p:nvSpPr>
         <p:spPr>
           <a:xfrm>
-            <a:off x="2461683" y="3852742"/>
+            <a:off x="2461683" y="4054358"/>
             <a:ext cx="864096" cy="288032"/>
           </a:xfrm>
           <a:prstGeom prst="rect">
@@ -8396,7 +9005,7 @@
         </p:nvSpPr>
         <p:spPr>
           <a:xfrm>
-            <a:off x="3452882" y="3852742"/>
+            <a:off x="3452882" y="4054358"/>
             <a:ext cx="864096" cy="288032"/>
           </a:xfrm>
           <a:prstGeom prst="rect">
@@ -8443,7 +9052,7 @@
         </p:nvSpPr>
         <p:spPr>
           <a:xfrm>
-            <a:off x="395536" y="217723"/>
+            <a:off x="395536" y="501169"/>
             <a:ext cx="1728192" cy="288032"/>
           </a:xfrm>
           <a:prstGeom prst="rect">
@@ -8490,7 +9099,7 @@
         </p:nvSpPr>
         <p:spPr>
           <a:xfrm>
-            <a:off x="197618" y="2579255"/>
+            <a:off x="197618" y="2715766"/>
             <a:ext cx="2123728" cy="288032"/>
           </a:xfrm>
           <a:prstGeom prst="rect">
@@ -8537,7 +9146,7 @@
         </p:nvSpPr>
         <p:spPr>
           <a:xfrm>
-            <a:off x="2418533" y="2578384"/>
+            <a:off x="2418533" y="2714895"/>
             <a:ext cx="2123728" cy="288032"/>
           </a:xfrm>
           <a:prstGeom prst="rect">
@@ -8588,7 +9197,7 @@
         </p:nvSpPr>
         <p:spPr>
           <a:xfrm>
-            <a:off x="4644008" y="2578384"/>
+            <a:off x="4644008" y="2714895"/>
             <a:ext cx="2123728" cy="288032"/>
           </a:xfrm>
           <a:prstGeom prst="rect">
@@ -8639,7 +9248,7 @@
         </p:nvSpPr>
         <p:spPr>
           <a:xfrm>
-            <a:off x="6876256" y="2579255"/>
+            <a:off x="6876256" y="2715766"/>
             <a:ext cx="2122714" cy="288032"/>
           </a:xfrm>
           <a:prstGeom prst="rect">
@@ -8689,8 +9298,8 @@
         </p:nvCxnSpPr>
         <p:spPr>
           <a:xfrm flipV="1">
-            <a:off x="1259482" y="1780871"/>
-            <a:ext cx="150" cy="798384"/>
+            <a:off x="1259482" y="2064317"/>
+            <a:ext cx="150" cy="651449"/>
           </a:xfrm>
           <a:prstGeom prst="straightConnector1">
             <a:avLst/>
@@ -8725,8 +9334,8 @@
         </p:nvCxnSpPr>
         <p:spPr>
           <a:xfrm rot="10800000" flipV="1">
-            <a:off x="395536" y="1636855"/>
-            <a:ext cx="12700" cy="1790392"/>
+            <a:off x="395536" y="1920301"/>
+            <a:ext cx="12700" cy="1708562"/>
           </a:xfrm>
           <a:prstGeom prst="bentConnector3">
             <a:avLst>
@@ -8760,7 +9369,7 @@
         </p:nvSpPr>
         <p:spPr>
           <a:xfrm>
-            <a:off x="2367795" y="3139215"/>
+            <a:off x="2367795" y="3196815"/>
             <a:ext cx="1353243" cy="288032"/>
           </a:xfrm>
           <a:prstGeom prst="rect">
@@ -8810,8 +9419,8 @@
         </p:nvCxnSpPr>
         <p:spPr>
           <a:xfrm flipH="1" flipV="1">
-            <a:off x="1259632" y="1780871"/>
-            <a:ext cx="2220765" cy="797513"/>
+            <a:off x="1259632" y="2064317"/>
+            <a:ext cx="2220765" cy="650578"/>
           </a:xfrm>
           <a:prstGeom prst="straightConnector1">
             <a:avLst/>
@@ -8846,8 +9455,8 @@
         </p:nvCxnSpPr>
         <p:spPr>
           <a:xfrm flipH="1" flipV="1">
-            <a:off x="1259632" y="1780871"/>
-            <a:ext cx="4446240" cy="797513"/>
+            <a:off x="1259632" y="2064317"/>
+            <a:ext cx="4446240" cy="650578"/>
           </a:xfrm>
           <a:prstGeom prst="straightConnector1">
             <a:avLst/>
@@ -8882,8 +9491,8 @@
         </p:nvCxnSpPr>
         <p:spPr>
           <a:xfrm flipH="1" flipV="1">
-            <a:off x="1259632" y="1780871"/>
-            <a:ext cx="6677981" cy="798384"/>
+            <a:off x="1259632" y="2064317"/>
+            <a:ext cx="6677981" cy="651449"/>
           </a:xfrm>
           <a:prstGeom prst="straightConnector1">
             <a:avLst/>
@@ -8918,7 +9527,7 @@
         </p:nvCxnSpPr>
         <p:spPr>
           <a:xfrm flipV="1">
-            <a:off x="899592" y="3571263"/>
+            <a:off x="899592" y="3772879"/>
             <a:ext cx="14263" cy="288032"/>
           </a:xfrm>
           <a:prstGeom prst="straightConnector1">
@@ -8954,7 +9563,7 @@
         </p:nvCxnSpPr>
         <p:spPr>
           <a:xfrm flipH="1" flipV="1">
-            <a:off x="913855" y="3571263"/>
+            <a:off x="913855" y="3772879"/>
             <a:ext cx="981903" cy="281479"/>
           </a:xfrm>
           <a:prstGeom prst="straightConnector1">
@@ -8990,7 +9599,7 @@
         </p:nvCxnSpPr>
         <p:spPr>
           <a:xfrm flipH="1" flipV="1">
-            <a:off x="913855" y="3571263"/>
+            <a:off x="913855" y="3772879"/>
             <a:ext cx="1979876" cy="281479"/>
           </a:xfrm>
           <a:prstGeom prst="straightConnector1">
@@ -9026,7 +9635,7 @@
         </p:nvCxnSpPr>
         <p:spPr>
           <a:xfrm flipH="1" flipV="1">
-            <a:off x="913855" y="3571263"/>
+            <a:off x="913855" y="3772879"/>
             <a:ext cx="2971075" cy="281479"/>
           </a:xfrm>
           <a:prstGeom prst="straightConnector1">
@@ -9059,7 +9668,7 @@
         </p:nvSpPr>
         <p:spPr>
           <a:xfrm>
-            <a:off x="3915924" y="3149514"/>
+            <a:off x="4166574" y="3196815"/>
             <a:ext cx="864096" cy="288032"/>
           </a:xfrm>
           <a:prstGeom prst="rect">
@@ -9106,7 +9715,7 @@
         </p:nvSpPr>
         <p:spPr>
           <a:xfrm>
-            <a:off x="2579266" y="1492838"/>
+            <a:off x="2579266" y="1776284"/>
             <a:ext cx="2064742" cy="288032"/>
           </a:xfrm>
           <a:prstGeom prst="rect">
@@ -9153,7 +9762,7 @@
         </p:nvSpPr>
         <p:spPr>
           <a:xfrm>
-            <a:off x="2461682" y="4371950"/>
+            <a:off x="2461682" y="4573566"/>
             <a:ext cx="991199" cy="288032"/>
           </a:xfrm>
           <a:prstGeom prst="rect">
@@ -9200,7 +9809,7 @@
         </p:nvSpPr>
         <p:spPr>
           <a:xfrm>
-            <a:off x="5148062" y="39893"/>
+            <a:off x="5148062" y="478932"/>
             <a:ext cx="3024336" cy="216024"/>
           </a:xfrm>
           <a:prstGeom prst="rect">
@@ -9247,7 +9856,7 @@
         </p:nvSpPr>
         <p:spPr>
           <a:xfrm>
-            <a:off x="5148063" y="1130382"/>
+            <a:off x="5148063" y="1343028"/>
             <a:ext cx="3456385" cy="216024"/>
           </a:xfrm>
           <a:prstGeom prst="rect">
@@ -9297,7 +9906,7 @@
         </p:nvCxnSpPr>
         <p:spPr>
           <a:xfrm flipV="1">
-            <a:off x="2123728" y="1636854"/>
+            <a:off x="2123728" y="1920300"/>
             <a:ext cx="455538" cy="1"/>
           </a:xfrm>
           <a:prstGeom prst="straightConnector1">
@@ -9330,7 +9939,7 @@
         </p:nvSpPr>
         <p:spPr>
           <a:xfrm>
-            <a:off x="1331640" y="4580254"/>
+            <a:off x="1320226" y="4907995"/>
             <a:ext cx="3448380" cy="246221"/>
           </a:xfrm>
           <a:prstGeom prst="rect">
@@ -9395,7 +10004,7 @@
         </p:nvSpPr>
         <p:spPr>
           <a:xfrm>
-            <a:off x="1548289" y="771550"/>
+            <a:off x="1548289" y="1054996"/>
             <a:ext cx="3095719" cy="553998"/>
           </a:xfrm>
           <a:prstGeom prst="rect">
@@ -9521,7 +10130,7 @@
         </p:nvSpPr>
         <p:spPr>
           <a:xfrm>
-            <a:off x="240367" y="499186"/>
+            <a:off x="240367" y="782632"/>
             <a:ext cx="3139001" cy="246221"/>
           </a:xfrm>
           <a:prstGeom prst="rect">
@@ -9583,7 +10192,7 @@
         </p:nvSpPr>
         <p:spPr>
           <a:xfrm>
-            <a:off x="5148062" y="1491630"/>
+            <a:off x="5148062" y="1631060"/>
             <a:ext cx="3024337" cy="216024"/>
           </a:xfrm>
           <a:prstGeom prst="rect">
@@ -9630,7 +10239,7 @@
         </p:nvSpPr>
         <p:spPr>
           <a:xfrm>
-            <a:off x="5148062" y="399716"/>
+            <a:off x="5148062" y="766964"/>
             <a:ext cx="3024336" cy="216024"/>
           </a:xfrm>
           <a:prstGeom prst="rect">
@@ -9677,7 +10286,7 @@
         </p:nvSpPr>
         <p:spPr>
           <a:xfrm>
-            <a:off x="5148062" y="771550"/>
+            <a:off x="5148062" y="1054996"/>
             <a:ext cx="3456386" cy="216024"/>
           </a:xfrm>
           <a:prstGeom prst="rect">
@@ -9713,6 +10322,216 @@
               <a:t>MidPhoneNumberOptionSelector</a:t>
             </a:r>
             <a:endParaRPr lang="ko-KR" altLang="en-US" sz="1400" dirty="0"/>
+          </a:p>
+        </p:txBody>
+      </p:sp>
+      <p:sp>
+        <p:nvSpPr>
+          <p:cNvPr id="2" name="TextBox 1"/>
+          <p:cNvSpPr txBox="1"/>
+          <p:nvPr/>
+        </p:nvSpPr>
+        <p:spPr>
+          <a:xfrm>
+            <a:off x="5148062" y="3147814"/>
+            <a:ext cx="4000834" cy="553998"/>
+          </a:xfrm>
+          <a:prstGeom prst="rect">
+            <a:avLst/>
+          </a:prstGeom>
+          <a:noFill/>
+        </p:spPr>
+        <p:txBody>
+          <a:bodyPr wrap="square" rtlCol="0">
+            <a:spAutoFit/>
+          </a:bodyPr>
+          <a:lstStyle/>
+          <a:p>
+            <a:r>
+              <a:rPr lang="en-US" altLang="ko-KR" dirty="0" smtClean="0"/>
+              <a:t>- Add </a:t>
+            </a:r>
+            <a:r>
+              <a:rPr lang="ko-KR" altLang="en-US" dirty="0" smtClean="0"/>
+              <a:t>완료 후 </a:t>
+            </a:r>
+            <a:r>
+              <a:rPr lang="en-US" altLang="ko-KR" dirty="0" smtClean="0"/>
+              <a:t>Sorting </a:t>
+            </a:r>
+            <a:r>
+              <a:rPr lang="ko-KR" altLang="en-US" dirty="0" smtClean="0"/>
+              <a:t>한번 진행</a:t>
+            </a:r>
+            <a:r>
+              <a:rPr lang="en-US" altLang="ko-KR" dirty="0" smtClean="0"/>
+              <a:t/>
+            </a:r>
+            <a:br>
+              <a:rPr lang="en-US" altLang="ko-KR" dirty="0" smtClean="0"/>
+            </a:br>
+            <a:r>
+              <a:rPr lang="en-US" altLang="ko-KR" dirty="0" smtClean="0"/>
+              <a:t> (</a:t>
+            </a:r>
+            <a:r>
+              <a:rPr lang="ko-KR" altLang="en-US" dirty="0" smtClean="0"/>
+              <a:t>직전 연산자</a:t>
+            </a:r>
+            <a:r>
+              <a:rPr lang="en-US" altLang="ko-KR" dirty="0" smtClean="0"/>
+              <a:t>==ADD&amp;&amp;</a:t>
+            </a:r>
+            <a:r>
+              <a:rPr lang="ko-KR" altLang="en-US" dirty="0" smtClean="0"/>
+              <a:t>현재 연산자 </a:t>
+            </a:r>
+            <a:r>
+              <a:rPr lang="en-US" altLang="ko-KR" dirty="0" smtClean="0"/>
+              <a:t>!=ADD)</a:t>
+            </a:r>
+            <a:endParaRPr lang="ko-KR" altLang="en-US" dirty="0"/>
+          </a:p>
+        </p:txBody>
+      </p:sp>
+      <p:sp>
+        <p:nvSpPr>
+          <p:cNvPr id="38" name="직사각형 37"/>
+          <p:cNvSpPr/>
+          <p:nvPr/>
+        </p:nvSpPr>
+        <p:spPr>
+          <a:xfrm>
+            <a:off x="5148064" y="1919092"/>
+            <a:ext cx="3024337" cy="216024"/>
+          </a:xfrm>
+          <a:prstGeom prst="rect">
+            <a:avLst/>
+          </a:prstGeom>
+          <a:solidFill>
+            <a:srgbClr val="0070C0"/>
+          </a:solidFill>
+        </p:spPr>
+        <p:style>
+          <a:lnRef idx="2">
+            <a:schemeClr val="accent1">
+              <a:shade val="50000"/>
+            </a:schemeClr>
+          </a:lnRef>
+          <a:fillRef idx="1">
+            <a:schemeClr val="accent1"/>
+          </a:fillRef>
+          <a:effectRef idx="0">
+            <a:schemeClr val="accent1"/>
+          </a:effectRef>
+          <a:fontRef idx="minor">
+            <a:schemeClr val="lt1"/>
+          </a:fontRef>
+        </p:style>
+        <p:txBody>
+          <a:bodyPr rtlCol="0" anchor="ctr"/>
+          <a:lstStyle/>
+          <a:p>
+            <a:pPr algn="ctr"/>
+            <a:r>
+              <a:rPr lang="en-US" altLang="ko-KR" sz="1400" dirty="0" err="1" smtClean="0"/>
+              <a:t>BirthdayOptionSelector</a:t>
+            </a:r>
+            <a:endParaRPr lang="ko-KR" altLang="en-US" sz="1400" dirty="0"/>
+          </a:p>
+        </p:txBody>
+      </p:sp>
+      <p:sp>
+        <p:nvSpPr>
+          <p:cNvPr id="43" name="직사각형 42"/>
+          <p:cNvSpPr/>
+          <p:nvPr/>
+        </p:nvSpPr>
+        <p:spPr>
+          <a:xfrm>
+            <a:off x="5148064" y="2207124"/>
+            <a:ext cx="3024337" cy="216024"/>
+          </a:xfrm>
+          <a:prstGeom prst="rect">
+            <a:avLst/>
+          </a:prstGeom>
+          <a:solidFill>
+            <a:srgbClr val="0070C0"/>
+          </a:solidFill>
+        </p:spPr>
+        <p:style>
+          <a:lnRef idx="2">
+            <a:schemeClr val="accent1">
+              <a:shade val="50000"/>
+            </a:schemeClr>
+          </a:lnRef>
+          <a:fillRef idx="1">
+            <a:schemeClr val="accent1"/>
+          </a:fillRef>
+          <a:effectRef idx="0">
+            <a:schemeClr val="accent1"/>
+          </a:effectRef>
+          <a:fontRef idx="minor">
+            <a:schemeClr val="lt1"/>
+          </a:fontRef>
+        </p:style>
+        <p:txBody>
+          <a:bodyPr rtlCol="0" anchor="ctr"/>
+          <a:lstStyle/>
+          <a:p>
+            <a:pPr algn="ctr"/>
+            <a:r>
+              <a:rPr lang="en-US" altLang="ko-KR" sz="1400" dirty="0" err="1" smtClean="0"/>
+              <a:t>BirthdayOptionSelector</a:t>
+            </a:r>
+            <a:endParaRPr lang="ko-KR" altLang="en-US" sz="1400" dirty="0"/>
+          </a:p>
+        </p:txBody>
+      </p:sp>
+      <p:sp>
+        <p:nvSpPr>
+          <p:cNvPr id="44" name="직사각형 43"/>
+          <p:cNvSpPr/>
+          <p:nvPr/>
+        </p:nvSpPr>
+        <p:spPr>
+          <a:xfrm>
+            <a:off x="323528" y="101330"/>
+            <a:ext cx="864096" cy="288032"/>
+          </a:xfrm>
+          <a:prstGeom prst="rect">
+            <a:avLst/>
+          </a:prstGeom>
+          <a:solidFill>
+            <a:srgbClr val="0070C0"/>
+          </a:solidFill>
+        </p:spPr>
+        <p:style>
+          <a:lnRef idx="2">
+            <a:schemeClr val="accent1">
+              <a:shade val="50000"/>
+            </a:schemeClr>
+          </a:lnRef>
+          <a:fillRef idx="1">
+            <a:schemeClr val="accent1"/>
+          </a:fillRef>
+          <a:effectRef idx="0">
+            <a:schemeClr val="accent1"/>
+          </a:effectRef>
+          <a:fontRef idx="minor">
+            <a:schemeClr val="lt1"/>
+          </a:fontRef>
+        </p:style>
+        <p:txBody>
+          <a:bodyPr rtlCol="0" anchor="ctr"/>
+          <a:lstStyle/>
+          <a:p>
+            <a:pPr algn="ctr"/>
+            <a:r>
+              <a:rPr lang="en-US" altLang="ko-KR" dirty="0" smtClean="0"/>
+              <a:t>Main</a:t>
+            </a:r>
+            <a:endParaRPr lang="ko-KR" altLang="en-US" dirty="0"/>
           </a:p>
         </p:txBody>
       </p:sp>
@@ -9748,282 +10567,2155 @@
       </p:grpSpPr>
       <p:sp>
         <p:nvSpPr>
-          <p:cNvPr id="5" name="직사각형 4"/>
+          <p:cNvPr id="4" name="직사각형 3"/>
           <p:cNvSpPr/>
           <p:nvPr/>
         </p:nvSpPr>
         <p:spPr>
           <a:xfrm>
-            <a:off x="899592" y="483518"/>
-            <a:ext cx="4572000" cy="3785652"/>
-          </a:xfrm>
-          <a:prstGeom prst="rect">
-            <a:avLst/>
-          </a:prstGeom>
-        </p:spPr>
-        <p:txBody>
-          <a:bodyPr>
+            <a:off x="395536" y="1054996"/>
+            <a:ext cx="864096" cy="288032"/>
+          </a:xfrm>
+          <a:prstGeom prst="rect">
+            <a:avLst/>
+          </a:prstGeom>
+          <a:solidFill>
+            <a:srgbClr val="0070C0"/>
+          </a:solidFill>
+        </p:spPr>
+        <p:style>
+          <a:lnRef idx="2">
+            <a:schemeClr val="accent1">
+              <a:shade val="50000"/>
+            </a:schemeClr>
+          </a:lnRef>
+          <a:fillRef idx="1">
+            <a:schemeClr val="accent1"/>
+          </a:fillRef>
+          <a:effectRef idx="0">
+            <a:schemeClr val="accent1"/>
+          </a:effectRef>
+          <a:fontRef idx="minor">
+            <a:schemeClr val="lt1"/>
+          </a:fontRef>
+        </p:style>
+        <p:txBody>
+          <a:bodyPr rtlCol="0" anchor="ctr"/>
+          <a:lstStyle/>
+          <a:p>
+            <a:pPr algn="ctr"/>
+            <a:r>
+              <a:rPr lang="en-US" altLang="ko-KR" dirty="0" smtClean="0"/>
+              <a:t>Parser</a:t>
+            </a:r>
+            <a:endParaRPr lang="ko-KR" altLang="en-US" dirty="0"/>
+          </a:p>
+        </p:txBody>
+      </p:sp>
+      <p:sp>
+        <p:nvSpPr>
+          <p:cNvPr id="7" name="직사각형 6"/>
+          <p:cNvSpPr/>
+          <p:nvPr/>
+        </p:nvSpPr>
+        <p:spPr>
+          <a:xfrm>
+            <a:off x="395536" y="1920301"/>
+            <a:ext cx="1728192" cy="288032"/>
+          </a:xfrm>
+          <a:prstGeom prst="rect">
+            <a:avLst/>
+          </a:prstGeom>
+          <a:solidFill>
+            <a:srgbClr val="00B050"/>
+          </a:solidFill>
+        </p:spPr>
+        <p:style>
+          <a:lnRef idx="2">
+            <a:schemeClr val="accent1">
+              <a:shade val="50000"/>
+            </a:schemeClr>
+          </a:lnRef>
+          <a:fillRef idx="1">
+            <a:schemeClr val="accent1"/>
+          </a:fillRef>
+          <a:effectRef idx="0">
+            <a:schemeClr val="accent1"/>
+          </a:effectRef>
+          <a:fontRef idx="minor">
+            <a:schemeClr val="lt1"/>
+          </a:fontRef>
+        </p:style>
+        <p:txBody>
+          <a:bodyPr rtlCol="0" anchor="ctr"/>
+          <a:lstStyle/>
+          <a:p>
+            <a:pPr algn="ctr"/>
+            <a:r>
+              <a:rPr lang="en-US" altLang="ko-KR" dirty="0" err="1" smtClean="0"/>
+              <a:t>InputManager</a:t>
+            </a:r>
+            <a:endParaRPr lang="ko-KR" altLang="en-US" dirty="0"/>
+          </a:p>
+        </p:txBody>
+      </p:sp>
+      <p:sp>
+        <p:nvSpPr>
+          <p:cNvPr id="10" name="직사각형 9"/>
+          <p:cNvSpPr/>
+          <p:nvPr/>
+        </p:nvSpPr>
+        <p:spPr>
+          <a:xfrm>
+            <a:off x="395536" y="3579862"/>
+            <a:ext cx="1036638" cy="288032"/>
+          </a:xfrm>
+          <a:prstGeom prst="rect">
+            <a:avLst/>
+          </a:prstGeom>
+          <a:solidFill>
+            <a:srgbClr val="00B050"/>
+          </a:solidFill>
+        </p:spPr>
+        <p:style>
+          <a:lnRef idx="2">
+            <a:schemeClr val="accent1">
+              <a:shade val="50000"/>
+            </a:schemeClr>
+          </a:lnRef>
+          <a:fillRef idx="1">
+            <a:schemeClr val="accent1"/>
+          </a:fillRef>
+          <a:effectRef idx="0">
+            <a:schemeClr val="accent1"/>
+          </a:effectRef>
+          <a:fontRef idx="minor">
+            <a:schemeClr val="lt1"/>
+          </a:fontRef>
+        </p:style>
+        <p:txBody>
+          <a:bodyPr rtlCol="0" anchor="ctr"/>
+          <a:lstStyle/>
+          <a:p>
+            <a:pPr algn="ctr"/>
+            <a:r>
+              <a:rPr lang="en-US" altLang="ko-KR" dirty="0" smtClean="0"/>
+              <a:t>Operator</a:t>
+            </a:r>
+            <a:endParaRPr lang="ko-KR" altLang="en-US" dirty="0"/>
+          </a:p>
+        </p:txBody>
+      </p:sp>
+      <p:sp>
+        <p:nvSpPr>
+          <p:cNvPr id="12" name="직사각형 11"/>
+          <p:cNvSpPr/>
+          <p:nvPr/>
+        </p:nvSpPr>
+        <p:spPr>
+          <a:xfrm>
+            <a:off x="467544" y="4060911"/>
+            <a:ext cx="864096" cy="288032"/>
+          </a:xfrm>
+          <a:prstGeom prst="rect">
+            <a:avLst/>
+          </a:prstGeom>
+          <a:solidFill>
+            <a:srgbClr val="0070C0"/>
+          </a:solidFill>
+        </p:spPr>
+        <p:style>
+          <a:lnRef idx="2">
+            <a:schemeClr val="accent1">
+              <a:shade val="50000"/>
+            </a:schemeClr>
+          </a:lnRef>
+          <a:fillRef idx="1">
+            <a:schemeClr val="accent1"/>
+          </a:fillRef>
+          <a:effectRef idx="0">
+            <a:schemeClr val="accent1"/>
+          </a:effectRef>
+          <a:fontRef idx="minor">
+            <a:schemeClr val="lt1"/>
+          </a:fontRef>
+        </p:style>
+        <p:txBody>
+          <a:bodyPr rtlCol="0" anchor="ctr"/>
+          <a:lstStyle/>
+          <a:p>
+            <a:pPr algn="ctr"/>
+            <a:r>
+              <a:rPr lang="en-US" altLang="ko-KR" dirty="0" smtClean="0"/>
+              <a:t>ADD</a:t>
+            </a:r>
+            <a:endParaRPr lang="ko-KR" altLang="en-US" dirty="0"/>
+          </a:p>
+        </p:txBody>
+      </p:sp>
+      <p:sp>
+        <p:nvSpPr>
+          <p:cNvPr id="13" name="직사각형 12"/>
+          <p:cNvSpPr/>
+          <p:nvPr/>
+        </p:nvSpPr>
+        <p:spPr>
+          <a:xfrm>
+            <a:off x="1463710" y="4054358"/>
+            <a:ext cx="864096" cy="288032"/>
+          </a:xfrm>
+          <a:prstGeom prst="rect">
+            <a:avLst/>
+          </a:prstGeom>
+          <a:solidFill>
+            <a:srgbClr val="0070C0"/>
+          </a:solidFill>
+        </p:spPr>
+        <p:style>
+          <a:lnRef idx="2">
+            <a:schemeClr val="accent1">
+              <a:shade val="50000"/>
+            </a:schemeClr>
+          </a:lnRef>
+          <a:fillRef idx="1">
+            <a:schemeClr val="accent1"/>
+          </a:fillRef>
+          <a:effectRef idx="0">
+            <a:schemeClr val="accent1"/>
+          </a:effectRef>
+          <a:fontRef idx="minor">
+            <a:schemeClr val="lt1"/>
+          </a:fontRef>
+        </p:style>
+        <p:txBody>
+          <a:bodyPr rtlCol="0" anchor="ctr"/>
+          <a:lstStyle/>
+          <a:p>
+            <a:pPr algn="ctr"/>
+            <a:r>
+              <a:rPr lang="en-US" altLang="ko-KR" dirty="0" smtClean="0"/>
+              <a:t>SCH</a:t>
+            </a:r>
+            <a:endParaRPr lang="ko-KR" altLang="en-US" dirty="0"/>
+          </a:p>
+        </p:txBody>
+      </p:sp>
+      <p:sp>
+        <p:nvSpPr>
+          <p:cNvPr id="14" name="직사각형 13"/>
+          <p:cNvSpPr/>
+          <p:nvPr/>
+        </p:nvSpPr>
+        <p:spPr>
+          <a:xfrm>
+            <a:off x="2461683" y="4054358"/>
+            <a:ext cx="864096" cy="288032"/>
+          </a:xfrm>
+          <a:prstGeom prst="rect">
+            <a:avLst/>
+          </a:prstGeom>
+          <a:solidFill>
+            <a:srgbClr val="0070C0"/>
+          </a:solidFill>
+        </p:spPr>
+        <p:style>
+          <a:lnRef idx="2">
+            <a:schemeClr val="accent1">
+              <a:shade val="50000"/>
+            </a:schemeClr>
+          </a:lnRef>
+          <a:fillRef idx="1">
+            <a:schemeClr val="accent1"/>
+          </a:fillRef>
+          <a:effectRef idx="0">
+            <a:schemeClr val="accent1"/>
+          </a:effectRef>
+          <a:fontRef idx="minor">
+            <a:schemeClr val="lt1"/>
+          </a:fontRef>
+        </p:style>
+        <p:txBody>
+          <a:bodyPr rtlCol="0" anchor="ctr"/>
+          <a:lstStyle/>
+          <a:p>
+            <a:pPr algn="ctr"/>
+            <a:r>
+              <a:rPr lang="en-US" altLang="ko-KR" dirty="0" smtClean="0"/>
+              <a:t>MOD</a:t>
+            </a:r>
+            <a:endParaRPr lang="ko-KR" altLang="en-US" dirty="0"/>
+          </a:p>
+        </p:txBody>
+      </p:sp>
+      <p:sp>
+        <p:nvSpPr>
+          <p:cNvPr id="15" name="직사각형 14"/>
+          <p:cNvSpPr/>
+          <p:nvPr/>
+        </p:nvSpPr>
+        <p:spPr>
+          <a:xfrm>
+            <a:off x="3452882" y="4054358"/>
+            <a:ext cx="864096" cy="288032"/>
+          </a:xfrm>
+          <a:prstGeom prst="rect">
+            <a:avLst/>
+          </a:prstGeom>
+          <a:solidFill>
+            <a:srgbClr val="0070C0"/>
+          </a:solidFill>
+        </p:spPr>
+        <p:style>
+          <a:lnRef idx="2">
+            <a:schemeClr val="accent1">
+              <a:shade val="50000"/>
+            </a:schemeClr>
+          </a:lnRef>
+          <a:fillRef idx="1">
+            <a:schemeClr val="accent1"/>
+          </a:fillRef>
+          <a:effectRef idx="0">
+            <a:schemeClr val="accent1"/>
+          </a:effectRef>
+          <a:fontRef idx="minor">
+            <a:schemeClr val="lt1"/>
+          </a:fontRef>
+        </p:style>
+        <p:txBody>
+          <a:bodyPr rtlCol="0" anchor="ctr"/>
+          <a:lstStyle/>
+          <a:p>
+            <a:pPr algn="ctr"/>
+            <a:r>
+              <a:rPr lang="en-US" altLang="ko-KR" dirty="0" smtClean="0"/>
+              <a:t>DEL</a:t>
+            </a:r>
+            <a:endParaRPr lang="ko-KR" altLang="en-US" dirty="0"/>
+          </a:p>
+        </p:txBody>
+      </p:sp>
+      <p:sp>
+        <p:nvSpPr>
+          <p:cNvPr id="17" name="직사각형 16"/>
+          <p:cNvSpPr/>
+          <p:nvPr/>
+        </p:nvSpPr>
+        <p:spPr>
+          <a:xfrm>
+            <a:off x="395536" y="501169"/>
+            <a:ext cx="1728192" cy="288032"/>
+          </a:xfrm>
+          <a:prstGeom prst="rect">
+            <a:avLst/>
+          </a:prstGeom>
+          <a:solidFill>
+            <a:srgbClr val="0070C0"/>
+          </a:solidFill>
+        </p:spPr>
+        <p:style>
+          <a:lnRef idx="2">
+            <a:schemeClr val="accent1">
+              <a:shade val="50000"/>
+            </a:schemeClr>
+          </a:lnRef>
+          <a:fillRef idx="1">
+            <a:schemeClr val="accent1"/>
+          </a:fillRef>
+          <a:effectRef idx="0">
+            <a:schemeClr val="accent1"/>
+          </a:effectRef>
+          <a:fontRef idx="minor">
+            <a:schemeClr val="lt1"/>
+          </a:fontRef>
+        </p:style>
+        <p:txBody>
+          <a:bodyPr rtlCol="0" anchor="ctr"/>
+          <a:lstStyle/>
+          <a:p>
+            <a:pPr algn="ctr"/>
+            <a:r>
+              <a:rPr lang="en-US" altLang="ko-KR" dirty="0" err="1" smtClean="0"/>
+              <a:t>FileManager</a:t>
+            </a:r>
+            <a:endParaRPr lang="ko-KR" altLang="en-US" dirty="0"/>
+          </a:p>
+        </p:txBody>
+      </p:sp>
+      <p:sp>
+        <p:nvSpPr>
+          <p:cNvPr id="19" name="직사각형 18"/>
+          <p:cNvSpPr/>
+          <p:nvPr/>
+        </p:nvSpPr>
+        <p:spPr>
+          <a:xfrm>
+            <a:off x="197618" y="2859782"/>
+            <a:ext cx="2123728" cy="288032"/>
+          </a:xfrm>
+          <a:prstGeom prst="rect">
+            <a:avLst/>
+          </a:prstGeom>
+          <a:solidFill>
+            <a:srgbClr val="0070C0"/>
+          </a:solidFill>
+        </p:spPr>
+        <p:style>
+          <a:lnRef idx="2">
+            <a:schemeClr val="accent1">
+              <a:shade val="50000"/>
+            </a:schemeClr>
+          </a:lnRef>
+          <a:fillRef idx="1">
+            <a:schemeClr val="accent1"/>
+          </a:fillRef>
+          <a:effectRef idx="0">
+            <a:schemeClr val="accent1"/>
+          </a:effectRef>
+          <a:fontRef idx="minor">
+            <a:schemeClr val="lt1"/>
+          </a:fontRef>
+        </p:style>
+        <p:txBody>
+          <a:bodyPr rtlCol="0" anchor="ctr"/>
+          <a:lstStyle/>
+          <a:p>
+            <a:pPr algn="ctr"/>
+            <a:r>
+              <a:rPr lang="en-US" altLang="ko-KR" dirty="0" err="1" smtClean="0"/>
+              <a:t>AddInputManager</a:t>
+            </a:r>
+            <a:endParaRPr lang="ko-KR" altLang="en-US" dirty="0"/>
+          </a:p>
+        </p:txBody>
+      </p:sp>
+      <p:sp>
+        <p:nvSpPr>
+          <p:cNvPr id="20" name="직사각형 19"/>
+          <p:cNvSpPr/>
+          <p:nvPr/>
+        </p:nvSpPr>
+        <p:spPr>
+          <a:xfrm>
+            <a:off x="2418533" y="2858911"/>
+            <a:ext cx="2123728" cy="288032"/>
+          </a:xfrm>
+          <a:prstGeom prst="rect">
+            <a:avLst/>
+          </a:prstGeom>
+          <a:solidFill>
+            <a:srgbClr val="0070C0"/>
+          </a:solidFill>
+        </p:spPr>
+        <p:style>
+          <a:lnRef idx="2">
+            <a:schemeClr val="accent1">
+              <a:shade val="50000"/>
+            </a:schemeClr>
+          </a:lnRef>
+          <a:fillRef idx="1">
+            <a:schemeClr val="accent1"/>
+          </a:fillRef>
+          <a:effectRef idx="0">
+            <a:schemeClr val="accent1"/>
+          </a:effectRef>
+          <a:fontRef idx="minor">
+            <a:schemeClr val="lt1"/>
+          </a:fontRef>
+        </p:style>
+        <p:txBody>
+          <a:bodyPr rtlCol="0" anchor="ctr"/>
+          <a:lstStyle/>
+          <a:p>
+            <a:pPr algn="ctr"/>
+            <a:r>
+              <a:rPr lang="en-US" altLang="ko-KR" dirty="0" err="1" smtClean="0"/>
+              <a:t>Sch</a:t>
+            </a:r>
+            <a:r>
+              <a:rPr lang="en-US" altLang="ko-KR" dirty="0" err="1"/>
+              <a:t>InputManager</a:t>
+            </a:r>
+            <a:endParaRPr lang="ko-KR" altLang="en-US" dirty="0"/>
+          </a:p>
+        </p:txBody>
+      </p:sp>
+      <p:sp>
+        <p:nvSpPr>
+          <p:cNvPr id="21" name="직사각형 20"/>
+          <p:cNvSpPr/>
+          <p:nvPr/>
+        </p:nvSpPr>
+        <p:spPr>
+          <a:xfrm>
+            <a:off x="4644008" y="2858911"/>
+            <a:ext cx="2123728" cy="288032"/>
+          </a:xfrm>
+          <a:prstGeom prst="rect">
+            <a:avLst/>
+          </a:prstGeom>
+          <a:solidFill>
+            <a:srgbClr val="0070C0"/>
+          </a:solidFill>
+        </p:spPr>
+        <p:style>
+          <a:lnRef idx="2">
+            <a:schemeClr val="accent1">
+              <a:shade val="50000"/>
+            </a:schemeClr>
+          </a:lnRef>
+          <a:fillRef idx="1">
+            <a:schemeClr val="accent1"/>
+          </a:fillRef>
+          <a:effectRef idx="0">
+            <a:schemeClr val="accent1"/>
+          </a:effectRef>
+          <a:fontRef idx="minor">
+            <a:schemeClr val="lt1"/>
+          </a:fontRef>
+        </p:style>
+        <p:txBody>
+          <a:bodyPr rtlCol="0" anchor="ctr"/>
+          <a:lstStyle/>
+          <a:p>
+            <a:pPr algn="ctr"/>
+            <a:r>
+              <a:rPr lang="en-US" altLang="ko-KR" dirty="0" err="1" smtClean="0"/>
+              <a:t>Mod</a:t>
+            </a:r>
+            <a:r>
+              <a:rPr lang="en-US" altLang="ko-KR" dirty="0" err="1"/>
+              <a:t>InputManager</a:t>
+            </a:r>
+            <a:endParaRPr lang="ko-KR" altLang="en-US" dirty="0"/>
+          </a:p>
+        </p:txBody>
+      </p:sp>
+      <p:sp>
+        <p:nvSpPr>
+          <p:cNvPr id="22" name="직사각형 21"/>
+          <p:cNvSpPr/>
+          <p:nvPr/>
+        </p:nvSpPr>
+        <p:spPr>
+          <a:xfrm>
+            <a:off x="6876256" y="2859782"/>
+            <a:ext cx="2122714" cy="288032"/>
+          </a:xfrm>
+          <a:prstGeom prst="rect">
+            <a:avLst/>
+          </a:prstGeom>
+          <a:solidFill>
+            <a:srgbClr val="0070C0"/>
+          </a:solidFill>
+        </p:spPr>
+        <p:style>
+          <a:lnRef idx="2">
+            <a:schemeClr val="accent1">
+              <a:shade val="50000"/>
+            </a:schemeClr>
+          </a:lnRef>
+          <a:fillRef idx="1">
+            <a:schemeClr val="accent1"/>
+          </a:fillRef>
+          <a:effectRef idx="0">
+            <a:schemeClr val="accent1"/>
+          </a:effectRef>
+          <a:fontRef idx="minor">
+            <a:schemeClr val="lt1"/>
+          </a:fontRef>
+        </p:style>
+        <p:txBody>
+          <a:bodyPr rtlCol="0" anchor="ctr"/>
+          <a:lstStyle/>
+          <a:p>
+            <a:pPr algn="ctr"/>
+            <a:r>
+              <a:rPr lang="en-US" altLang="ko-KR" dirty="0" err="1"/>
+              <a:t>DelInputManager</a:t>
+            </a:r>
+            <a:endParaRPr lang="ko-KR" altLang="en-US" dirty="0"/>
+          </a:p>
+        </p:txBody>
+      </p:sp>
+      <p:cxnSp>
+        <p:nvCxnSpPr>
+          <p:cNvPr id="29" name="직선 화살표 연결선 28"/>
+          <p:cNvCxnSpPr>
+            <a:stCxn id="19" idx="0"/>
+            <a:endCxn id="7" idx="2"/>
+          </p:cNvCxnSpPr>
+          <p:nvPr/>
+        </p:nvCxnSpPr>
+        <p:spPr>
+          <a:xfrm flipV="1">
+            <a:off x="1259482" y="2208333"/>
+            <a:ext cx="150" cy="651449"/>
+          </a:xfrm>
+          <a:prstGeom prst="straightConnector1">
+            <a:avLst/>
+          </a:prstGeom>
+          <a:ln>
+            <a:tailEnd type="arrow"/>
+          </a:ln>
+        </p:spPr>
+        <p:style>
+          <a:lnRef idx="1">
+            <a:schemeClr val="accent1"/>
+          </a:lnRef>
+          <a:fillRef idx="0">
+            <a:schemeClr val="accent1"/>
+          </a:fillRef>
+          <a:effectRef idx="0">
+            <a:schemeClr val="accent1"/>
+          </a:effectRef>
+          <a:fontRef idx="minor">
+            <a:schemeClr val="tx1"/>
+          </a:fontRef>
+        </p:style>
+      </p:cxnSp>
+      <p:cxnSp>
+        <p:nvCxnSpPr>
+          <p:cNvPr id="33" name="꺾인 연결선 32"/>
+          <p:cNvCxnSpPr>
+            <a:stCxn id="7" idx="1"/>
+            <a:endCxn id="10" idx="1"/>
+          </p:cNvCxnSpPr>
+          <p:nvPr/>
+        </p:nvCxnSpPr>
+        <p:spPr>
+          <a:xfrm rot="10800000" flipV="1">
+            <a:off x="395536" y="2064316"/>
+            <a:ext cx="12700" cy="1659561"/>
+          </a:xfrm>
+          <a:prstGeom prst="bentConnector3">
+            <a:avLst>
+              <a:gd name="adj1" fmla="val 1800000"/>
+            </a:avLst>
+          </a:prstGeom>
+          <a:ln>
+            <a:tailEnd type="arrow"/>
+          </a:ln>
+        </p:spPr>
+        <p:style>
+          <a:lnRef idx="1">
+            <a:schemeClr val="accent1"/>
+          </a:lnRef>
+          <a:fillRef idx="0">
+            <a:schemeClr val="accent1"/>
+          </a:fillRef>
+          <a:effectRef idx="0">
+            <a:schemeClr val="accent1"/>
+          </a:effectRef>
+          <a:fontRef idx="minor">
+            <a:schemeClr val="tx1"/>
+          </a:fontRef>
+        </p:style>
+      </p:cxnSp>
+      <p:sp>
+        <p:nvSpPr>
+          <p:cNvPr id="28" name="직사각형 27"/>
+          <p:cNvSpPr/>
+          <p:nvPr/>
+        </p:nvSpPr>
+        <p:spPr>
+          <a:xfrm>
+            <a:off x="9410719" y="1491630"/>
+            <a:ext cx="1353243" cy="288032"/>
+          </a:xfrm>
+          <a:prstGeom prst="rect">
+            <a:avLst/>
+          </a:prstGeom>
+          <a:solidFill>
+            <a:srgbClr val="0070C0"/>
+          </a:solidFill>
+        </p:spPr>
+        <p:style>
+          <a:lnRef idx="2">
+            <a:schemeClr val="accent1">
+              <a:shade val="50000"/>
+            </a:schemeClr>
+          </a:lnRef>
+          <a:fillRef idx="1">
+            <a:schemeClr val="accent1"/>
+          </a:fillRef>
+          <a:effectRef idx="0">
+            <a:schemeClr val="accent1"/>
+          </a:effectRef>
+          <a:fontRef idx="minor">
+            <a:schemeClr val="lt1"/>
+          </a:fontRef>
+        </p:style>
+        <p:txBody>
+          <a:bodyPr rtlCol="0" anchor="ctr"/>
+          <a:lstStyle/>
+          <a:p>
+            <a:pPr algn="ctr"/>
+            <a:r>
+              <a:rPr lang="en-US" altLang="ko-KR" dirty="0" smtClean="0"/>
+              <a:t>Employee</a:t>
+            </a:r>
+            <a:endParaRPr lang="ko-KR" altLang="en-US" dirty="0"/>
+          </a:p>
+        </p:txBody>
+      </p:sp>
+      <p:cxnSp>
+        <p:nvCxnSpPr>
+          <p:cNvPr id="30" name="직선 화살표 연결선 29"/>
+          <p:cNvCxnSpPr>
+            <a:stCxn id="20" idx="0"/>
+            <a:endCxn id="7" idx="2"/>
+          </p:cNvCxnSpPr>
+          <p:nvPr/>
+        </p:nvCxnSpPr>
+        <p:spPr>
+          <a:xfrm flipH="1" flipV="1">
+            <a:off x="1259632" y="2208333"/>
+            <a:ext cx="2220765" cy="650578"/>
+          </a:xfrm>
+          <a:prstGeom prst="straightConnector1">
+            <a:avLst/>
+          </a:prstGeom>
+          <a:ln>
+            <a:tailEnd type="arrow"/>
+          </a:ln>
+        </p:spPr>
+        <p:style>
+          <a:lnRef idx="1">
+            <a:schemeClr val="accent1"/>
+          </a:lnRef>
+          <a:fillRef idx="0">
+            <a:schemeClr val="accent1"/>
+          </a:fillRef>
+          <a:effectRef idx="0">
+            <a:schemeClr val="accent1"/>
+          </a:effectRef>
+          <a:fontRef idx="minor">
+            <a:schemeClr val="tx1"/>
+          </a:fontRef>
+        </p:style>
+      </p:cxnSp>
+      <p:cxnSp>
+        <p:nvCxnSpPr>
+          <p:cNvPr id="31" name="직선 화살표 연결선 30"/>
+          <p:cNvCxnSpPr>
+            <a:stCxn id="21" idx="0"/>
+            <a:endCxn id="7" idx="2"/>
+          </p:cNvCxnSpPr>
+          <p:nvPr/>
+        </p:nvCxnSpPr>
+        <p:spPr>
+          <a:xfrm flipH="1" flipV="1">
+            <a:off x="1259632" y="2208333"/>
+            <a:ext cx="4446240" cy="650578"/>
+          </a:xfrm>
+          <a:prstGeom prst="straightConnector1">
+            <a:avLst/>
+          </a:prstGeom>
+          <a:ln>
+            <a:tailEnd type="arrow"/>
+          </a:ln>
+        </p:spPr>
+        <p:style>
+          <a:lnRef idx="1">
+            <a:schemeClr val="accent1"/>
+          </a:lnRef>
+          <a:fillRef idx="0">
+            <a:schemeClr val="accent1"/>
+          </a:fillRef>
+          <a:effectRef idx="0">
+            <a:schemeClr val="accent1"/>
+          </a:effectRef>
+          <a:fontRef idx="minor">
+            <a:schemeClr val="tx1"/>
+          </a:fontRef>
+        </p:style>
+      </p:cxnSp>
+      <p:cxnSp>
+        <p:nvCxnSpPr>
+          <p:cNvPr id="34" name="직선 화살표 연결선 33"/>
+          <p:cNvCxnSpPr>
+            <a:stCxn id="22" idx="0"/>
+            <a:endCxn id="7" idx="2"/>
+          </p:cNvCxnSpPr>
+          <p:nvPr/>
+        </p:nvCxnSpPr>
+        <p:spPr>
+          <a:xfrm flipH="1" flipV="1">
+            <a:off x="1259632" y="2208333"/>
+            <a:ext cx="6677981" cy="651449"/>
+          </a:xfrm>
+          <a:prstGeom prst="straightConnector1">
+            <a:avLst/>
+          </a:prstGeom>
+          <a:ln>
+            <a:tailEnd type="arrow"/>
+          </a:ln>
+        </p:spPr>
+        <p:style>
+          <a:lnRef idx="1">
+            <a:schemeClr val="accent1"/>
+          </a:lnRef>
+          <a:fillRef idx="0">
+            <a:schemeClr val="accent1"/>
+          </a:fillRef>
+          <a:effectRef idx="0">
+            <a:schemeClr val="accent1"/>
+          </a:effectRef>
+          <a:fontRef idx="minor">
+            <a:schemeClr val="tx1"/>
+          </a:fontRef>
+        </p:style>
+      </p:cxnSp>
+      <p:cxnSp>
+        <p:nvCxnSpPr>
+          <p:cNvPr id="39" name="직선 화살표 연결선 38"/>
+          <p:cNvCxnSpPr>
+            <a:stCxn id="12" idx="0"/>
+            <a:endCxn id="10" idx="2"/>
+          </p:cNvCxnSpPr>
+          <p:nvPr/>
+        </p:nvCxnSpPr>
+        <p:spPr>
+          <a:xfrm flipV="1">
+            <a:off x="899592" y="3867894"/>
+            <a:ext cx="14263" cy="193017"/>
+          </a:xfrm>
+          <a:prstGeom prst="straightConnector1">
+            <a:avLst/>
+          </a:prstGeom>
+          <a:ln>
+            <a:tailEnd type="arrow"/>
+          </a:ln>
+        </p:spPr>
+        <p:style>
+          <a:lnRef idx="1">
+            <a:schemeClr val="accent1"/>
+          </a:lnRef>
+          <a:fillRef idx="0">
+            <a:schemeClr val="accent1"/>
+          </a:fillRef>
+          <a:effectRef idx="0">
+            <a:schemeClr val="accent1"/>
+          </a:effectRef>
+          <a:fontRef idx="minor">
+            <a:schemeClr val="tx1"/>
+          </a:fontRef>
+        </p:style>
+      </p:cxnSp>
+      <p:cxnSp>
+        <p:nvCxnSpPr>
+          <p:cNvPr id="40" name="직선 화살표 연결선 39"/>
+          <p:cNvCxnSpPr>
+            <a:stCxn id="13" idx="0"/>
+            <a:endCxn id="10" idx="2"/>
+          </p:cNvCxnSpPr>
+          <p:nvPr/>
+        </p:nvCxnSpPr>
+        <p:spPr>
+          <a:xfrm flipH="1" flipV="1">
+            <a:off x="913855" y="3867894"/>
+            <a:ext cx="981903" cy="186464"/>
+          </a:xfrm>
+          <a:prstGeom prst="straightConnector1">
+            <a:avLst/>
+          </a:prstGeom>
+          <a:ln>
+            <a:tailEnd type="arrow"/>
+          </a:ln>
+        </p:spPr>
+        <p:style>
+          <a:lnRef idx="1">
+            <a:schemeClr val="accent1"/>
+          </a:lnRef>
+          <a:fillRef idx="0">
+            <a:schemeClr val="accent1"/>
+          </a:fillRef>
+          <a:effectRef idx="0">
+            <a:schemeClr val="accent1"/>
+          </a:effectRef>
+          <a:fontRef idx="minor">
+            <a:schemeClr val="tx1"/>
+          </a:fontRef>
+        </p:style>
+      </p:cxnSp>
+      <p:cxnSp>
+        <p:nvCxnSpPr>
+          <p:cNvPr id="41" name="직선 화살표 연결선 40"/>
+          <p:cNvCxnSpPr>
+            <a:stCxn id="14" idx="0"/>
+            <a:endCxn id="10" idx="2"/>
+          </p:cNvCxnSpPr>
+          <p:nvPr/>
+        </p:nvCxnSpPr>
+        <p:spPr>
+          <a:xfrm flipH="1" flipV="1">
+            <a:off x="913855" y="3867894"/>
+            <a:ext cx="1979876" cy="186464"/>
+          </a:xfrm>
+          <a:prstGeom prst="straightConnector1">
+            <a:avLst/>
+          </a:prstGeom>
+          <a:ln>
+            <a:tailEnd type="arrow"/>
+          </a:ln>
+        </p:spPr>
+        <p:style>
+          <a:lnRef idx="1">
+            <a:schemeClr val="accent1"/>
+          </a:lnRef>
+          <a:fillRef idx="0">
+            <a:schemeClr val="accent1"/>
+          </a:fillRef>
+          <a:effectRef idx="0">
+            <a:schemeClr val="accent1"/>
+          </a:effectRef>
+          <a:fontRef idx="minor">
+            <a:schemeClr val="tx1"/>
+          </a:fontRef>
+        </p:style>
+      </p:cxnSp>
+      <p:cxnSp>
+        <p:nvCxnSpPr>
+          <p:cNvPr id="42" name="직선 화살표 연결선 41"/>
+          <p:cNvCxnSpPr>
+            <a:stCxn id="15" idx="0"/>
+            <a:endCxn id="10" idx="2"/>
+          </p:cNvCxnSpPr>
+          <p:nvPr/>
+        </p:nvCxnSpPr>
+        <p:spPr>
+          <a:xfrm flipH="1" flipV="1">
+            <a:off x="913855" y="3867894"/>
+            <a:ext cx="2971075" cy="186464"/>
+          </a:xfrm>
+          <a:prstGeom prst="straightConnector1">
+            <a:avLst/>
+          </a:prstGeom>
+          <a:ln>
+            <a:tailEnd type="arrow"/>
+          </a:ln>
+        </p:spPr>
+        <p:style>
+          <a:lnRef idx="1">
+            <a:schemeClr val="accent1"/>
+          </a:lnRef>
+          <a:fillRef idx="0">
+            <a:schemeClr val="accent1"/>
+          </a:fillRef>
+          <a:effectRef idx="0">
+            <a:schemeClr val="accent1"/>
+          </a:effectRef>
+          <a:fontRef idx="minor">
+            <a:schemeClr val="tx1"/>
+          </a:fontRef>
+        </p:style>
+      </p:cxnSp>
+      <p:sp>
+        <p:nvSpPr>
+          <p:cNvPr id="50" name="직사각형 49"/>
+          <p:cNvSpPr/>
+          <p:nvPr/>
+        </p:nvSpPr>
+        <p:spPr>
+          <a:xfrm>
+            <a:off x="11052720" y="1491630"/>
+            <a:ext cx="864096" cy="288032"/>
+          </a:xfrm>
+          <a:prstGeom prst="rect">
+            <a:avLst/>
+          </a:prstGeom>
+          <a:solidFill>
+            <a:srgbClr val="0070C0"/>
+          </a:solidFill>
+        </p:spPr>
+        <p:style>
+          <a:lnRef idx="2">
+            <a:schemeClr val="accent1">
+              <a:shade val="50000"/>
+            </a:schemeClr>
+          </a:lnRef>
+          <a:fillRef idx="1">
+            <a:schemeClr val="accent1"/>
+          </a:fillRef>
+          <a:effectRef idx="0">
+            <a:schemeClr val="accent1"/>
+          </a:effectRef>
+          <a:fontRef idx="minor">
+            <a:schemeClr val="lt1"/>
+          </a:fontRef>
+        </p:style>
+        <p:txBody>
+          <a:bodyPr rtlCol="0" anchor="ctr"/>
+          <a:lstStyle/>
+          <a:p>
+            <a:pPr algn="ctr"/>
+            <a:r>
+              <a:rPr lang="en-US" altLang="ko-KR" dirty="0" smtClean="0"/>
+              <a:t>Sort</a:t>
+            </a:r>
+            <a:endParaRPr lang="ko-KR" altLang="en-US" dirty="0"/>
+          </a:p>
+        </p:txBody>
+      </p:sp>
+      <p:sp>
+        <p:nvSpPr>
+          <p:cNvPr id="51" name="직사각형 50"/>
+          <p:cNvSpPr/>
+          <p:nvPr/>
+        </p:nvSpPr>
+        <p:spPr>
+          <a:xfrm>
+            <a:off x="2852559" y="1920300"/>
+            <a:ext cx="2064742" cy="288032"/>
+          </a:xfrm>
+          <a:prstGeom prst="rect">
+            <a:avLst/>
+          </a:prstGeom>
+          <a:solidFill>
+            <a:srgbClr val="0070C0"/>
+          </a:solidFill>
+        </p:spPr>
+        <p:style>
+          <a:lnRef idx="2">
+            <a:schemeClr val="accent1">
+              <a:shade val="50000"/>
+            </a:schemeClr>
+          </a:lnRef>
+          <a:fillRef idx="1">
+            <a:schemeClr val="accent1"/>
+          </a:fillRef>
+          <a:effectRef idx="0">
+            <a:schemeClr val="accent1"/>
+          </a:effectRef>
+          <a:fontRef idx="minor">
+            <a:schemeClr val="lt1"/>
+          </a:fontRef>
+        </p:style>
+        <p:txBody>
+          <a:bodyPr rtlCol="0" anchor="ctr"/>
+          <a:lstStyle/>
+          <a:p>
+            <a:pPr algn="ctr"/>
+            <a:r>
+              <a:rPr lang="en-US" altLang="ko-KR" dirty="0" err="1" smtClean="0"/>
+              <a:t>OptionSelector</a:t>
+            </a:r>
+            <a:endParaRPr lang="ko-KR" altLang="en-US" dirty="0"/>
+          </a:p>
+        </p:txBody>
+      </p:sp>
+      <p:sp>
+        <p:nvSpPr>
+          <p:cNvPr id="52" name="직사각형 51"/>
+          <p:cNvSpPr/>
+          <p:nvPr/>
+        </p:nvSpPr>
+        <p:spPr>
+          <a:xfrm>
+            <a:off x="2461682" y="4573566"/>
+            <a:ext cx="991199" cy="288032"/>
+          </a:xfrm>
+          <a:prstGeom prst="rect">
+            <a:avLst/>
+          </a:prstGeom>
+          <a:solidFill>
+            <a:srgbClr val="0070C0"/>
+          </a:solidFill>
+        </p:spPr>
+        <p:style>
+          <a:lnRef idx="2">
+            <a:schemeClr val="accent1">
+              <a:shade val="50000"/>
+            </a:schemeClr>
+          </a:lnRef>
+          <a:fillRef idx="1">
+            <a:schemeClr val="accent1"/>
+          </a:fillRef>
+          <a:effectRef idx="0">
+            <a:schemeClr val="accent1"/>
+          </a:effectRef>
+          <a:fontRef idx="minor">
+            <a:schemeClr val="lt1"/>
+          </a:fontRef>
+        </p:style>
+        <p:txBody>
+          <a:bodyPr rtlCol="0" anchor="ctr"/>
+          <a:lstStyle/>
+          <a:p>
+            <a:pPr algn="ctr"/>
+            <a:r>
+              <a:rPr lang="en-US" altLang="ko-KR" dirty="0" smtClean="0"/>
+              <a:t>Selector</a:t>
+            </a:r>
+            <a:endParaRPr lang="ko-KR" altLang="en-US" dirty="0"/>
+          </a:p>
+        </p:txBody>
+      </p:sp>
+      <p:sp>
+        <p:nvSpPr>
+          <p:cNvPr id="53" name="직사각형 52"/>
+          <p:cNvSpPr/>
+          <p:nvPr/>
+        </p:nvSpPr>
+        <p:spPr>
+          <a:xfrm>
+            <a:off x="5610610" y="-405550"/>
+            <a:ext cx="3024336" cy="216024"/>
+          </a:xfrm>
+          <a:prstGeom prst="rect">
+            <a:avLst/>
+          </a:prstGeom>
+          <a:solidFill>
+            <a:srgbClr val="0070C0"/>
+          </a:solidFill>
+        </p:spPr>
+        <p:style>
+          <a:lnRef idx="2">
+            <a:schemeClr val="accent1">
+              <a:shade val="50000"/>
+            </a:schemeClr>
+          </a:lnRef>
+          <a:fillRef idx="1">
+            <a:schemeClr val="accent1"/>
+          </a:fillRef>
+          <a:effectRef idx="0">
+            <a:schemeClr val="accent1"/>
+          </a:effectRef>
+          <a:fontRef idx="minor">
+            <a:schemeClr val="lt1"/>
+          </a:fontRef>
+        </p:style>
+        <p:txBody>
+          <a:bodyPr rtlCol="0" anchor="ctr"/>
+          <a:lstStyle/>
+          <a:p>
+            <a:pPr algn="ctr"/>
+            <a:r>
+              <a:rPr lang="en-US" altLang="ko-KR" sz="1400" dirty="0" err="1" smtClean="0"/>
+              <a:t>FirstNameOptionSelector</a:t>
+            </a:r>
+            <a:endParaRPr lang="ko-KR" altLang="en-US" sz="1400" dirty="0"/>
+          </a:p>
+        </p:txBody>
+      </p:sp>
+      <p:sp>
+        <p:nvSpPr>
+          <p:cNvPr id="54" name="직사각형 53"/>
+          <p:cNvSpPr/>
+          <p:nvPr/>
+        </p:nvSpPr>
+        <p:spPr>
+          <a:xfrm>
+            <a:off x="5610611" y="458546"/>
+            <a:ext cx="3456385" cy="216024"/>
+          </a:xfrm>
+          <a:prstGeom prst="rect">
+            <a:avLst/>
+          </a:prstGeom>
+          <a:solidFill>
+            <a:srgbClr val="0070C0"/>
+          </a:solidFill>
+        </p:spPr>
+        <p:style>
+          <a:lnRef idx="2">
+            <a:schemeClr val="accent1">
+              <a:shade val="50000"/>
+            </a:schemeClr>
+          </a:lnRef>
+          <a:fillRef idx="1">
+            <a:schemeClr val="accent1"/>
+          </a:fillRef>
+          <a:effectRef idx="0">
+            <a:schemeClr val="accent1"/>
+          </a:effectRef>
+          <a:fontRef idx="minor">
+            <a:schemeClr val="lt1"/>
+          </a:fontRef>
+        </p:style>
+        <p:txBody>
+          <a:bodyPr rtlCol="0" anchor="ctr"/>
+          <a:lstStyle/>
+          <a:p>
+            <a:pPr algn="ctr"/>
+            <a:r>
+              <a:rPr lang="en-US" altLang="ko-KR" sz="1400" dirty="0" err="1" smtClean="0"/>
+              <a:t>LastPhoneNumberOptionSelector</a:t>
+            </a:r>
+            <a:endParaRPr lang="ko-KR" altLang="en-US" sz="1400" dirty="0"/>
+          </a:p>
+        </p:txBody>
+      </p:sp>
+      <p:cxnSp>
+        <p:nvCxnSpPr>
+          <p:cNvPr id="55" name="직선 화살표 연결선 54"/>
+          <p:cNvCxnSpPr>
+            <a:stCxn id="7" idx="3"/>
+            <a:endCxn id="51" idx="1"/>
+          </p:cNvCxnSpPr>
+          <p:nvPr/>
+        </p:nvCxnSpPr>
+        <p:spPr>
+          <a:xfrm flipV="1">
+            <a:off x="2123728" y="2064316"/>
+            <a:ext cx="728831" cy="1"/>
+          </a:xfrm>
+          <a:prstGeom prst="straightConnector1">
+            <a:avLst/>
+          </a:prstGeom>
+          <a:ln>
+            <a:tailEnd type="arrow"/>
+          </a:ln>
+        </p:spPr>
+        <p:style>
+          <a:lnRef idx="1">
+            <a:schemeClr val="accent1"/>
+          </a:lnRef>
+          <a:fillRef idx="0">
+            <a:schemeClr val="accent1"/>
+          </a:fillRef>
+          <a:effectRef idx="0">
+            <a:schemeClr val="accent1"/>
+          </a:effectRef>
+          <a:fontRef idx="minor">
+            <a:schemeClr val="tx1"/>
+          </a:fontRef>
+        </p:style>
+      </p:cxnSp>
+      <p:sp>
+        <p:nvSpPr>
+          <p:cNvPr id="60" name="TextBox 59"/>
+          <p:cNvSpPr txBox="1"/>
+          <p:nvPr/>
+        </p:nvSpPr>
+        <p:spPr>
+          <a:xfrm>
+            <a:off x="1320226" y="4907995"/>
+            <a:ext cx="3448380" cy="246221"/>
+          </a:xfrm>
+          <a:prstGeom prst="rect">
+            <a:avLst/>
+          </a:prstGeom>
+          <a:noFill/>
+        </p:spPr>
+        <p:txBody>
+          <a:bodyPr wrap="none" rtlCol="0">
             <a:spAutoFit/>
           </a:bodyPr>
           <a:lstStyle/>
           <a:p>
             <a:r>
-              <a:rPr lang="en-US" altLang="ko-KR" dirty="0"/>
-              <a:t>1. File</a:t>
+              <a:rPr lang="ko-KR" altLang="en-US" sz="1000" dirty="0" smtClean="0"/>
+              <a:t>사원번호</a:t>
+            </a:r>
+            <a:r>
+              <a:rPr lang="en-US" altLang="ko-KR" sz="1000" dirty="0" smtClean="0"/>
+              <a:t>, </a:t>
+            </a:r>
+            <a:r>
+              <a:rPr lang="ko-KR" altLang="en-US" sz="1000" dirty="0" smtClean="0"/>
+              <a:t>성명</a:t>
+            </a:r>
+            <a:r>
+              <a:rPr lang="en-US" altLang="ko-KR" sz="1000" dirty="0" smtClean="0"/>
+              <a:t>, </a:t>
+            </a:r>
+            <a:r>
+              <a:rPr lang="ko-KR" altLang="en-US" sz="1000" dirty="0" smtClean="0"/>
+              <a:t>경력개발단계</a:t>
+            </a:r>
+            <a:r>
+              <a:rPr lang="en-US" altLang="ko-KR" sz="1000" dirty="0" smtClean="0"/>
+              <a:t>, </a:t>
+            </a:r>
+            <a:r>
+              <a:rPr lang="ko-KR" altLang="en-US" sz="1000" dirty="0" smtClean="0"/>
+              <a:t>전화번호</a:t>
+            </a:r>
+            <a:r>
+              <a:rPr lang="en-US" altLang="ko-KR" sz="1000" dirty="0" smtClean="0"/>
+              <a:t>, </a:t>
+            </a:r>
+            <a:r>
+              <a:rPr lang="ko-KR" altLang="en-US" sz="1000" dirty="0" smtClean="0"/>
+              <a:t>생년월일</a:t>
+            </a:r>
+            <a:r>
+              <a:rPr lang="en-US" altLang="ko-KR" sz="1000" dirty="0" smtClean="0"/>
+              <a:t>, CERTI</a:t>
+            </a:r>
+          </a:p>
+        </p:txBody>
+      </p:sp>
+      <p:sp>
+        <p:nvSpPr>
+          <p:cNvPr id="63" name="TextBox 62"/>
+          <p:cNvSpPr txBox="1"/>
+          <p:nvPr/>
+        </p:nvSpPr>
+        <p:spPr>
+          <a:xfrm>
+            <a:off x="1548289" y="1054996"/>
+            <a:ext cx="3095719" cy="553998"/>
+          </a:xfrm>
+          <a:prstGeom prst="rect">
+            <a:avLst/>
+          </a:prstGeom>
+          <a:noFill/>
+        </p:spPr>
+        <p:txBody>
+          <a:bodyPr wrap="none" rtlCol="0">
+            <a:spAutoFit/>
+          </a:bodyPr>
+          <a:lstStyle/>
+          <a:p>
+            <a:r>
+              <a:rPr lang="en-US" altLang="ko-KR" sz="1000" dirty="0" smtClean="0"/>
+              <a:t>-f / -l : </a:t>
+            </a:r>
+            <a:r>
+              <a:rPr lang="ko-KR" altLang="en-US" sz="1000" dirty="0" smtClean="0"/>
+              <a:t>성명 검색 </a:t>
+            </a:r>
+            <a:r>
+              <a:rPr lang="en-US" altLang="ko-KR" sz="1000" dirty="0" smtClean="0"/>
+              <a:t>(f : </a:t>
+            </a:r>
+            <a:r>
+              <a:rPr lang="ko-KR" altLang="en-US" sz="1000" dirty="0" smtClean="0"/>
+              <a:t>이름 </a:t>
+            </a:r>
+            <a:r>
+              <a:rPr lang="en-US" altLang="ko-KR" sz="1000" dirty="0" smtClean="0"/>
+              <a:t>/ l : </a:t>
+            </a:r>
+            <a:r>
+              <a:rPr lang="ko-KR" altLang="en-US" sz="1000" dirty="0" smtClean="0"/>
+              <a:t>성</a:t>
+            </a:r>
+            <a:r>
+              <a:rPr lang="en-US" altLang="ko-KR" sz="1000" dirty="0" smtClean="0"/>
+              <a:t>)</a:t>
+            </a:r>
+            <a:br>
+              <a:rPr lang="en-US" altLang="ko-KR" sz="1000" dirty="0" smtClean="0"/>
+            </a:br>
+            <a:r>
+              <a:rPr lang="en-US" altLang="ko-KR" sz="1000" dirty="0" smtClean="0"/>
+              <a:t>-m / -l : </a:t>
+            </a:r>
+            <a:r>
+              <a:rPr lang="ko-KR" altLang="en-US" sz="1000" dirty="0" smtClean="0"/>
+              <a:t>전화번호 검색 </a:t>
+            </a:r>
+            <a:r>
+              <a:rPr lang="en-US" altLang="ko-KR" sz="1000" dirty="0" smtClean="0"/>
+              <a:t>(m : </a:t>
+            </a:r>
+            <a:r>
+              <a:rPr lang="ko-KR" altLang="en-US" sz="1000" dirty="0" smtClean="0"/>
+              <a:t>중간 자리</a:t>
+            </a:r>
+            <a:r>
+              <a:rPr lang="en-US" altLang="ko-KR" sz="1000" dirty="0"/>
+              <a:t> </a:t>
+            </a:r>
+            <a:r>
+              <a:rPr lang="en-US" altLang="ko-KR" sz="1000" dirty="0" smtClean="0"/>
+              <a:t>/ l : </a:t>
+            </a:r>
+            <a:r>
+              <a:rPr lang="ko-KR" altLang="en-US" sz="1000" dirty="0" smtClean="0"/>
+              <a:t>뒷자리</a:t>
+            </a:r>
+            <a:r>
+              <a:rPr lang="en-US" altLang="ko-KR" sz="1000" dirty="0" smtClean="0"/>
+              <a:t>)</a:t>
+            </a:r>
+          </a:p>
+          <a:p>
+            <a:r>
+              <a:rPr lang="en-US" altLang="ko-KR" sz="1000" dirty="0" smtClean="0"/>
+              <a:t>-y / -m / -d : </a:t>
+            </a:r>
+            <a:r>
+              <a:rPr lang="ko-KR" altLang="en-US" sz="1000" dirty="0" smtClean="0"/>
+              <a:t>생년월일 </a:t>
+            </a:r>
+            <a:r>
+              <a:rPr lang="en-US" altLang="ko-KR" sz="1000" dirty="0" smtClean="0"/>
+              <a:t>(y : </a:t>
+            </a:r>
+            <a:r>
+              <a:rPr lang="ko-KR" altLang="en-US" sz="1000" dirty="0" smtClean="0"/>
+              <a:t>연도 </a:t>
+            </a:r>
+            <a:r>
+              <a:rPr lang="en-US" altLang="ko-KR" sz="1000" dirty="0" smtClean="0"/>
+              <a:t>/ m : </a:t>
+            </a:r>
+            <a:r>
+              <a:rPr lang="ko-KR" altLang="en-US" sz="1000" dirty="0" smtClean="0"/>
+              <a:t>월 </a:t>
+            </a:r>
+            <a:r>
+              <a:rPr lang="en-US" altLang="ko-KR" sz="1000" dirty="0" smtClean="0"/>
+              <a:t>/ d : </a:t>
+            </a:r>
+            <a:r>
+              <a:rPr lang="ko-KR" altLang="en-US" sz="1000" dirty="0" smtClean="0"/>
+              <a:t>일</a:t>
+            </a:r>
+            <a:r>
+              <a:rPr lang="en-US" altLang="ko-KR" sz="1000" dirty="0" smtClean="0"/>
+              <a:t>)</a:t>
+            </a:r>
+          </a:p>
+        </p:txBody>
+      </p:sp>
+      <p:sp>
+        <p:nvSpPr>
+          <p:cNvPr id="64" name="TextBox 63"/>
+          <p:cNvSpPr txBox="1"/>
+          <p:nvPr/>
+        </p:nvSpPr>
+        <p:spPr>
+          <a:xfrm>
+            <a:off x="240367" y="782632"/>
+            <a:ext cx="3139001" cy="246221"/>
+          </a:xfrm>
+          <a:prstGeom prst="rect">
+            <a:avLst/>
+          </a:prstGeom>
+          <a:noFill/>
+        </p:spPr>
+        <p:txBody>
+          <a:bodyPr wrap="none" rtlCol="0">
+            <a:spAutoFit/>
+          </a:bodyPr>
+          <a:lstStyle/>
+          <a:p>
+            <a:r>
+              <a:rPr lang="en-US" altLang="ko-KR" sz="1000" dirty="0" smtClean="0"/>
+              <a:t>-p : </a:t>
+            </a:r>
+            <a:r>
+              <a:rPr lang="ko-KR" altLang="en-US" sz="1000" dirty="0" err="1" smtClean="0"/>
+              <a:t>출력시</a:t>
+            </a:r>
+            <a:r>
+              <a:rPr lang="ko-KR" altLang="en-US" sz="1000" dirty="0" smtClean="0"/>
+              <a:t> </a:t>
+            </a:r>
+            <a:r>
+              <a:rPr lang="en-US" altLang="ko-KR" sz="1000" dirty="0" smtClean="0"/>
+              <a:t>recode </a:t>
+            </a:r>
+            <a:r>
+              <a:rPr lang="ko-KR" altLang="en-US" sz="1000" dirty="0" smtClean="0"/>
+              <a:t>가 </a:t>
+            </a:r>
+            <a:r>
+              <a:rPr lang="ko-KR" altLang="en-US" sz="1000" dirty="0" err="1" smtClean="0"/>
+              <a:t>줄단위로</a:t>
+            </a:r>
+            <a:r>
+              <a:rPr lang="ko-KR" altLang="en-US" sz="1000" dirty="0" smtClean="0"/>
+              <a:t> 최대 </a:t>
+            </a:r>
+            <a:r>
+              <a:rPr lang="en-US" altLang="ko-KR" sz="1000" dirty="0" smtClean="0"/>
+              <a:t>5</a:t>
+            </a:r>
+            <a:r>
+              <a:rPr lang="ko-KR" altLang="en-US" sz="1000" dirty="0" smtClean="0"/>
+              <a:t>줄 까지 출력</a:t>
+            </a:r>
+            <a:endParaRPr lang="en-US" altLang="ko-KR" sz="1000" dirty="0" smtClean="0"/>
+          </a:p>
+        </p:txBody>
+      </p:sp>
+      <p:sp>
+        <p:nvSpPr>
+          <p:cNvPr id="65" name="직사각형 64"/>
+          <p:cNvSpPr/>
+          <p:nvPr/>
+        </p:nvSpPr>
+        <p:spPr>
+          <a:xfrm>
+            <a:off x="5610610" y="746578"/>
+            <a:ext cx="3024337" cy="216024"/>
+          </a:xfrm>
+          <a:prstGeom prst="rect">
+            <a:avLst/>
+          </a:prstGeom>
+          <a:solidFill>
+            <a:srgbClr val="0070C0"/>
+          </a:solidFill>
+        </p:spPr>
+        <p:style>
+          <a:lnRef idx="2">
+            <a:schemeClr val="accent1">
+              <a:shade val="50000"/>
+            </a:schemeClr>
+          </a:lnRef>
+          <a:fillRef idx="1">
+            <a:schemeClr val="accent1"/>
+          </a:fillRef>
+          <a:effectRef idx="0">
+            <a:schemeClr val="accent1"/>
+          </a:effectRef>
+          <a:fontRef idx="minor">
+            <a:schemeClr val="lt1"/>
+          </a:fontRef>
+        </p:style>
+        <p:txBody>
+          <a:bodyPr rtlCol="0" anchor="ctr"/>
+          <a:lstStyle/>
+          <a:p>
+            <a:pPr algn="ctr"/>
+            <a:r>
+              <a:rPr lang="en-US" altLang="ko-KR" sz="1400" dirty="0" err="1" smtClean="0"/>
+              <a:t>YearBirthdayOptionSelector</a:t>
+            </a:r>
+            <a:endParaRPr lang="ko-KR" altLang="en-US" sz="1400" dirty="0"/>
+          </a:p>
+        </p:txBody>
+      </p:sp>
+      <p:sp>
+        <p:nvSpPr>
+          <p:cNvPr id="66" name="직사각형 65"/>
+          <p:cNvSpPr/>
+          <p:nvPr/>
+        </p:nvSpPr>
+        <p:spPr>
+          <a:xfrm>
+            <a:off x="5610610" y="-117518"/>
+            <a:ext cx="3024336" cy="216024"/>
+          </a:xfrm>
+          <a:prstGeom prst="rect">
+            <a:avLst/>
+          </a:prstGeom>
+          <a:solidFill>
+            <a:srgbClr val="0070C0"/>
+          </a:solidFill>
+        </p:spPr>
+        <p:style>
+          <a:lnRef idx="2">
+            <a:schemeClr val="accent1">
+              <a:shade val="50000"/>
+            </a:schemeClr>
+          </a:lnRef>
+          <a:fillRef idx="1">
+            <a:schemeClr val="accent1"/>
+          </a:fillRef>
+          <a:effectRef idx="0">
+            <a:schemeClr val="accent1"/>
+          </a:effectRef>
+          <a:fontRef idx="minor">
+            <a:schemeClr val="lt1"/>
+          </a:fontRef>
+        </p:style>
+        <p:txBody>
+          <a:bodyPr rtlCol="0" anchor="ctr"/>
+          <a:lstStyle/>
+          <a:p>
+            <a:pPr algn="ctr"/>
+            <a:r>
+              <a:rPr lang="en-US" altLang="ko-KR" sz="1400" dirty="0" err="1" smtClean="0"/>
+              <a:t>LastNameOptionSelector</a:t>
+            </a:r>
+            <a:endParaRPr lang="ko-KR" altLang="en-US" sz="1400" dirty="0"/>
+          </a:p>
+        </p:txBody>
+      </p:sp>
+      <p:sp>
+        <p:nvSpPr>
+          <p:cNvPr id="67" name="직사각형 66"/>
+          <p:cNvSpPr/>
+          <p:nvPr/>
+        </p:nvSpPr>
+        <p:spPr>
+          <a:xfrm>
+            <a:off x="5610610" y="170514"/>
+            <a:ext cx="3456386" cy="216024"/>
+          </a:xfrm>
+          <a:prstGeom prst="rect">
+            <a:avLst/>
+          </a:prstGeom>
+          <a:solidFill>
+            <a:srgbClr val="0070C0"/>
+          </a:solidFill>
+        </p:spPr>
+        <p:style>
+          <a:lnRef idx="2">
+            <a:schemeClr val="accent1">
+              <a:shade val="50000"/>
+            </a:schemeClr>
+          </a:lnRef>
+          <a:fillRef idx="1">
+            <a:schemeClr val="accent1"/>
+          </a:fillRef>
+          <a:effectRef idx="0">
+            <a:schemeClr val="accent1"/>
+          </a:effectRef>
+          <a:fontRef idx="minor">
+            <a:schemeClr val="lt1"/>
+          </a:fontRef>
+        </p:style>
+        <p:txBody>
+          <a:bodyPr rtlCol="0" anchor="ctr"/>
+          <a:lstStyle/>
+          <a:p>
+            <a:pPr algn="ctr"/>
+            <a:r>
+              <a:rPr lang="en-US" altLang="ko-KR" sz="1400" dirty="0" err="1" smtClean="0"/>
+              <a:t>MidPhoneNumberOptionSelector</a:t>
+            </a:r>
+            <a:endParaRPr lang="ko-KR" altLang="en-US" sz="1400" dirty="0"/>
+          </a:p>
+        </p:txBody>
+      </p:sp>
+      <p:sp>
+        <p:nvSpPr>
+          <p:cNvPr id="2" name="TextBox 1"/>
+          <p:cNvSpPr txBox="1"/>
+          <p:nvPr/>
+        </p:nvSpPr>
+        <p:spPr>
+          <a:xfrm>
+            <a:off x="9168497" y="1894737"/>
+            <a:ext cx="4000834" cy="553998"/>
+          </a:xfrm>
+          <a:prstGeom prst="rect">
+            <a:avLst/>
+          </a:prstGeom>
+          <a:noFill/>
+        </p:spPr>
+        <p:txBody>
+          <a:bodyPr wrap="square" rtlCol="0">
+            <a:spAutoFit/>
+          </a:bodyPr>
+          <a:lstStyle/>
+          <a:p>
+            <a:r>
+              <a:rPr lang="en-US" altLang="ko-KR" dirty="0" smtClean="0"/>
+              <a:t>- Add </a:t>
+            </a:r>
+            <a:r>
+              <a:rPr lang="ko-KR" altLang="en-US" dirty="0" smtClean="0"/>
+              <a:t>완료 후 </a:t>
+            </a:r>
+            <a:r>
+              <a:rPr lang="en-US" altLang="ko-KR" dirty="0" smtClean="0"/>
+              <a:t>Sorting </a:t>
+            </a:r>
+            <a:r>
+              <a:rPr lang="ko-KR" altLang="en-US" dirty="0" smtClean="0"/>
+              <a:t>한번 진행</a:t>
+            </a:r>
+            <a:r>
+              <a:rPr lang="en-US" altLang="ko-KR" dirty="0" smtClean="0"/>
+              <a:t/>
+            </a:r>
+            <a:br>
+              <a:rPr lang="en-US" altLang="ko-KR" dirty="0" smtClean="0"/>
+            </a:br>
+            <a:r>
+              <a:rPr lang="en-US" altLang="ko-KR" dirty="0" smtClean="0"/>
+              <a:t> (</a:t>
+            </a:r>
+            <a:r>
+              <a:rPr lang="ko-KR" altLang="en-US" dirty="0" smtClean="0"/>
+              <a:t>직전 연산자</a:t>
+            </a:r>
+            <a:r>
+              <a:rPr lang="en-US" altLang="ko-KR" dirty="0" smtClean="0"/>
+              <a:t>==ADD&amp;&amp;</a:t>
+            </a:r>
+            <a:r>
+              <a:rPr lang="ko-KR" altLang="en-US" dirty="0" smtClean="0"/>
+              <a:t>현재 연산자 </a:t>
+            </a:r>
+            <a:r>
+              <a:rPr lang="en-US" altLang="ko-KR" dirty="0" smtClean="0"/>
+              <a:t>!=ADD)</a:t>
+            </a:r>
+            <a:endParaRPr lang="ko-KR" altLang="en-US" dirty="0"/>
+          </a:p>
+        </p:txBody>
+      </p:sp>
+      <p:sp>
+        <p:nvSpPr>
+          <p:cNvPr id="38" name="직사각형 37"/>
+          <p:cNvSpPr/>
+          <p:nvPr/>
+        </p:nvSpPr>
+        <p:spPr>
+          <a:xfrm>
+            <a:off x="5610612" y="1034610"/>
+            <a:ext cx="3024337" cy="216024"/>
+          </a:xfrm>
+          <a:prstGeom prst="rect">
+            <a:avLst/>
+          </a:prstGeom>
+          <a:solidFill>
+            <a:srgbClr val="0070C0"/>
+          </a:solidFill>
+        </p:spPr>
+        <p:style>
+          <a:lnRef idx="2">
+            <a:schemeClr val="accent1">
+              <a:shade val="50000"/>
+            </a:schemeClr>
+          </a:lnRef>
+          <a:fillRef idx="1">
+            <a:schemeClr val="accent1"/>
+          </a:fillRef>
+          <a:effectRef idx="0">
+            <a:schemeClr val="accent1"/>
+          </a:effectRef>
+          <a:fontRef idx="minor">
+            <a:schemeClr val="lt1"/>
+          </a:fontRef>
+        </p:style>
+        <p:txBody>
+          <a:bodyPr rtlCol="0" anchor="ctr"/>
+          <a:lstStyle/>
+          <a:p>
+            <a:pPr algn="ctr"/>
+            <a:r>
+              <a:rPr lang="en-US" altLang="ko-KR" sz="1400" dirty="0" err="1" smtClean="0"/>
+              <a:t>MonthBirthdayOptionSelector</a:t>
+            </a:r>
+            <a:endParaRPr lang="ko-KR" altLang="en-US" sz="1400" dirty="0"/>
+          </a:p>
+        </p:txBody>
+      </p:sp>
+      <p:sp>
+        <p:nvSpPr>
+          <p:cNvPr id="43" name="직사각형 42"/>
+          <p:cNvSpPr/>
+          <p:nvPr/>
+        </p:nvSpPr>
+        <p:spPr>
+          <a:xfrm>
+            <a:off x="5610612" y="1322642"/>
+            <a:ext cx="3024337" cy="216024"/>
+          </a:xfrm>
+          <a:prstGeom prst="rect">
+            <a:avLst/>
+          </a:prstGeom>
+          <a:solidFill>
+            <a:srgbClr val="0070C0"/>
+          </a:solidFill>
+        </p:spPr>
+        <p:style>
+          <a:lnRef idx="2">
+            <a:schemeClr val="accent1">
+              <a:shade val="50000"/>
+            </a:schemeClr>
+          </a:lnRef>
+          <a:fillRef idx="1">
+            <a:schemeClr val="accent1"/>
+          </a:fillRef>
+          <a:effectRef idx="0">
+            <a:schemeClr val="accent1"/>
+          </a:effectRef>
+          <a:fontRef idx="minor">
+            <a:schemeClr val="lt1"/>
+          </a:fontRef>
+        </p:style>
+        <p:txBody>
+          <a:bodyPr rtlCol="0" anchor="ctr"/>
+          <a:lstStyle/>
+          <a:p>
+            <a:pPr algn="ctr"/>
+            <a:r>
+              <a:rPr lang="en-US" altLang="ko-KR" sz="1400" dirty="0" err="1" smtClean="0"/>
+              <a:t>DayBirthdayOptionSelector</a:t>
+            </a:r>
+            <a:endParaRPr lang="ko-KR" altLang="en-US" sz="1400" dirty="0"/>
+          </a:p>
+        </p:txBody>
+      </p:sp>
+      <p:sp>
+        <p:nvSpPr>
+          <p:cNvPr id="44" name="직사각형 43"/>
+          <p:cNvSpPr/>
+          <p:nvPr/>
+        </p:nvSpPr>
+        <p:spPr>
+          <a:xfrm>
+            <a:off x="323528" y="101330"/>
+            <a:ext cx="864096" cy="288032"/>
+          </a:xfrm>
+          <a:prstGeom prst="rect">
+            <a:avLst/>
+          </a:prstGeom>
+          <a:solidFill>
+            <a:srgbClr val="0070C0"/>
+          </a:solidFill>
+        </p:spPr>
+        <p:style>
+          <a:lnRef idx="2">
+            <a:schemeClr val="accent1">
+              <a:shade val="50000"/>
+            </a:schemeClr>
+          </a:lnRef>
+          <a:fillRef idx="1">
+            <a:schemeClr val="accent1"/>
+          </a:fillRef>
+          <a:effectRef idx="0">
+            <a:schemeClr val="accent1"/>
+          </a:effectRef>
+          <a:fontRef idx="minor">
+            <a:schemeClr val="lt1"/>
+          </a:fontRef>
+        </p:style>
+        <p:txBody>
+          <a:bodyPr rtlCol="0" anchor="ctr"/>
+          <a:lstStyle/>
+          <a:p>
+            <a:pPr algn="ctr"/>
+            <a:r>
+              <a:rPr lang="en-US" altLang="ko-KR" dirty="0" smtClean="0"/>
+              <a:t>Main</a:t>
+            </a:r>
+            <a:endParaRPr lang="ko-KR" altLang="en-US" dirty="0"/>
+          </a:p>
+        </p:txBody>
+      </p:sp>
+      <p:sp>
+        <p:nvSpPr>
+          <p:cNvPr id="3" name="직사각형 2"/>
+          <p:cNvSpPr/>
+          <p:nvPr/>
+        </p:nvSpPr>
+        <p:spPr>
+          <a:xfrm>
+            <a:off x="107504" y="3543300"/>
+            <a:ext cx="4752528" cy="1600200"/>
+          </a:xfrm>
+          <a:prstGeom prst="rect">
+            <a:avLst/>
+          </a:prstGeom>
+          <a:noFill/>
+        </p:spPr>
+        <p:style>
+          <a:lnRef idx="2">
+            <a:schemeClr val="accent1">
+              <a:shade val="50000"/>
+            </a:schemeClr>
+          </a:lnRef>
+          <a:fillRef idx="1">
+            <a:schemeClr val="accent1"/>
+          </a:fillRef>
+          <a:effectRef idx="0">
+            <a:schemeClr val="accent1"/>
+          </a:effectRef>
+          <a:fontRef idx="minor">
+            <a:schemeClr val="lt1"/>
+          </a:fontRef>
+        </p:style>
+        <p:txBody>
+          <a:bodyPr rtlCol="0" anchor="ctr"/>
+          <a:lstStyle/>
+          <a:p>
+            <a:pPr algn="ctr"/>
+            <a:endParaRPr lang="ko-KR" altLang="en-US"/>
+          </a:p>
+        </p:txBody>
+      </p:sp>
+      <p:sp>
+        <p:nvSpPr>
+          <p:cNvPr id="5" name="TextBox 4"/>
+          <p:cNvSpPr txBox="1"/>
+          <p:nvPr/>
+        </p:nvSpPr>
+        <p:spPr>
+          <a:xfrm>
+            <a:off x="4067944" y="4573566"/>
+            <a:ext cx="761747" cy="323165"/>
+          </a:xfrm>
+          <a:prstGeom prst="rect">
+            <a:avLst/>
+          </a:prstGeom>
+          <a:noFill/>
+        </p:spPr>
+        <p:txBody>
+          <a:bodyPr wrap="none" rtlCol="0">
+            <a:spAutoFit/>
+          </a:bodyPr>
+          <a:lstStyle/>
+          <a:p>
+            <a:r>
+              <a:rPr lang="ko-KR" altLang="en-US" dirty="0" err="1" smtClean="0"/>
+              <a:t>양락</a:t>
+            </a:r>
+            <a:r>
+              <a:rPr lang="ko-KR" altLang="en-US" dirty="0" err="1"/>
+              <a:t>준</a:t>
+            </a:r>
+            <a:endParaRPr lang="ko-KR" altLang="en-US" dirty="0"/>
+          </a:p>
+        </p:txBody>
+      </p:sp>
+      <p:sp>
+        <p:nvSpPr>
+          <p:cNvPr id="45" name="TextBox 44"/>
+          <p:cNvSpPr txBox="1"/>
+          <p:nvPr/>
+        </p:nvSpPr>
+        <p:spPr>
+          <a:xfrm>
+            <a:off x="8395422" y="1920300"/>
+            <a:ext cx="761747" cy="323165"/>
+          </a:xfrm>
+          <a:prstGeom prst="rect">
+            <a:avLst/>
+          </a:prstGeom>
+          <a:noFill/>
+        </p:spPr>
+        <p:txBody>
+          <a:bodyPr wrap="none" rtlCol="0">
+            <a:spAutoFit/>
+          </a:bodyPr>
+          <a:lstStyle/>
+          <a:p>
+            <a:r>
+              <a:rPr lang="ko-KR" altLang="en-US" dirty="0" smtClean="0"/>
+              <a:t>신승관</a:t>
+            </a:r>
+            <a:endParaRPr lang="ko-KR" altLang="en-US" dirty="0"/>
+          </a:p>
+        </p:txBody>
+      </p:sp>
+      <p:sp>
+        <p:nvSpPr>
+          <p:cNvPr id="8" name="직사각형 7"/>
+          <p:cNvSpPr/>
+          <p:nvPr/>
+        </p:nvSpPr>
+        <p:spPr>
+          <a:xfrm>
+            <a:off x="0" y="1883088"/>
+            <a:ext cx="9108504" cy="1336734"/>
+          </a:xfrm>
+          <a:prstGeom prst="rect">
+            <a:avLst/>
+          </a:prstGeom>
+          <a:noFill/>
+        </p:spPr>
+        <p:style>
+          <a:lnRef idx="2">
+            <a:schemeClr val="accent1">
+              <a:shade val="50000"/>
+            </a:schemeClr>
+          </a:lnRef>
+          <a:fillRef idx="1">
+            <a:schemeClr val="accent1"/>
+          </a:fillRef>
+          <a:effectRef idx="0">
+            <a:schemeClr val="accent1"/>
+          </a:effectRef>
+          <a:fontRef idx="minor">
+            <a:schemeClr val="lt1"/>
+          </a:fontRef>
+        </p:style>
+        <p:txBody>
+          <a:bodyPr rtlCol="0" anchor="ctr"/>
+          <a:lstStyle/>
+          <a:p>
+            <a:pPr algn="ctr"/>
+            <a:endParaRPr lang="ko-KR" altLang="en-US"/>
+          </a:p>
+        </p:txBody>
+      </p:sp>
+      <p:sp>
+        <p:nvSpPr>
+          <p:cNvPr id="9" name="직사각형 8"/>
+          <p:cNvSpPr/>
+          <p:nvPr/>
+        </p:nvSpPr>
+        <p:spPr>
+          <a:xfrm>
+            <a:off x="107504" y="71855"/>
+            <a:ext cx="4536504" cy="1537139"/>
+          </a:xfrm>
+          <a:prstGeom prst="rect">
+            <a:avLst/>
+          </a:prstGeom>
+          <a:noFill/>
+        </p:spPr>
+        <p:style>
+          <a:lnRef idx="2">
+            <a:schemeClr val="accent1">
+              <a:shade val="50000"/>
+            </a:schemeClr>
+          </a:lnRef>
+          <a:fillRef idx="1">
+            <a:schemeClr val="accent1"/>
+          </a:fillRef>
+          <a:effectRef idx="0">
+            <a:schemeClr val="accent1"/>
+          </a:effectRef>
+          <a:fontRef idx="minor">
+            <a:schemeClr val="lt1"/>
+          </a:fontRef>
+        </p:style>
+        <p:txBody>
+          <a:bodyPr rtlCol="0" anchor="ctr"/>
+          <a:lstStyle/>
+          <a:p>
+            <a:pPr algn="ctr"/>
+            <a:endParaRPr lang="ko-KR" altLang="en-US"/>
+          </a:p>
+        </p:txBody>
+      </p:sp>
+      <p:sp>
+        <p:nvSpPr>
+          <p:cNvPr id="46" name="TextBox 45"/>
+          <p:cNvSpPr txBox="1"/>
+          <p:nvPr/>
+        </p:nvSpPr>
+        <p:spPr>
+          <a:xfrm>
+            <a:off x="8820472" y="1108601"/>
+            <a:ext cx="761747" cy="323165"/>
+          </a:xfrm>
+          <a:prstGeom prst="rect">
+            <a:avLst/>
+          </a:prstGeom>
+          <a:noFill/>
+        </p:spPr>
+        <p:txBody>
+          <a:bodyPr wrap="none" rtlCol="0">
+            <a:spAutoFit/>
+          </a:bodyPr>
+          <a:lstStyle/>
+          <a:p>
+            <a:r>
+              <a:rPr lang="ko-KR" altLang="en-US" dirty="0" smtClean="0"/>
+              <a:t>정병</a:t>
             </a:r>
             <a:r>
               <a:rPr lang="ko-KR" altLang="en-US" dirty="0"/>
-              <a:t>을 </a:t>
-            </a:r>
-            <a:r>
-              <a:rPr lang="en-US" altLang="ko-KR" dirty="0"/>
-              <a:t>Read &amp; Parsing</a:t>
-            </a:r>
-          </a:p>
-          <a:p>
-            <a:r>
-              <a:rPr lang="en-US" altLang="ko-KR" dirty="0"/>
-              <a:t>2. </a:t>
-            </a:r>
-            <a:r>
-              <a:rPr lang="ko-KR" altLang="en-US" dirty="0"/>
-              <a:t>명령어가 </a:t>
-            </a:r>
-            <a:r>
-              <a:rPr lang="en-US" altLang="ko-KR" dirty="0"/>
-              <a:t>Add</a:t>
-            </a:r>
-            <a:r>
-              <a:rPr lang="ko-KR" altLang="en-US" dirty="0"/>
-              <a:t>면 추가하고 끝</a:t>
-            </a:r>
-          </a:p>
-          <a:p>
-            <a:r>
-              <a:rPr lang="en-US" altLang="ko-KR" dirty="0"/>
-              <a:t>-</a:t>
-            </a:r>
-            <a:r>
-              <a:rPr lang="ko-KR" altLang="en-US" dirty="0"/>
-              <a:t>하나의 데이터를 닮을 클래스</a:t>
-            </a:r>
-          </a:p>
-          <a:p>
-            <a:r>
-              <a:rPr lang="en-US" altLang="ko-KR" dirty="0"/>
-              <a:t>-</a:t>
-            </a:r>
-            <a:r>
-              <a:rPr lang="ko-KR" altLang="en-US" dirty="0"/>
-              <a:t>데이터 클래스를 저장하고 있을 클래스</a:t>
-            </a:r>
-          </a:p>
-          <a:p>
-            <a:r>
-              <a:rPr lang="en-US" altLang="ko-KR" dirty="0"/>
-              <a:t>3. </a:t>
-            </a:r>
-            <a:r>
-              <a:rPr lang="ko-KR" altLang="en-US" dirty="0"/>
-              <a:t>옵션 정의</a:t>
-            </a:r>
-          </a:p>
-          <a:p>
-            <a:r>
-              <a:rPr lang="en-US" altLang="ko-KR" dirty="0"/>
-              <a:t>- </a:t>
-            </a:r>
-            <a:r>
-              <a:rPr lang="ko-KR" altLang="en-US" dirty="0"/>
-              <a:t>옵션은 배열로 정의하면 </a:t>
-            </a:r>
-            <a:r>
-              <a:rPr lang="ko-KR" altLang="en-US" dirty="0" err="1"/>
-              <a:t>될듯</a:t>
-            </a:r>
-            <a:r>
-              <a:rPr lang="en-US" altLang="ko-KR" dirty="0"/>
-              <a:t>..?</a:t>
-            </a:r>
-          </a:p>
-          <a:p>
-            <a:r>
-              <a:rPr lang="en-US" altLang="ko-KR" dirty="0"/>
-              <a:t>- </a:t>
-            </a:r>
-            <a:r>
-              <a:rPr lang="ko-KR" altLang="en-US" dirty="0"/>
-              <a:t>옵션에 따라 </a:t>
-            </a:r>
-            <a:r>
-              <a:rPr lang="en-US" altLang="ko-KR" dirty="0" err="1"/>
-              <a:t>Serch</a:t>
-            </a:r>
-            <a:r>
-              <a:rPr lang="en-US" altLang="ko-KR" dirty="0"/>
-              <a:t> </a:t>
-            </a:r>
-            <a:r>
-              <a:rPr lang="ko-KR" altLang="en-US" dirty="0"/>
-              <a:t>종류가 달라짐</a:t>
-            </a:r>
-          </a:p>
-          <a:p>
-            <a:r>
-              <a:rPr lang="en-US" altLang="ko-KR" dirty="0"/>
-              <a:t>- </a:t>
-            </a:r>
-            <a:r>
-              <a:rPr lang="ko-KR" altLang="en-US" dirty="0"/>
-              <a:t>옵션 종류를 담을 클래스 필요</a:t>
-            </a:r>
-          </a:p>
-          <a:p>
-            <a:r>
-              <a:rPr lang="en-US" altLang="ko-KR" dirty="0"/>
-              <a:t>4. Search</a:t>
-            </a:r>
-          </a:p>
-          <a:p>
-            <a:r>
-              <a:rPr lang="en-US" altLang="ko-KR" dirty="0"/>
-              <a:t>- </a:t>
-            </a:r>
-            <a:r>
-              <a:rPr lang="ko-KR" altLang="en-US" dirty="0"/>
-              <a:t>옵션에 맞는 </a:t>
-            </a:r>
-            <a:r>
-              <a:rPr lang="en-US" altLang="ko-KR" dirty="0"/>
-              <a:t>Search class </a:t>
-            </a:r>
-            <a:r>
-              <a:rPr lang="ko-KR" altLang="en-US" dirty="0"/>
-              <a:t>생성해서 </a:t>
-            </a:r>
-            <a:r>
-              <a:rPr lang="en-US" altLang="ko-KR" dirty="0"/>
-              <a:t>data list </a:t>
-            </a:r>
-            <a:r>
-              <a:rPr lang="ko-KR" altLang="en-US" dirty="0"/>
-              <a:t>리턴</a:t>
-            </a:r>
-          </a:p>
-          <a:p>
-            <a:r>
-              <a:rPr lang="en-US" altLang="ko-KR" dirty="0"/>
-              <a:t>- </a:t>
-            </a:r>
-            <a:r>
-              <a:rPr lang="ko-KR" altLang="en-US" dirty="0" err="1"/>
-              <a:t>옵셜별</a:t>
-            </a:r>
-            <a:r>
-              <a:rPr lang="ko-KR" altLang="en-US" dirty="0"/>
-              <a:t> </a:t>
-            </a:r>
-            <a:r>
-              <a:rPr lang="en-US" altLang="ko-KR" dirty="0" err="1"/>
-              <a:t>seach</a:t>
-            </a:r>
-            <a:r>
-              <a:rPr lang="en-US" altLang="ko-KR" dirty="0"/>
-              <a:t> </a:t>
-            </a:r>
-            <a:r>
-              <a:rPr lang="ko-KR" altLang="en-US" dirty="0"/>
-              <a:t>클래스 필요</a:t>
-            </a:r>
-          </a:p>
-          <a:p>
-            <a:r>
-              <a:rPr lang="en-US" altLang="ko-KR" dirty="0"/>
-              <a:t>5. </a:t>
-            </a:r>
-            <a:r>
-              <a:rPr lang="ko-KR" altLang="en-US" dirty="0"/>
-              <a:t>명령어 실행</a:t>
-            </a:r>
-            <a:r>
-              <a:rPr lang="en-US" altLang="ko-KR" dirty="0"/>
-              <a:t>(</a:t>
-            </a:r>
-            <a:r>
-              <a:rPr lang="en-US" altLang="ko-KR" dirty="0" err="1"/>
-              <a:t>sch</a:t>
-            </a:r>
-            <a:r>
-              <a:rPr lang="en-US" altLang="ko-KR" dirty="0"/>
-              <a:t>, mod, del)</a:t>
-            </a:r>
-          </a:p>
-          <a:p>
-            <a:r>
-              <a:rPr lang="en-US" altLang="ko-KR" dirty="0"/>
-              <a:t>- </a:t>
-            </a:r>
-            <a:r>
-              <a:rPr lang="ko-KR" altLang="en-US" dirty="0"/>
-              <a:t>명령어에 맞는 </a:t>
-            </a:r>
-            <a:r>
-              <a:rPr lang="en-US" altLang="ko-KR" dirty="0"/>
-              <a:t>execute </a:t>
-            </a:r>
-            <a:r>
-              <a:rPr lang="ko-KR" altLang="en-US" dirty="0"/>
-              <a:t>생성해서 실행</a:t>
-            </a:r>
-          </a:p>
-          <a:p>
-            <a:r>
-              <a:rPr lang="en-US" altLang="ko-KR" dirty="0"/>
-              <a:t>- </a:t>
-            </a:r>
-            <a:r>
-              <a:rPr lang="ko-KR" altLang="en-US" dirty="0" err="1"/>
-              <a:t>명령별</a:t>
-            </a:r>
-            <a:r>
-              <a:rPr lang="ko-KR" altLang="en-US" dirty="0"/>
-              <a:t> </a:t>
-            </a:r>
-            <a:r>
-              <a:rPr lang="en-US" altLang="ko-KR" dirty="0"/>
-              <a:t>execute </a:t>
-            </a:r>
-            <a:r>
-              <a:rPr lang="ko-KR" altLang="en-US" dirty="0"/>
-              <a:t>클래스 필요</a:t>
-            </a:r>
-          </a:p>
-          <a:p>
-            <a:r>
-              <a:rPr lang="en-US" altLang="ko-KR" dirty="0"/>
-              <a:t>6. </a:t>
-            </a:r>
-            <a:r>
-              <a:rPr lang="ko-KR" altLang="en-US" dirty="0"/>
-              <a:t>결과 정렬</a:t>
-            </a:r>
-          </a:p>
-          <a:p>
-            <a:r>
-              <a:rPr lang="en-US" altLang="ko-KR" dirty="0"/>
-              <a:t>7. </a:t>
-            </a:r>
-            <a:r>
-              <a:rPr lang="ko-KR" altLang="en-US" dirty="0"/>
-              <a:t>결과 입력</a:t>
-            </a:r>
-          </a:p>
-        </p:txBody>
-      </p:sp>
+              <a:t>훈</a:t>
+            </a:r>
+          </a:p>
+        </p:txBody>
+      </p:sp>
+      <p:sp>
+        <p:nvSpPr>
+          <p:cNvPr id="47" name="TextBox 46"/>
+          <p:cNvSpPr txBox="1"/>
+          <p:nvPr/>
+        </p:nvSpPr>
+        <p:spPr>
+          <a:xfrm>
+            <a:off x="3836875" y="83763"/>
+            <a:ext cx="761747" cy="323165"/>
+          </a:xfrm>
+          <a:prstGeom prst="rect">
+            <a:avLst/>
+          </a:prstGeom>
+          <a:noFill/>
+        </p:spPr>
+        <p:txBody>
+          <a:bodyPr wrap="none" rtlCol="0">
+            <a:spAutoFit/>
+          </a:bodyPr>
+          <a:lstStyle/>
+          <a:p>
+            <a:r>
+              <a:rPr lang="ko-KR" altLang="en-US" dirty="0" smtClean="0"/>
+              <a:t>방지윤</a:t>
+            </a:r>
+            <a:endParaRPr lang="ko-KR" altLang="en-US" dirty="0"/>
+          </a:p>
+        </p:txBody>
+      </p:sp>
+      <p:sp>
+        <p:nvSpPr>
+          <p:cNvPr id="48" name="직사각형 47"/>
+          <p:cNvSpPr/>
+          <p:nvPr/>
+        </p:nvSpPr>
+        <p:spPr>
+          <a:xfrm>
+            <a:off x="5436096" y="-497942"/>
+            <a:ext cx="6624736" cy="2381030"/>
+          </a:xfrm>
+          <a:prstGeom prst="rect">
+            <a:avLst/>
+          </a:prstGeom>
+          <a:noFill/>
+        </p:spPr>
+        <p:style>
+          <a:lnRef idx="2">
+            <a:schemeClr val="accent1">
+              <a:shade val="50000"/>
+            </a:schemeClr>
+          </a:lnRef>
+          <a:fillRef idx="1">
+            <a:schemeClr val="accent1"/>
+          </a:fillRef>
+          <a:effectRef idx="0">
+            <a:schemeClr val="accent1"/>
+          </a:effectRef>
+          <a:fontRef idx="minor">
+            <a:schemeClr val="lt1"/>
+          </a:fontRef>
+        </p:style>
+        <p:txBody>
+          <a:bodyPr rtlCol="0" anchor="ctr"/>
+          <a:lstStyle/>
+          <a:p>
+            <a:pPr algn="ctr"/>
+            <a:endParaRPr lang="ko-KR" altLang="en-US"/>
+          </a:p>
+        </p:txBody>
+      </p:sp>
+      <p:cxnSp>
+        <p:nvCxnSpPr>
+          <p:cNvPr id="16" name="직선 화살표 연결선 15"/>
+          <p:cNvCxnSpPr>
+            <a:stCxn id="54" idx="1"/>
+            <a:endCxn id="51" idx="3"/>
+          </p:cNvCxnSpPr>
+          <p:nvPr/>
+        </p:nvCxnSpPr>
+        <p:spPr>
+          <a:xfrm flipH="1">
+            <a:off x="4917301" y="566558"/>
+            <a:ext cx="693310" cy="1497758"/>
+          </a:xfrm>
+          <a:prstGeom prst="straightConnector1">
+            <a:avLst/>
+          </a:prstGeom>
+          <a:ln>
+            <a:tailEnd type="arrow"/>
+          </a:ln>
+        </p:spPr>
+        <p:style>
+          <a:lnRef idx="1">
+            <a:schemeClr val="accent1"/>
+          </a:lnRef>
+          <a:fillRef idx="0">
+            <a:schemeClr val="accent1"/>
+          </a:fillRef>
+          <a:effectRef idx="0">
+            <a:schemeClr val="accent1"/>
+          </a:effectRef>
+          <a:fontRef idx="minor">
+            <a:schemeClr val="tx1"/>
+          </a:fontRef>
+        </p:style>
+      </p:cxnSp>
     </p:spTree>
     <p:extLst>
       <p:ext uri="{BB962C8B-B14F-4D97-AF65-F5344CB8AC3E}">
-        <p14:creationId xmlns:p14="http://schemas.microsoft.com/office/powerpoint/2010/main" val="3368585455"/>
+        <p14:creationId xmlns:p14="http://schemas.microsoft.com/office/powerpoint/2010/main" val="3997902040"/>
       </p:ext>
     </p:extLst>
   </p:cSld>

--- a/팀프로젝트＿발표양식_B조.pptx
+++ b/팀프로젝트＿발표양식_B조.pptx
@@ -5,7 +5,7 @@
     <p:sldMasterId id="2147483648" r:id="rId1"/>
   </p:sldMasterIdLst>
   <p:notesMasterIdLst>
-    <p:notesMasterId r:id="rId12"/>
+    <p:notesMasterId r:id="rId25"/>
   </p:notesMasterIdLst>
   <p:sldIdLst>
     <p:sldId id="276" r:id="rId2"/>
@@ -18,6 +18,19 @@
     <p:sldId id="294" r:id="rId9"/>
     <p:sldId id="300" r:id="rId10"/>
     <p:sldId id="290" r:id="rId11"/>
+    <p:sldId id="301" r:id="rId12"/>
+    <p:sldId id="302" r:id="rId13"/>
+    <p:sldId id="303" r:id="rId14"/>
+    <p:sldId id="304" r:id="rId15"/>
+    <p:sldId id="305" r:id="rId16"/>
+    <p:sldId id="306" r:id="rId17"/>
+    <p:sldId id="307" r:id="rId18"/>
+    <p:sldId id="308" r:id="rId19"/>
+    <p:sldId id="309" r:id="rId20"/>
+    <p:sldId id="310" r:id="rId21"/>
+    <p:sldId id="311" r:id="rId22"/>
+    <p:sldId id="312" r:id="rId23"/>
+    <p:sldId id="313" r:id="rId24"/>
   </p:sldIdLst>
   <p:sldSz cx="9144000" cy="5143500" type="screen16x9"/>
   <p:notesSz cx="9144000" cy="6858000"/>
@@ -118,7 +131,7 @@
   </p:defaultTextStyle>
   <p:extLst>
     <p:ext uri="{EFAFB233-063F-42B5-8137-9DF3F51BA10A}">
-      <p15:sldGuideLst xmlns:p15="http://schemas.microsoft.com/office/powerpoint/2012/main" xmlns="">
+      <p15:sldGuideLst xmlns="" xmlns:p15="http://schemas.microsoft.com/office/powerpoint/2012/main">
         <p15:guide id="1" orient="horz" pos="1620">
           <p15:clr>
             <a:srgbClr val="A4A3A4"/>
@@ -217,7 +230,7 @@
           <a:p>
             <a:fld id="{3BF68A44-C92D-4D71-AA96-C74C05C3F2D0}" type="datetimeFigureOut">
               <a:rPr lang="ko-KR" altLang="en-US" smtClean="0"/>
-              <a:t>2022-03-18</a:t>
+              <a:t>2022-03-22</a:t>
             </a:fld>
             <a:endParaRPr lang="ko-KR" altLang="en-US" dirty="0"/>
           </a:p>
@@ -666,7 +679,7 @@
           <a:p>
             <a:fld id="{3FC6EB06-D21B-4DC4-9B56-DA9A919C6252}" type="datetimeFigureOut">
               <a:rPr lang="ko-KR" altLang="en-US" smtClean="0"/>
-              <a:t>2022-03-18</a:t>
+              <a:t>2022-03-22</a:t>
             </a:fld>
             <a:endParaRPr lang="ko-KR" altLang="en-US" dirty="0"/>
           </a:p>
@@ -836,7 +849,7 @@
           <a:p>
             <a:fld id="{3FC6EB06-D21B-4DC4-9B56-DA9A919C6252}" type="datetimeFigureOut">
               <a:rPr lang="ko-KR" altLang="en-US" smtClean="0"/>
-              <a:t>2022-03-18</a:t>
+              <a:t>2022-03-22</a:t>
             </a:fld>
             <a:endParaRPr lang="ko-KR" altLang="en-US" dirty="0"/>
           </a:p>
@@ -1016,7 +1029,7 @@
           <a:p>
             <a:fld id="{3FC6EB06-D21B-4DC4-9B56-DA9A919C6252}" type="datetimeFigureOut">
               <a:rPr lang="ko-KR" altLang="en-US" smtClean="0"/>
-              <a:t>2022-03-18</a:t>
+              <a:t>2022-03-22</a:t>
             </a:fld>
             <a:endParaRPr lang="ko-KR" altLang="en-US" dirty="0"/>
           </a:p>
@@ -1186,7 +1199,7 @@
           <a:p>
             <a:fld id="{3FC6EB06-D21B-4DC4-9B56-DA9A919C6252}" type="datetimeFigureOut">
               <a:rPr lang="ko-KR" altLang="en-US" smtClean="0"/>
-              <a:t>2022-03-18</a:t>
+              <a:t>2022-03-22</a:t>
             </a:fld>
             <a:endParaRPr lang="ko-KR" altLang="en-US" dirty="0"/>
           </a:p>
@@ -1432,7 +1445,7 @@
           <a:p>
             <a:fld id="{3FC6EB06-D21B-4DC4-9B56-DA9A919C6252}" type="datetimeFigureOut">
               <a:rPr lang="ko-KR" altLang="en-US" smtClean="0"/>
-              <a:t>2022-03-18</a:t>
+              <a:t>2022-03-22</a:t>
             </a:fld>
             <a:endParaRPr lang="ko-KR" altLang="en-US" dirty="0"/>
           </a:p>
@@ -1720,7 +1733,7 @@
           <a:p>
             <a:fld id="{3FC6EB06-D21B-4DC4-9B56-DA9A919C6252}" type="datetimeFigureOut">
               <a:rPr lang="ko-KR" altLang="en-US" smtClean="0"/>
-              <a:t>2022-03-18</a:t>
+              <a:t>2022-03-22</a:t>
             </a:fld>
             <a:endParaRPr lang="ko-KR" altLang="en-US" dirty="0"/>
           </a:p>
@@ -2142,7 +2155,7 @@
           <a:p>
             <a:fld id="{3FC6EB06-D21B-4DC4-9B56-DA9A919C6252}" type="datetimeFigureOut">
               <a:rPr lang="ko-KR" altLang="en-US" smtClean="0"/>
-              <a:t>2022-03-18</a:t>
+              <a:t>2022-03-22</a:t>
             </a:fld>
             <a:endParaRPr lang="ko-KR" altLang="en-US" dirty="0"/>
           </a:p>
@@ -2260,7 +2273,7 @@
           <a:p>
             <a:fld id="{3FC6EB06-D21B-4DC4-9B56-DA9A919C6252}" type="datetimeFigureOut">
               <a:rPr lang="ko-KR" altLang="en-US" smtClean="0"/>
-              <a:t>2022-03-18</a:t>
+              <a:t>2022-03-22</a:t>
             </a:fld>
             <a:endParaRPr lang="ko-KR" altLang="en-US" dirty="0"/>
           </a:p>
@@ -2355,7 +2368,7 @@
           <a:p>
             <a:fld id="{3FC6EB06-D21B-4DC4-9B56-DA9A919C6252}" type="datetimeFigureOut">
               <a:rPr lang="ko-KR" altLang="en-US" smtClean="0"/>
-              <a:t>2022-03-18</a:t>
+              <a:t>2022-03-22</a:t>
             </a:fld>
             <a:endParaRPr lang="ko-KR" altLang="en-US" dirty="0"/>
           </a:p>
@@ -2632,7 +2645,7 @@
           <a:p>
             <a:fld id="{3FC6EB06-D21B-4DC4-9B56-DA9A919C6252}" type="datetimeFigureOut">
               <a:rPr lang="ko-KR" altLang="en-US" smtClean="0"/>
-              <a:t>2022-03-18</a:t>
+              <a:t>2022-03-22</a:t>
             </a:fld>
             <a:endParaRPr lang="ko-KR" altLang="en-US" dirty="0"/>
           </a:p>
@@ -2885,7 +2898,7 @@
           <a:p>
             <a:fld id="{3FC6EB06-D21B-4DC4-9B56-DA9A919C6252}" type="datetimeFigureOut">
               <a:rPr lang="ko-KR" altLang="en-US" smtClean="0"/>
-              <a:t>2022-03-18</a:t>
+              <a:t>2022-03-22</a:t>
             </a:fld>
             <a:endParaRPr lang="ko-KR" altLang="en-US" dirty="0"/>
           </a:p>
@@ -3098,7 +3111,7 @@
           <a:p>
             <a:fld id="{3FC6EB06-D21B-4DC4-9B56-DA9A919C6252}" type="datetimeFigureOut">
               <a:rPr lang="ko-KR" altLang="en-US" smtClean="0"/>
-              <a:t>2022-03-18</a:t>
+              <a:t>2022-03-22</a:t>
             </a:fld>
             <a:endParaRPr lang="ko-KR" altLang="en-US" dirty="0"/>
           </a:p>
@@ -3898,14 +3911,7 @@
                 <a:latin typeface="HY견고딕" panose="02030600000101010101" pitchFamily="18" charset="-127"/>
                 <a:ea typeface="HY견고딕" panose="02030600000101010101" pitchFamily="18" charset="-127"/>
               </a:rPr>
-              <a:t>: </a:t>
-            </a:r>
-            <a:r>
-              <a:rPr lang="en-US" altLang="ko-KR" sz="1400" dirty="0" smtClean="0">
-                <a:latin typeface="HY견고딕" panose="02030600000101010101" pitchFamily="18" charset="-127"/>
-                <a:ea typeface="HY견고딕" panose="02030600000101010101" pitchFamily="18" charset="-127"/>
-              </a:rPr>
-              <a:t>Operator, </a:t>
+              <a:t>: Operator, </a:t>
             </a:r>
             <a:r>
               <a:rPr lang="en-US" altLang="ko-KR" sz="1400" dirty="0" err="1" smtClean="0">
@@ -4048,6 +4054,1146 @@
     <p:extLst>
       <p:ext uri="{BB962C8B-B14F-4D97-AF65-F5344CB8AC3E}">
         <p14:creationId xmlns:p14="http://schemas.microsoft.com/office/powerpoint/2010/main" val="291737399"/>
+      </p:ext>
+    </p:extLst>
+  </p:cSld>
+  <p:clrMapOvr>
+    <a:masterClrMapping/>
+  </p:clrMapOvr>
+  <p:timing>
+    <p:tnLst>
+      <p:par>
+        <p:cTn id="1" dur="indefinite" restart="never" nodeType="tmRoot"/>
+      </p:par>
+    </p:tnLst>
+  </p:timing>
+</p:sld>
+</file>
+
+<file path=ppt/slides/slide11.xml><?xml version="1.0" encoding="utf-8"?>
+<p:sld xmlns:a="http://schemas.openxmlformats.org/drawingml/2006/main" xmlns:r="http://schemas.openxmlformats.org/officeDocument/2006/relationships" xmlns:p="http://schemas.openxmlformats.org/presentationml/2006/main">
+  <p:cSld>
+    <p:spTree>
+      <p:nvGrpSpPr>
+        <p:cNvPr id="1" name=""/>
+        <p:cNvGrpSpPr/>
+        <p:nvPr/>
+      </p:nvGrpSpPr>
+      <p:grpSpPr>
+        <a:xfrm>
+          <a:off x="0" y="0"/>
+          <a:ext cx="0" cy="0"/>
+          <a:chOff x="0" y="0"/>
+          <a:chExt cx="0" cy="0"/>
+        </a:xfrm>
+      </p:grpSpPr>
+      <p:cxnSp>
+        <p:nvCxnSpPr>
+          <p:cNvPr id="4" name="직선 연결선 3"/>
+          <p:cNvCxnSpPr/>
+          <p:nvPr/>
+        </p:nvCxnSpPr>
+        <p:spPr>
+          <a:xfrm>
+            <a:off x="0" y="735546"/>
+            <a:ext cx="9144000" cy="0"/>
+          </a:xfrm>
+          <a:prstGeom prst="line">
+            <a:avLst/>
+          </a:prstGeom>
+          <a:ln w="25400">
+            <a:solidFill>
+              <a:srgbClr val="5F5F5F"/>
+            </a:solidFill>
+          </a:ln>
+        </p:spPr>
+        <p:style>
+          <a:lnRef idx="1">
+            <a:schemeClr val="accent1"/>
+          </a:lnRef>
+          <a:fillRef idx="0">
+            <a:schemeClr val="accent1"/>
+          </a:fillRef>
+          <a:effectRef idx="0">
+            <a:schemeClr val="accent1"/>
+          </a:effectRef>
+          <a:fontRef idx="minor">
+            <a:schemeClr val="tx1"/>
+          </a:fontRef>
+        </p:style>
+      </p:cxnSp>
+      <p:sp>
+        <p:nvSpPr>
+          <p:cNvPr id="6" name="TextBox 5"/>
+          <p:cNvSpPr txBox="1"/>
+          <p:nvPr/>
+        </p:nvSpPr>
+        <p:spPr>
+          <a:xfrm>
+            <a:off x="179512" y="141480"/>
+            <a:ext cx="6408712" cy="448019"/>
+          </a:xfrm>
+          <a:prstGeom prst="rect">
+            <a:avLst/>
+          </a:prstGeom>
+          <a:noFill/>
+        </p:spPr>
+        <p:txBody>
+          <a:bodyPr wrap="square" lIns="77925" tIns="38963" rIns="77925" bIns="38963" rtlCol="0">
+            <a:spAutoFit/>
+          </a:bodyPr>
+          <a:lstStyle/>
+          <a:p>
+            <a:r>
+              <a:rPr lang="ko-KR" altLang="en-US" sz="2400" dirty="0" smtClean="0">
+                <a:latin typeface="HY견고딕" panose="02030600000101010101" pitchFamily="18" charset="-127"/>
+                <a:ea typeface="HY견고딕" panose="02030600000101010101" pitchFamily="18" charset="-127"/>
+              </a:rPr>
+              <a:t>세부 구현 방법 </a:t>
+            </a:r>
+            <a:r>
+              <a:rPr lang="en-US" altLang="ko-KR" sz="2400" dirty="0" smtClean="0">
+                <a:latin typeface="HY견고딕" panose="02030600000101010101" pitchFamily="18" charset="-127"/>
+                <a:ea typeface="HY견고딕" panose="02030600000101010101" pitchFamily="18" charset="-127"/>
+              </a:rPr>
+              <a:t>| </a:t>
+            </a:r>
+            <a:r>
+              <a:rPr lang="ko-KR" altLang="en-US" sz="2400" dirty="0" smtClean="0">
+                <a:latin typeface="HY견고딕" panose="02030600000101010101" pitchFamily="18" charset="-127"/>
+                <a:ea typeface="HY견고딕" panose="02030600000101010101" pitchFamily="18" charset="-127"/>
+              </a:rPr>
+              <a:t>주요 </a:t>
+            </a:r>
+            <a:r>
+              <a:rPr lang="ko-KR" altLang="en-US" sz="2400" dirty="0" smtClean="0">
+                <a:latin typeface="HY견고딕" panose="02030600000101010101" pitchFamily="18" charset="-127"/>
+                <a:ea typeface="HY견고딕" panose="02030600000101010101" pitchFamily="18" charset="-127"/>
+              </a:rPr>
+              <a:t>구조 변경 사항</a:t>
+            </a:r>
+            <a:endParaRPr lang="ko-KR" altLang="en-US" sz="1800" dirty="0">
+              <a:latin typeface="HY견고딕" panose="02030600000101010101" pitchFamily="18" charset="-127"/>
+              <a:ea typeface="HY견고딕" panose="02030600000101010101" pitchFamily="18" charset="-127"/>
+            </a:endParaRPr>
+          </a:p>
+        </p:txBody>
+      </p:sp>
+    </p:spTree>
+    <p:extLst>
+      <p:ext uri="{BB962C8B-B14F-4D97-AF65-F5344CB8AC3E}">
+        <p14:creationId xmlns:p14="http://schemas.microsoft.com/office/powerpoint/2010/main" val="2132431223"/>
+      </p:ext>
+    </p:extLst>
+  </p:cSld>
+  <p:clrMapOvr>
+    <a:masterClrMapping/>
+  </p:clrMapOvr>
+  <p:timing>
+    <p:tnLst>
+      <p:par>
+        <p:cTn id="1" dur="indefinite" restart="never" nodeType="tmRoot"/>
+      </p:par>
+    </p:tnLst>
+  </p:timing>
+</p:sld>
+</file>
+
+<file path=ppt/slides/slide12.xml><?xml version="1.0" encoding="utf-8"?>
+<p:sld xmlns:a="http://schemas.openxmlformats.org/drawingml/2006/main" xmlns:r="http://schemas.openxmlformats.org/officeDocument/2006/relationships" xmlns:p="http://schemas.openxmlformats.org/presentationml/2006/main">
+  <p:cSld>
+    <p:spTree>
+      <p:nvGrpSpPr>
+        <p:cNvPr id="1" name=""/>
+        <p:cNvGrpSpPr/>
+        <p:nvPr/>
+      </p:nvGrpSpPr>
+      <p:grpSpPr>
+        <a:xfrm>
+          <a:off x="0" y="0"/>
+          <a:ext cx="0" cy="0"/>
+          <a:chOff x="0" y="0"/>
+          <a:chExt cx="0" cy="0"/>
+        </a:xfrm>
+      </p:grpSpPr>
+      <p:cxnSp>
+        <p:nvCxnSpPr>
+          <p:cNvPr id="4" name="직선 연결선 3"/>
+          <p:cNvCxnSpPr/>
+          <p:nvPr/>
+        </p:nvCxnSpPr>
+        <p:spPr>
+          <a:xfrm>
+            <a:off x="0" y="735546"/>
+            <a:ext cx="9144000" cy="0"/>
+          </a:xfrm>
+          <a:prstGeom prst="line">
+            <a:avLst/>
+          </a:prstGeom>
+          <a:ln w="25400">
+            <a:solidFill>
+              <a:srgbClr val="5F5F5F"/>
+            </a:solidFill>
+          </a:ln>
+        </p:spPr>
+        <p:style>
+          <a:lnRef idx="1">
+            <a:schemeClr val="accent1"/>
+          </a:lnRef>
+          <a:fillRef idx="0">
+            <a:schemeClr val="accent1"/>
+          </a:fillRef>
+          <a:effectRef idx="0">
+            <a:schemeClr val="accent1"/>
+          </a:effectRef>
+          <a:fontRef idx="minor">
+            <a:schemeClr val="tx1"/>
+          </a:fontRef>
+        </p:style>
+      </p:cxnSp>
+      <p:sp>
+        <p:nvSpPr>
+          <p:cNvPr id="6" name="TextBox 5"/>
+          <p:cNvSpPr txBox="1"/>
+          <p:nvPr/>
+        </p:nvSpPr>
+        <p:spPr>
+          <a:xfrm>
+            <a:off x="179512" y="141480"/>
+            <a:ext cx="6408712" cy="448019"/>
+          </a:xfrm>
+          <a:prstGeom prst="rect">
+            <a:avLst/>
+          </a:prstGeom>
+          <a:noFill/>
+        </p:spPr>
+        <p:txBody>
+          <a:bodyPr wrap="square" lIns="77925" tIns="38963" rIns="77925" bIns="38963" rtlCol="0">
+            <a:spAutoFit/>
+          </a:bodyPr>
+          <a:lstStyle/>
+          <a:p>
+            <a:r>
+              <a:rPr lang="ko-KR" altLang="en-US" sz="2400" dirty="0" smtClean="0">
+                <a:latin typeface="HY견고딕" panose="02030600000101010101" pitchFamily="18" charset="-127"/>
+                <a:ea typeface="HY견고딕" panose="02030600000101010101" pitchFamily="18" charset="-127"/>
+              </a:rPr>
+              <a:t>세부 구현 방법 </a:t>
+            </a:r>
+            <a:r>
+              <a:rPr lang="en-US" altLang="ko-KR" sz="2400" dirty="0" smtClean="0">
+                <a:latin typeface="HY견고딕" panose="02030600000101010101" pitchFamily="18" charset="-127"/>
+                <a:ea typeface="HY견고딕" panose="02030600000101010101" pitchFamily="18" charset="-127"/>
+              </a:rPr>
+              <a:t>| </a:t>
+            </a:r>
+            <a:r>
+              <a:rPr lang="ko-KR" altLang="en-US" sz="2400" dirty="0" smtClean="0">
+                <a:latin typeface="HY견고딕" panose="02030600000101010101" pitchFamily="18" charset="-127"/>
+                <a:ea typeface="HY견고딕" panose="02030600000101010101" pitchFamily="18" charset="-127"/>
+              </a:rPr>
+              <a:t>최종 구조</a:t>
+            </a:r>
+            <a:endParaRPr lang="ko-KR" altLang="en-US" sz="1800" dirty="0">
+              <a:latin typeface="HY견고딕" panose="02030600000101010101" pitchFamily="18" charset="-127"/>
+              <a:ea typeface="HY견고딕" panose="02030600000101010101" pitchFamily="18" charset="-127"/>
+            </a:endParaRPr>
+          </a:p>
+        </p:txBody>
+      </p:sp>
+    </p:spTree>
+    <p:extLst>
+      <p:ext uri="{BB962C8B-B14F-4D97-AF65-F5344CB8AC3E}">
+        <p14:creationId xmlns:p14="http://schemas.microsoft.com/office/powerpoint/2010/main" val="3600073520"/>
+      </p:ext>
+    </p:extLst>
+  </p:cSld>
+  <p:clrMapOvr>
+    <a:masterClrMapping/>
+  </p:clrMapOvr>
+  <p:timing>
+    <p:tnLst>
+      <p:par>
+        <p:cTn id="1" dur="indefinite" restart="never" nodeType="tmRoot"/>
+      </p:par>
+    </p:tnLst>
+  </p:timing>
+</p:sld>
+</file>
+
+<file path=ppt/slides/slide13.xml><?xml version="1.0" encoding="utf-8"?>
+<p:sld xmlns:a="http://schemas.openxmlformats.org/drawingml/2006/main" xmlns:r="http://schemas.openxmlformats.org/officeDocument/2006/relationships" xmlns:p="http://schemas.openxmlformats.org/presentationml/2006/main">
+  <p:cSld>
+    <p:spTree>
+      <p:nvGrpSpPr>
+        <p:cNvPr id="1" name=""/>
+        <p:cNvGrpSpPr/>
+        <p:nvPr/>
+      </p:nvGrpSpPr>
+      <p:grpSpPr>
+        <a:xfrm>
+          <a:off x="0" y="0"/>
+          <a:ext cx="0" cy="0"/>
+          <a:chOff x="0" y="0"/>
+          <a:chExt cx="0" cy="0"/>
+        </a:xfrm>
+      </p:grpSpPr>
+      <p:cxnSp>
+        <p:nvCxnSpPr>
+          <p:cNvPr id="4" name="직선 연결선 3"/>
+          <p:cNvCxnSpPr/>
+          <p:nvPr/>
+        </p:nvCxnSpPr>
+        <p:spPr>
+          <a:xfrm>
+            <a:off x="0" y="735546"/>
+            <a:ext cx="9144000" cy="0"/>
+          </a:xfrm>
+          <a:prstGeom prst="line">
+            <a:avLst/>
+          </a:prstGeom>
+          <a:ln w="25400">
+            <a:solidFill>
+              <a:srgbClr val="5F5F5F"/>
+            </a:solidFill>
+          </a:ln>
+        </p:spPr>
+        <p:style>
+          <a:lnRef idx="1">
+            <a:schemeClr val="accent1"/>
+          </a:lnRef>
+          <a:fillRef idx="0">
+            <a:schemeClr val="accent1"/>
+          </a:fillRef>
+          <a:effectRef idx="0">
+            <a:schemeClr val="accent1"/>
+          </a:effectRef>
+          <a:fontRef idx="minor">
+            <a:schemeClr val="tx1"/>
+          </a:fontRef>
+        </p:style>
+      </p:cxnSp>
+      <p:sp>
+        <p:nvSpPr>
+          <p:cNvPr id="6" name="TextBox 5"/>
+          <p:cNvSpPr txBox="1"/>
+          <p:nvPr/>
+        </p:nvSpPr>
+        <p:spPr>
+          <a:xfrm>
+            <a:off x="179512" y="141480"/>
+            <a:ext cx="6408712" cy="448019"/>
+          </a:xfrm>
+          <a:prstGeom prst="rect">
+            <a:avLst/>
+          </a:prstGeom>
+          <a:noFill/>
+        </p:spPr>
+        <p:txBody>
+          <a:bodyPr wrap="square" lIns="77925" tIns="38963" rIns="77925" bIns="38963" rtlCol="0">
+            <a:spAutoFit/>
+          </a:bodyPr>
+          <a:lstStyle/>
+          <a:p>
+            <a:r>
+              <a:rPr lang="ko-KR" altLang="en-US" sz="2400" dirty="0" smtClean="0">
+                <a:latin typeface="HY견고딕" panose="02030600000101010101" pitchFamily="18" charset="-127"/>
+                <a:ea typeface="HY견고딕" panose="02030600000101010101" pitchFamily="18" charset="-127"/>
+              </a:rPr>
+              <a:t>세부 구현 방법 </a:t>
+            </a:r>
+            <a:r>
+              <a:rPr lang="en-US" altLang="ko-KR" sz="2400" dirty="0" smtClean="0">
+                <a:latin typeface="HY견고딕" panose="02030600000101010101" pitchFamily="18" charset="-127"/>
+                <a:ea typeface="HY견고딕" panose="02030600000101010101" pitchFamily="18" charset="-127"/>
+              </a:rPr>
+              <a:t>| </a:t>
+            </a:r>
+            <a:r>
+              <a:rPr lang="en-US" altLang="ko-KR" sz="2400" dirty="0" smtClean="0">
+                <a:latin typeface="HY견고딕" panose="02030600000101010101" pitchFamily="18" charset="-127"/>
+                <a:ea typeface="HY견고딕" panose="02030600000101010101" pitchFamily="18" charset="-127"/>
+              </a:rPr>
+              <a:t>TDD</a:t>
+            </a:r>
+            <a:endParaRPr lang="ko-KR" altLang="en-US" sz="1800" dirty="0">
+              <a:latin typeface="HY견고딕" panose="02030600000101010101" pitchFamily="18" charset="-127"/>
+              <a:ea typeface="HY견고딕" panose="02030600000101010101" pitchFamily="18" charset="-127"/>
+            </a:endParaRPr>
+          </a:p>
+        </p:txBody>
+      </p:sp>
+    </p:spTree>
+    <p:extLst>
+      <p:ext uri="{BB962C8B-B14F-4D97-AF65-F5344CB8AC3E}">
+        <p14:creationId xmlns:p14="http://schemas.microsoft.com/office/powerpoint/2010/main" val="3180344781"/>
+      </p:ext>
+    </p:extLst>
+  </p:cSld>
+  <p:clrMapOvr>
+    <a:masterClrMapping/>
+  </p:clrMapOvr>
+  <p:timing>
+    <p:tnLst>
+      <p:par>
+        <p:cTn id="1" dur="indefinite" restart="never" nodeType="tmRoot"/>
+      </p:par>
+    </p:tnLst>
+  </p:timing>
+</p:sld>
+</file>
+
+<file path=ppt/slides/slide14.xml><?xml version="1.0" encoding="utf-8"?>
+<p:sld xmlns:a="http://schemas.openxmlformats.org/drawingml/2006/main" xmlns:r="http://schemas.openxmlformats.org/officeDocument/2006/relationships" xmlns:p="http://schemas.openxmlformats.org/presentationml/2006/main">
+  <p:cSld>
+    <p:spTree>
+      <p:nvGrpSpPr>
+        <p:cNvPr id="1" name=""/>
+        <p:cNvGrpSpPr/>
+        <p:nvPr/>
+      </p:nvGrpSpPr>
+      <p:grpSpPr>
+        <a:xfrm>
+          <a:off x="0" y="0"/>
+          <a:ext cx="0" cy="0"/>
+          <a:chOff x="0" y="0"/>
+          <a:chExt cx="0" cy="0"/>
+        </a:xfrm>
+      </p:grpSpPr>
+      <p:cxnSp>
+        <p:nvCxnSpPr>
+          <p:cNvPr id="4" name="직선 연결선 3"/>
+          <p:cNvCxnSpPr/>
+          <p:nvPr/>
+        </p:nvCxnSpPr>
+        <p:spPr>
+          <a:xfrm>
+            <a:off x="0" y="735546"/>
+            <a:ext cx="9144000" cy="0"/>
+          </a:xfrm>
+          <a:prstGeom prst="line">
+            <a:avLst/>
+          </a:prstGeom>
+          <a:ln w="25400">
+            <a:solidFill>
+              <a:srgbClr val="5F5F5F"/>
+            </a:solidFill>
+          </a:ln>
+        </p:spPr>
+        <p:style>
+          <a:lnRef idx="1">
+            <a:schemeClr val="accent1"/>
+          </a:lnRef>
+          <a:fillRef idx="0">
+            <a:schemeClr val="accent1"/>
+          </a:fillRef>
+          <a:effectRef idx="0">
+            <a:schemeClr val="accent1"/>
+          </a:effectRef>
+          <a:fontRef idx="minor">
+            <a:schemeClr val="tx1"/>
+          </a:fontRef>
+        </p:style>
+      </p:cxnSp>
+      <p:sp>
+        <p:nvSpPr>
+          <p:cNvPr id="6" name="TextBox 5"/>
+          <p:cNvSpPr txBox="1"/>
+          <p:nvPr/>
+        </p:nvSpPr>
+        <p:spPr>
+          <a:xfrm>
+            <a:off x="179512" y="141480"/>
+            <a:ext cx="6408712" cy="448019"/>
+          </a:xfrm>
+          <a:prstGeom prst="rect">
+            <a:avLst/>
+          </a:prstGeom>
+          <a:noFill/>
+        </p:spPr>
+        <p:txBody>
+          <a:bodyPr wrap="square" lIns="77925" tIns="38963" rIns="77925" bIns="38963" rtlCol="0">
+            <a:spAutoFit/>
+          </a:bodyPr>
+          <a:lstStyle/>
+          <a:p>
+            <a:r>
+              <a:rPr lang="ko-KR" altLang="en-US" sz="2400" dirty="0" smtClean="0">
+                <a:latin typeface="HY견고딕" panose="02030600000101010101" pitchFamily="18" charset="-127"/>
+                <a:ea typeface="HY견고딕" panose="02030600000101010101" pitchFamily="18" charset="-127"/>
+              </a:rPr>
+              <a:t>세부 구현 방법 </a:t>
+            </a:r>
+            <a:r>
+              <a:rPr lang="en-US" altLang="ko-KR" sz="2400" dirty="0" smtClean="0">
+                <a:latin typeface="HY견고딕" panose="02030600000101010101" pitchFamily="18" charset="-127"/>
+                <a:ea typeface="HY견고딕" panose="02030600000101010101" pitchFamily="18" charset="-127"/>
+              </a:rPr>
+              <a:t>| </a:t>
+            </a:r>
+            <a:r>
+              <a:rPr lang="en-US" altLang="ko-KR" sz="2400" dirty="0" smtClean="0">
+                <a:latin typeface="HY견고딕" panose="02030600000101010101" pitchFamily="18" charset="-127"/>
+                <a:ea typeface="HY견고딕" panose="02030600000101010101" pitchFamily="18" charset="-127"/>
+              </a:rPr>
+              <a:t>Clean Code – </a:t>
+            </a:r>
+            <a:r>
+              <a:rPr lang="ko-KR" altLang="en-US" sz="2400" dirty="0" smtClean="0">
+                <a:latin typeface="HY견고딕" panose="02030600000101010101" pitchFamily="18" charset="-127"/>
+                <a:ea typeface="HY견고딕" panose="02030600000101010101" pitchFamily="18" charset="-127"/>
+              </a:rPr>
+              <a:t>오류 처리</a:t>
+            </a:r>
+            <a:endParaRPr lang="ko-KR" altLang="en-US" sz="1800" dirty="0">
+              <a:latin typeface="HY견고딕" panose="02030600000101010101" pitchFamily="18" charset="-127"/>
+              <a:ea typeface="HY견고딕" panose="02030600000101010101" pitchFamily="18" charset="-127"/>
+            </a:endParaRPr>
+          </a:p>
+        </p:txBody>
+      </p:sp>
+    </p:spTree>
+    <p:extLst>
+      <p:ext uri="{BB962C8B-B14F-4D97-AF65-F5344CB8AC3E}">
+        <p14:creationId xmlns:p14="http://schemas.microsoft.com/office/powerpoint/2010/main" val="3673093213"/>
+      </p:ext>
+    </p:extLst>
+  </p:cSld>
+  <p:clrMapOvr>
+    <a:masterClrMapping/>
+  </p:clrMapOvr>
+  <p:timing>
+    <p:tnLst>
+      <p:par>
+        <p:cTn id="1" dur="indefinite" restart="never" nodeType="tmRoot"/>
+      </p:par>
+    </p:tnLst>
+  </p:timing>
+</p:sld>
+</file>
+
+<file path=ppt/slides/slide15.xml><?xml version="1.0" encoding="utf-8"?>
+<p:sld xmlns:a="http://schemas.openxmlformats.org/drawingml/2006/main" xmlns:r="http://schemas.openxmlformats.org/officeDocument/2006/relationships" xmlns:p="http://schemas.openxmlformats.org/presentationml/2006/main">
+  <p:cSld>
+    <p:spTree>
+      <p:nvGrpSpPr>
+        <p:cNvPr id="1" name=""/>
+        <p:cNvGrpSpPr/>
+        <p:nvPr/>
+      </p:nvGrpSpPr>
+      <p:grpSpPr>
+        <a:xfrm>
+          <a:off x="0" y="0"/>
+          <a:ext cx="0" cy="0"/>
+          <a:chOff x="0" y="0"/>
+          <a:chExt cx="0" cy="0"/>
+        </a:xfrm>
+      </p:grpSpPr>
+      <p:cxnSp>
+        <p:nvCxnSpPr>
+          <p:cNvPr id="4" name="직선 연결선 3"/>
+          <p:cNvCxnSpPr/>
+          <p:nvPr/>
+        </p:nvCxnSpPr>
+        <p:spPr>
+          <a:xfrm>
+            <a:off x="0" y="735546"/>
+            <a:ext cx="9144000" cy="0"/>
+          </a:xfrm>
+          <a:prstGeom prst="line">
+            <a:avLst/>
+          </a:prstGeom>
+          <a:ln w="25400">
+            <a:solidFill>
+              <a:srgbClr val="5F5F5F"/>
+            </a:solidFill>
+          </a:ln>
+        </p:spPr>
+        <p:style>
+          <a:lnRef idx="1">
+            <a:schemeClr val="accent1"/>
+          </a:lnRef>
+          <a:fillRef idx="0">
+            <a:schemeClr val="accent1"/>
+          </a:fillRef>
+          <a:effectRef idx="0">
+            <a:schemeClr val="accent1"/>
+          </a:effectRef>
+          <a:fontRef idx="minor">
+            <a:schemeClr val="tx1"/>
+          </a:fontRef>
+        </p:style>
+      </p:cxnSp>
+      <p:sp>
+        <p:nvSpPr>
+          <p:cNvPr id="6" name="TextBox 5"/>
+          <p:cNvSpPr txBox="1"/>
+          <p:nvPr/>
+        </p:nvSpPr>
+        <p:spPr>
+          <a:xfrm>
+            <a:off x="179512" y="141480"/>
+            <a:ext cx="6408712" cy="448019"/>
+          </a:xfrm>
+          <a:prstGeom prst="rect">
+            <a:avLst/>
+          </a:prstGeom>
+          <a:noFill/>
+        </p:spPr>
+        <p:txBody>
+          <a:bodyPr wrap="square" lIns="77925" tIns="38963" rIns="77925" bIns="38963" rtlCol="0">
+            <a:spAutoFit/>
+          </a:bodyPr>
+          <a:lstStyle/>
+          <a:p>
+            <a:r>
+              <a:rPr lang="ko-KR" altLang="en-US" sz="2400" dirty="0" smtClean="0">
+                <a:latin typeface="HY견고딕" panose="02030600000101010101" pitchFamily="18" charset="-127"/>
+                <a:ea typeface="HY견고딕" panose="02030600000101010101" pitchFamily="18" charset="-127"/>
+              </a:rPr>
+              <a:t>세부 구현 방법 </a:t>
+            </a:r>
+            <a:r>
+              <a:rPr lang="en-US" altLang="ko-KR" sz="2400" dirty="0" smtClean="0">
+                <a:latin typeface="HY견고딕" panose="02030600000101010101" pitchFamily="18" charset="-127"/>
+                <a:ea typeface="HY견고딕" panose="02030600000101010101" pitchFamily="18" charset="-127"/>
+              </a:rPr>
+              <a:t>| </a:t>
+            </a:r>
+            <a:r>
+              <a:rPr lang="en-US" altLang="ko-KR" sz="2400" dirty="0" smtClean="0">
+                <a:latin typeface="HY견고딕" panose="02030600000101010101" pitchFamily="18" charset="-127"/>
+                <a:ea typeface="HY견고딕" panose="02030600000101010101" pitchFamily="18" charset="-127"/>
+              </a:rPr>
+              <a:t>Clean Code – </a:t>
+            </a:r>
+            <a:r>
+              <a:rPr lang="ko-KR" altLang="en-US" sz="2400" dirty="0" smtClean="0">
+                <a:latin typeface="HY견고딕" panose="02030600000101010101" pitchFamily="18" charset="-127"/>
+                <a:ea typeface="HY견고딕" panose="02030600000101010101" pitchFamily="18" charset="-127"/>
+              </a:rPr>
+              <a:t>경계</a:t>
+            </a:r>
+            <a:endParaRPr lang="ko-KR" altLang="en-US" sz="1800" dirty="0">
+              <a:latin typeface="HY견고딕" panose="02030600000101010101" pitchFamily="18" charset="-127"/>
+              <a:ea typeface="HY견고딕" panose="02030600000101010101" pitchFamily="18" charset="-127"/>
+            </a:endParaRPr>
+          </a:p>
+        </p:txBody>
+      </p:sp>
+    </p:spTree>
+    <p:extLst>
+      <p:ext uri="{BB962C8B-B14F-4D97-AF65-F5344CB8AC3E}">
+        <p14:creationId xmlns:p14="http://schemas.microsoft.com/office/powerpoint/2010/main" val="160620549"/>
+      </p:ext>
+    </p:extLst>
+  </p:cSld>
+  <p:clrMapOvr>
+    <a:masterClrMapping/>
+  </p:clrMapOvr>
+  <p:timing>
+    <p:tnLst>
+      <p:par>
+        <p:cTn id="1" dur="indefinite" restart="never" nodeType="tmRoot"/>
+      </p:par>
+    </p:tnLst>
+  </p:timing>
+</p:sld>
+</file>
+
+<file path=ppt/slides/slide16.xml><?xml version="1.0" encoding="utf-8"?>
+<p:sld xmlns:a="http://schemas.openxmlformats.org/drawingml/2006/main" xmlns:r="http://schemas.openxmlformats.org/officeDocument/2006/relationships" xmlns:p="http://schemas.openxmlformats.org/presentationml/2006/main">
+  <p:cSld>
+    <p:spTree>
+      <p:nvGrpSpPr>
+        <p:cNvPr id="1" name=""/>
+        <p:cNvGrpSpPr/>
+        <p:nvPr/>
+      </p:nvGrpSpPr>
+      <p:grpSpPr>
+        <a:xfrm>
+          <a:off x="0" y="0"/>
+          <a:ext cx="0" cy="0"/>
+          <a:chOff x="0" y="0"/>
+          <a:chExt cx="0" cy="0"/>
+        </a:xfrm>
+      </p:grpSpPr>
+      <p:cxnSp>
+        <p:nvCxnSpPr>
+          <p:cNvPr id="4" name="직선 연결선 3"/>
+          <p:cNvCxnSpPr/>
+          <p:nvPr/>
+        </p:nvCxnSpPr>
+        <p:spPr>
+          <a:xfrm>
+            <a:off x="0" y="735546"/>
+            <a:ext cx="9144000" cy="0"/>
+          </a:xfrm>
+          <a:prstGeom prst="line">
+            <a:avLst/>
+          </a:prstGeom>
+          <a:ln w="25400">
+            <a:solidFill>
+              <a:srgbClr val="5F5F5F"/>
+            </a:solidFill>
+          </a:ln>
+        </p:spPr>
+        <p:style>
+          <a:lnRef idx="1">
+            <a:schemeClr val="accent1"/>
+          </a:lnRef>
+          <a:fillRef idx="0">
+            <a:schemeClr val="accent1"/>
+          </a:fillRef>
+          <a:effectRef idx="0">
+            <a:schemeClr val="accent1"/>
+          </a:effectRef>
+          <a:fontRef idx="minor">
+            <a:schemeClr val="tx1"/>
+          </a:fontRef>
+        </p:style>
+      </p:cxnSp>
+      <p:sp>
+        <p:nvSpPr>
+          <p:cNvPr id="6" name="TextBox 5"/>
+          <p:cNvSpPr txBox="1"/>
+          <p:nvPr/>
+        </p:nvSpPr>
+        <p:spPr>
+          <a:xfrm>
+            <a:off x="179512" y="141480"/>
+            <a:ext cx="6408712" cy="448019"/>
+          </a:xfrm>
+          <a:prstGeom prst="rect">
+            <a:avLst/>
+          </a:prstGeom>
+          <a:noFill/>
+        </p:spPr>
+        <p:txBody>
+          <a:bodyPr wrap="square" lIns="77925" tIns="38963" rIns="77925" bIns="38963" rtlCol="0">
+            <a:spAutoFit/>
+          </a:bodyPr>
+          <a:lstStyle/>
+          <a:p>
+            <a:r>
+              <a:rPr lang="ko-KR" altLang="en-US" sz="2400" dirty="0" smtClean="0">
+                <a:latin typeface="HY견고딕" panose="02030600000101010101" pitchFamily="18" charset="-127"/>
+                <a:ea typeface="HY견고딕" panose="02030600000101010101" pitchFamily="18" charset="-127"/>
+              </a:rPr>
+              <a:t>세부 구현 방법 </a:t>
+            </a:r>
+            <a:r>
+              <a:rPr lang="en-US" altLang="ko-KR" sz="2400" dirty="0" smtClean="0">
+                <a:latin typeface="HY견고딕" panose="02030600000101010101" pitchFamily="18" charset="-127"/>
+                <a:ea typeface="HY견고딕" panose="02030600000101010101" pitchFamily="18" charset="-127"/>
+              </a:rPr>
+              <a:t>| </a:t>
+            </a:r>
+            <a:r>
+              <a:rPr lang="en-US" altLang="ko-KR" sz="2400" dirty="0" smtClean="0">
+                <a:latin typeface="HY견고딕" panose="02030600000101010101" pitchFamily="18" charset="-127"/>
+                <a:ea typeface="HY견고딕" panose="02030600000101010101" pitchFamily="18" charset="-127"/>
+              </a:rPr>
+              <a:t>Clean Code – </a:t>
+            </a:r>
+            <a:r>
+              <a:rPr lang="ko-KR" altLang="en-US" sz="2400" dirty="0" smtClean="0">
+                <a:latin typeface="HY견고딕" panose="02030600000101010101" pitchFamily="18" charset="-127"/>
+                <a:ea typeface="HY견고딕" panose="02030600000101010101" pitchFamily="18" charset="-127"/>
+              </a:rPr>
+              <a:t>추상화</a:t>
+            </a:r>
+            <a:endParaRPr lang="ko-KR" altLang="en-US" sz="1800" dirty="0">
+              <a:latin typeface="HY견고딕" panose="02030600000101010101" pitchFamily="18" charset="-127"/>
+              <a:ea typeface="HY견고딕" panose="02030600000101010101" pitchFamily="18" charset="-127"/>
+            </a:endParaRPr>
+          </a:p>
+        </p:txBody>
+      </p:sp>
+    </p:spTree>
+    <p:extLst>
+      <p:ext uri="{BB962C8B-B14F-4D97-AF65-F5344CB8AC3E}">
+        <p14:creationId xmlns:p14="http://schemas.microsoft.com/office/powerpoint/2010/main" val="3117409967"/>
+      </p:ext>
+    </p:extLst>
+  </p:cSld>
+  <p:clrMapOvr>
+    <a:masterClrMapping/>
+  </p:clrMapOvr>
+  <p:timing>
+    <p:tnLst>
+      <p:par>
+        <p:cTn id="1" dur="indefinite" restart="never" nodeType="tmRoot"/>
+      </p:par>
+    </p:tnLst>
+  </p:timing>
+</p:sld>
+</file>
+
+<file path=ppt/slides/slide17.xml><?xml version="1.0" encoding="utf-8"?>
+<p:sld xmlns:a="http://schemas.openxmlformats.org/drawingml/2006/main" xmlns:r="http://schemas.openxmlformats.org/officeDocument/2006/relationships" xmlns:p="http://schemas.openxmlformats.org/presentationml/2006/main">
+  <p:cSld>
+    <p:spTree>
+      <p:nvGrpSpPr>
+        <p:cNvPr id="1" name=""/>
+        <p:cNvGrpSpPr/>
+        <p:nvPr/>
+      </p:nvGrpSpPr>
+      <p:grpSpPr>
+        <a:xfrm>
+          <a:off x="0" y="0"/>
+          <a:ext cx="0" cy="0"/>
+          <a:chOff x="0" y="0"/>
+          <a:chExt cx="0" cy="0"/>
+        </a:xfrm>
+      </p:grpSpPr>
+      <p:cxnSp>
+        <p:nvCxnSpPr>
+          <p:cNvPr id="4" name="직선 연결선 3"/>
+          <p:cNvCxnSpPr/>
+          <p:nvPr/>
+        </p:nvCxnSpPr>
+        <p:spPr>
+          <a:xfrm>
+            <a:off x="0" y="735546"/>
+            <a:ext cx="9144000" cy="0"/>
+          </a:xfrm>
+          <a:prstGeom prst="line">
+            <a:avLst/>
+          </a:prstGeom>
+          <a:ln w="25400">
+            <a:solidFill>
+              <a:srgbClr val="5F5F5F"/>
+            </a:solidFill>
+          </a:ln>
+        </p:spPr>
+        <p:style>
+          <a:lnRef idx="1">
+            <a:schemeClr val="accent1"/>
+          </a:lnRef>
+          <a:fillRef idx="0">
+            <a:schemeClr val="accent1"/>
+          </a:fillRef>
+          <a:effectRef idx="0">
+            <a:schemeClr val="accent1"/>
+          </a:effectRef>
+          <a:fontRef idx="minor">
+            <a:schemeClr val="tx1"/>
+          </a:fontRef>
+        </p:style>
+      </p:cxnSp>
+      <p:sp>
+        <p:nvSpPr>
+          <p:cNvPr id="6" name="TextBox 5"/>
+          <p:cNvSpPr txBox="1"/>
+          <p:nvPr/>
+        </p:nvSpPr>
+        <p:spPr>
+          <a:xfrm>
+            <a:off x="179512" y="141480"/>
+            <a:ext cx="6408712" cy="448019"/>
+          </a:xfrm>
+          <a:prstGeom prst="rect">
+            <a:avLst/>
+          </a:prstGeom>
+          <a:noFill/>
+        </p:spPr>
+        <p:txBody>
+          <a:bodyPr wrap="square" lIns="77925" tIns="38963" rIns="77925" bIns="38963" rtlCol="0">
+            <a:spAutoFit/>
+          </a:bodyPr>
+          <a:lstStyle/>
+          <a:p>
+            <a:r>
+              <a:rPr lang="ko-KR" altLang="en-US" sz="2400" dirty="0" smtClean="0">
+                <a:latin typeface="HY견고딕" panose="02030600000101010101" pitchFamily="18" charset="-127"/>
+                <a:ea typeface="HY견고딕" panose="02030600000101010101" pitchFamily="18" charset="-127"/>
+              </a:rPr>
+              <a:t>세부 구현 방법 </a:t>
+            </a:r>
+            <a:r>
+              <a:rPr lang="en-US" altLang="ko-KR" sz="2400" dirty="0" smtClean="0">
+                <a:latin typeface="HY견고딕" panose="02030600000101010101" pitchFamily="18" charset="-127"/>
+                <a:ea typeface="HY견고딕" panose="02030600000101010101" pitchFamily="18" charset="-127"/>
+              </a:rPr>
+              <a:t>| </a:t>
+            </a:r>
+            <a:r>
+              <a:rPr lang="en-US" altLang="ko-KR" sz="2400" dirty="0" smtClean="0">
+                <a:latin typeface="HY견고딕" panose="02030600000101010101" pitchFamily="18" charset="-127"/>
+                <a:ea typeface="HY견고딕" panose="02030600000101010101" pitchFamily="18" charset="-127"/>
+              </a:rPr>
+              <a:t>Clean Code – </a:t>
+            </a:r>
+            <a:r>
+              <a:rPr lang="ko-KR" altLang="en-US" sz="2400" dirty="0" err="1" smtClean="0">
+                <a:latin typeface="HY견고딕" panose="02030600000101010101" pitchFamily="18" charset="-127"/>
+                <a:ea typeface="HY견고딕" panose="02030600000101010101" pitchFamily="18" charset="-127"/>
+              </a:rPr>
+              <a:t>응집성</a:t>
+            </a:r>
+            <a:endParaRPr lang="ko-KR" altLang="en-US" sz="1800" dirty="0">
+              <a:latin typeface="HY견고딕" panose="02030600000101010101" pitchFamily="18" charset="-127"/>
+              <a:ea typeface="HY견고딕" panose="02030600000101010101" pitchFamily="18" charset="-127"/>
+            </a:endParaRPr>
+          </a:p>
+        </p:txBody>
+      </p:sp>
+    </p:spTree>
+    <p:extLst>
+      <p:ext uri="{BB962C8B-B14F-4D97-AF65-F5344CB8AC3E}">
+        <p14:creationId xmlns:p14="http://schemas.microsoft.com/office/powerpoint/2010/main" val="2369361844"/>
+      </p:ext>
+    </p:extLst>
+  </p:cSld>
+  <p:clrMapOvr>
+    <a:masterClrMapping/>
+  </p:clrMapOvr>
+  <p:timing>
+    <p:tnLst>
+      <p:par>
+        <p:cTn id="1" dur="indefinite" restart="never" nodeType="tmRoot"/>
+      </p:par>
+    </p:tnLst>
+  </p:timing>
+</p:sld>
+</file>
+
+<file path=ppt/slides/slide18.xml><?xml version="1.0" encoding="utf-8"?>
+<p:sld xmlns:a="http://schemas.openxmlformats.org/drawingml/2006/main" xmlns:r="http://schemas.openxmlformats.org/officeDocument/2006/relationships" xmlns:p="http://schemas.openxmlformats.org/presentationml/2006/main">
+  <p:cSld>
+    <p:spTree>
+      <p:nvGrpSpPr>
+        <p:cNvPr id="1" name=""/>
+        <p:cNvGrpSpPr/>
+        <p:nvPr/>
+      </p:nvGrpSpPr>
+      <p:grpSpPr>
+        <a:xfrm>
+          <a:off x="0" y="0"/>
+          <a:ext cx="0" cy="0"/>
+          <a:chOff x="0" y="0"/>
+          <a:chExt cx="0" cy="0"/>
+        </a:xfrm>
+      </p:grpSpPr>
+      <p:cxnSp>
+        <p:nvCxnSpPr>
+          <p:cNvPr id="4" name="직선 연결선 3"/>
+          <p:cNvCxnSpPr/>
+          <p:nvPr/>
+        </p:nvCxnSpPr>
+        <p:spPr>
+          <a:xfrm>
+            <a:off x="0" y="735546"/>
+            <a:ext cx="9144000" cy="0"/>
+          </a:xfrm>
+          <a:prstGeom prst="line">
+            <a:avLst/>
+          </a:prstGeom>
+          <a:ln w="25400">
+            <a:solidFill>
+              <a:srgbClr val="5F5F5F"/>
+            </a:solidFill>
+          </a:ln>
+        </p:spPr>
+        <p:style>
+          <a:lnRef idx="1">
+            <a:schemeClr val="accent1"/>
+          </a:lnRef>
+          <a:fillRef idx="0">
+            <a:schemeClr val="accent1"/>
+          </a:fillRef>
+          <a:effectRef idx="0">
+            <a:schemeClr val="accent1"/>
+          </a:effectRef>
+          <a:fontRef idx="minor">
+            <a:schemeClr val="tx1"/>
+          </a:fontRef>
+        </p:style>
+      </p:cxnSp>
+      <p:sp>
+        <p:nvSpPr>
+          <p:cNvPr id="6" name="TextBox 5"/>
+          <p:cNvSpPr txBox="1"/>
+          <p:nvPr/>
+        </p:nvSpPr>
+        <p:spPr>
+          <a:xfrm>
+            <a:off x="179512" y="141480"/>
+            <a:ext cx="7776864" cy="448019"/>
+          </a:xfrm>
+          <a:prstGeom prst="rect">
+            <a:avLst/>
+          </a:prstGeom>
+          <a:noFill/>
+        </p:spPr>
+        <p:txBody>
+          <a:bodyPr wrap="square" lIns="77925" tIns="38963" rIns="77925" bIns="38963" rtlCol="0">
+            <a:spAutoFit/>
+          </a:bodyPr>
+          <a:lstStyle/>
+          <a:p>
+            <a:r>
+              <a:rPr lang="ko-KR" altLang="en-US" sz="2400" dirty="0" smtClean="0">
+                <a:latin typeface="HY견고딕" panose="02030600000101010101" pitchFamily="18" charset="-127"/>
+                <a:ea typeface="HY견고딕" panose="02030600000101010101" pitchFamily="18" charset="-127"/>
+              </a:rPr>
+              <a:t>세부 구현 방법 </a:t>
+            </a:r>
+            <a:r>
+              <a:rPr lang="en-US" altLang="ko-KR" sz="2400" dirty="0" smtClean="0">
+                <a:latin typeface="HY견고딕" panose="02030600000101010101" pitchFamily="18" charset="-127"/>
+                <a:ea typeface="HY견고딕" panose="02030600000101010101" pitchFamily="18" charset="-127"/>
+              </a:rPr>
+              <a:t>|</a:t>
+            </a:r>
+            <a:r>
+              <a:rPr lang="en-US" altLang="ko-KR" sz="2400" dirty="0" smtClean="0">
+                <a:latin typeface="HY견고딕" panose="02030600000101010101" pitchFamily="18" charset="-127"/>
+                <a:ea typeface="HY견고딕" panose="02030600000101010101" pitchFamily="18" charset="-127"/>
+              </a:rPr>
+              <a:t> Refactoring</a:t>
+            </a:r>
+            <a:endParaRPr lang="ko-KR" altLang="en-US" sz="1800" dirty="0">
+              <a:latin typeface="HY견고딕" panose="02030600000101010101" pitchFamily="18" charset="-127"/>
+              <a:ea typeface="HY견고딕" panose="02030600000101010101" pitchFamily="18" charset="-127"/>
+            </a:endParaRPr>
+          </a:p>
+        </p:txBody>
+      </p:sp>
+    </p:spTree>
+    <p:extLst>
+      <p:ext uri="{BB962C8B-B14F-4D97-AF65-F5344CB8AC3E}">
+        <p14:creationId xmlns:p14="http://schemas.microsoft.com/office/powerpoint/2010/main" val="3408281398"/>
+      </p:ext>
+    </p:extLst>
+  </p:cSld>
+  <p:clrMapOvr>
+    <a:masterClrMapping/>
+  </p:clrMapOvr>
+  <p:timing>
+    <p:tnLst>
+      <p:par>
+        <p:cTn id="1" dur="indefinite" restart="never" nodeType="tmRoot"/>
+      </p:par>
+    </p:tnLst>
+  </p:timing>
+</p:sld>
+</file>
+
+<file path=ppt/slides/slide19.xml><?xml version="1.0" encoding="utf-8"?>
+<p:sld xmlns:a="http://schemas.openxmlformats.org/drawingml/2006/main" xmlns:r="http://schemas.openxmlformats.org/officeDocument/2006/relationships" xmlns:p="http://schemas.openxmlformats.org/presentationml/2006/main">
+  <p:cSld>
+    <p:spTree>
+      <p:nvGrpSpPr>
+        <p:cNvPr id="1" name=""/>
+        <p:cNvGrpSpPr/>
+        <p:nvPr/>
+      </p:nvGrpSpPr>
+      <p:grpSpPr>
+        <a:xfrm>
+          <a:off x="0" y="0"/>
+          <a:ext cx="0" cy="0"/>
+          <a:chOff x="0" y="0"/>
+          <a:chExt cx="0" cy="0"/>
+        </a:xfrm>
+      </p:grpSpPr>
+      <p:cxnSp>
+        <p:nvCxnSpPr>
+          <p:cNvPr id="4" name="직선 연결선 3"/>
+          <p:cNvCxnSpPr/>
+          <p:nvPr/>
+        </p:nvCxnSpPr>
+        <p:spPr>
+          <a:xfrm>
+            <a:off x="0" y="735546"/>
+            <a:ext cx="9144000" cy="0"/>
+          </a:xfrm>
+          <a:prstGeom prst="line">
+            <a:avLst/>
+          </a:prstGeom>
+          <a:ln w="25400">
+            <a:solidFill>
+              <a:srgbClr val="5F5F5F"/>
+            </a:solidFill>
+          </a:ln>
+        </p:spPr>
+        <p:style>
+          <a:lnRef idx="1">
+            <a:schemeClr val="accent1"/>
+          </a:lnRef>
+          <a:fillRef idx="0">
+            <a:schemeClr val="accent1"/>
+          </a:fillRef>
+          <a:effectRef idx="0">
+            <a:schemeClr val="accent1"/>
+          </a:effectRef>
+          <a:fontRef idx="minor">
+            <a:schemeClr val="tx1"/>
+          </a:fontRef>
+        </p:style>
+      </p:cxnSp>
+      <p:sp>
+        <p:nvSpPr>
+          <p:cNvPr id="6" name="TextBox 5"/>
+          <p:cNvSpPr txBox="1"/>
+          <p:nvPr/>
+        </p:nvSpPr>
+        <p:spPr>
+          <a:xfrm>
+            <a:off x="179512" y="141480"/>
+            <a:ext cx="7776864" cy="448019"/>
+          </a:xfrm>
+          <a:prstGeom prst="rect">
+            <a:avLst/>
+          </a:prstGeom>
+          <a:noFill/>
+        </p:spPr>
+        <p:txBody>
+          <a:bodyPr wrap="square" lIns="77925" tIns="38963" rIns="77925" bIns="38963" rtlCol="0">
+            <a:spAutoFit/>
+          </a:bodyPr>
+          <a:lstStyle/>
+          <a:p>
+            <a:r>
+              <a:rPr lang="ko-KR" altLang="en-US" sz="2400" dirty="0" smtClean="0">
+                <a:latin typeface="HY견고딕" panose="02030600000101010101" pitchFamily="18" charset="-127"/>
+                <a:ea typeface="HY견고딕" panose="02030600000101010101" pitchFamily="18" charset="-127"/>
+              </a:rPr>
+              <a:t>세부 구현 방법 </a:t>
+            </a:r>
+            <a:r>
+              <a:rPr lang="en-US" altLang="ko-KR" sz="2400" dirty="0" smtClean="0">
+                <a:latin typeface="HY견고딕" panose="02030600000101010101" pitchFamily="18" charset="-127"/>
+                <a:ea typeface="HY견고딕" panose="02030600000101010101" pitchFamily="18" charset="-127"/>
+              </a:rPr>
+              <a:t>|</a:t>
+            </a:r>
+            <a:r>
+              <a:rPr lang="en-US" altLang="ko-KR" sz="2400" dirty="0" smtClean="0">
+                <a:latin typeface="HY견고딕" panose="02030600000101010101" pitchFamily="18" charset="-127"/>
+                <a:ea typeface="HY견고딕" panose="02030600000101010101" pitchFamily="18" charset="-127"/>
+              </a:rPr>
+              <a:t> PR </a:t>
+            </a:r>
+            <a:r>
+              <a:rPr lang="ko-KR" altLang="en-US" sz="2400" dirty="0" smtClean="0">
+                <a:latin typeface="HY견고딕" panose="02030600000101010101" pitchFamily="18" charset="-127"/>
+                <a:ea typeface="HY견고딕" panose="02030600000101010101" pitchFamily="18" charset="-127"/>
+              </a:rPr>
+              <a:t>단위 구현 및 리뷰</a:t>
+            </a:r>
+            <a:endParaRPr lang="ko-KR" altLang="en-US" sz="1800" dirty="0">
+              <a:latin typeface="HY견고딕" panose="02030600000101010101" pitchFamily="18" charset="-127"/>
+              <a:ea typeface="HY견고딕" panose="02030600000101010101" pitchFamily="18" charset="-127"/>
+            </a:endParaRPr>
+          </a:p>
+        </p:txBody>
+      </p:sp>
+    </p:spTree>
+    <p:extLst>
+      <p:ext uri="{BB962C8B-B14F-4D97-AF65-F5344CB8AC3E}">
+        <p14:creationId xmlns:p14="http://schemas.microsoft.com/office/powerpoint/2010/main" val="2717708021"/>
       </p:ext>
     </p:extLst>
   </p:cSld>
@@ -4437,6 +5583,501 @@
 </p:sld>
 </file>
 
+<file path=ppt/slides/slide20.xml><?xml version="1.0" encoding="utf-8"?>
+<p:sld xmlns:a="http://schemas.openxmlformats.org/drawingml/2006/main" xmlns:r="http://schemas.openxmlformats.org/officeDocument/2006/relationships" xmlns:p="http://schemas.openxmlformats.org/presentationml/2006/main">
+  <p:cSld>
+    <p:spTree>
+      <p:nvGrpSpPr>
+        <p:cNvPr id="1" name=""/>
+        <p:cNvGrpSpPr/>
+        <p:nvPr/>
+      </p:nvGrpSpPr>
+      <p:grpSpPr>
+        <a:xfrm>
+          <a:off x="0" y="0"/>
+          <a:ext cx="0" cy="0"/>
+          <a:chOff x="0" y="0"/>
+          <a:chExt cx="0" cy="0"/>
+        </a:xfrm>
+      </p:grpSpPr>
+      <p:cxnSp>
+        <p:nvCxnSpPr>
+          <p:cNvPr id="4" name="직선 연결선 3"/>
+          <p:cNvCxnSpPr/>
+          <p:nvPr/>
+        </p:nvCxnSpPr>
+        <p:spPr>
+          <a:xfrm>
+            <a:off x="0" y="735546"/>
+            <a:ext cx="9144000" cy="0"/>
+          </a:xfrm>
+          <a:prstGeom prst="line">
+            <a:avLst/>
+          </a:prstGeom>
+          <a:ln w="25400">
+            <a:solidFill>
+              <a:srgbClr val="5F5F5F"/>
+            </a:solidFill>
+          </a:ln>
+        </p:spPr>
+        <p:style>
+          <a:lnRef idx="1">
+            <a:schemeClr val="accent1"/>
+          </a:lnRef>
+          <a:fillRef idx="0">
+            <a:schemeClr val="accent1"/>
+          </a:fillRef>
+          <a:effectRef idx="0">
+            <a:schemeClr val="accent1"/>
+          </a:effectRef>
+          <a:fontRef idx="minor">
+            <a:schemeClr val="tx1"/>
+          </a:fontRef>
+        </p:style>
+      </p:cxnSp>
+      <p:sp>
+        <p:nvSpPr>
+          <p:cNvPr id="6" name="TextBox 5"/>
+          <p:cNvSpPr txBox="1"/>
+          <p:nvPr/>
+        </p:nvSpPr>
+        <p:spPr>
+          <a:xfrm>
+            <a:off x="179512" y="141480"/>
+            <a:ext cx="7776864" cy="448019"/>
+          </a:xfrm>
+          <a:prstGeom prst="rect">
+            <a:avLst/>
+          </a:prstGeom>
+          <a:noFill/>
+        </p:spPr>
+        <p:txBody>
+          <a:bodyPr wrap="square" lIns="77925" tIns="38963" rIns="77925" bIns="38963" rtlCol="0">
+            <a:spAutoFit/>
+          </a:bodyPr>
+          <a:lstStyle/>
+          <a:p>
+            <a:r>
+              <a:rPr lang="ko-KR" altLang="en-US" sz="2400" dirty="0" smtClean="0">
+                <a:latin typeface="HY견고딕" panose="02030600000101010101" pitchFamily="18" charset="-127"/>
+                <a:ea typeface="HY견고딕" panose="02030600000101010101" pitchFamily="18" charset="-127"/>
+              </a:rPr>
+              <a:t>세부 구현 방법 </a:t>
+            </a:r>
+            <a:r>
+              <a:rPr lang="en-US" altLang="ko-KR" sz="2400" dirty="0" smtClean="0">
+                <a:latin typeface="HY견고딕" panose="02030600000101010101" pitchFamily="18" charset="-127"/>
+                <a:ea typeface="HY견고딕" panose="02030600000101010101" pitchFamily="18" charset="-127"/>
+              </a:rPr>
+              <a:t>|</a:t>
+            </a:r>
+            <a:r>
+              <a:rPr lang="en-US" altLang="ko-KR" sz="2400" dirty="0" smtClean="0">
+                <a:latin typeface="HY견고딕" panose="02030600000101010101" pitchFamily="18" charset="-127"/>
+                <a:ea typeface="HY견고딕" panose="02030600000101010101" pitchFamily="18" charset="-127"/>
+              </a:rPr>
+              <a:t> </a:t>
+            </a:r>
+            <a:r>
+              <a:rPr lang="ko-KR" altLang="en-US" sz="2400" dirty="0" smtClean="0">
+                <a:latin typeface="HY견고딕" panose="02030600000101010101" pitchFamily="18" charset="-127"/>
+                <a:ea typeface="HY견고딕" panose="02030600000101010101" pitchFamily="18" charset="-127"/>
+              </a:rPr>
+              <a:t>요구사항 변경 시 발생 가능 변경 점</a:t>
+            </a:r>
+            <a:endParaRPr lang="ko-KR" altLang="en-US" sz="1800" dirty="0">
+              <a:latin typeface="HY견고딕" panose="02030600000101010101" pitchFamily="18" charset="-127"/>
+              <a:ea typeface="HY견고딕" panose="02030600000101010101" pitchFamily="18" charset="-127"/>
+            </a:endParaRPr>
+          </a:p>
+        </p:txBody>
+      </p:sp>
+    </p:spTree>
+    <p:extLst>
+      <p:ext uri="{BB962C8B-B14F-4D97-AF65-F5344CB8AC3E}">
+        <p14:creationId xmlns:p14="http://schemas.microsoft.com/office/powerpoint/2010/main" val="4213781609"/>
+      </p:ext>
+    </p:extLst>
+  </p:cSld>
+  <p:clrMapOvr>
+    <a:masterClrMapping/>
+  </p:clrMapOvr>
+  <p:timing>
+    <p:tnLst>
+      <p:par>
+        <p:cTn id="1" dur="indefinite" restart="never" nodeType="tmRoot"/>
+      </p:par>
+    </p:tnLst>
+  </p:timing>
+</p:sld>
+</file>
+
+<file path=ppt/slides/slide21.xml><?xml version="1.0" encoding="utf-8"?>
+<p:sld xmlns:a="http://schemas.openxmlformats.org/drawingml/2006/main" xmlns:r="http://schemas.openxmlformats.org/officeDocument/2006/relationships" xmlns:p="http://schemas.openxmlformats.org/presentationml/2006/main">
+  <p:cSld>
+    <p:spTree>
+      <p:nvGrpSpPr>
+        <p:cNvPr id="1" name=""/>
+        <p:cNvGrpSpPr/>
+        <p:nvPr/>
+      </p:nvGrpSpPr>
+      <p:grpSpPr>
+        <a:xfrm>
+          <a:off x="0" y="0"/>
+          <a:ext cx="0" cy="0"/>
+          <a:chOff x="0" y="0"/>
+          <a:chExt cx="0" cy="0"/>
+        </a:xfrm>
+      </p:grpSpPr>
+      <p:cxnSp>
+        <p:nvCxnSpPr>
+          <p:cNvPr id="4" name="직선 연결선 3"/>
+          <p:cNvCxnSpPr/>
+          <p:nvPr/>
+        </p:nvCxnSpPr>
+        <p:spPr>
+          <a:xfrm>
+            <a:off x="0" y="735546"/>
+            <a:ext cx="9144000" cy="0"/>
+          </a:xfrm>
+          <a:prstGeom prst="line">
+            <a:avLst/>
+          </a:prstGeom>
+          <a:ln w="25400">
+            <a:solidFill>
+              <a:srgbClr val="5F5F5F"/>
+            </a:solidFill>
+          </a:ln>
+        </p:spPr>
+        <p:style>
+          <a:lnRef idx="1">
+            <a:schemeClr val="accent1"/>
+          </a:lnRef>
+          <a:fillRef idx="0">
+            <a:schemeClr val="accent1"/>
+          </a:fillRef>
+          <a:effectRef idx="0">
+            <a:schemeClr val="accent1"/>
+          </a:effectRef>
+          <a:fontRef idx="minor">
+            <a:schemeClr val="tx1"/>
+          </a:fontRef>
+        </p:style>
+      </p:cxnSp>
+      <p:sp>
+        <p:nvSpPr>
+          <p:cNvPr id="6" name="TextBox 5"/>
+          <p:cNvSpPr txBox="1"/>
+          <p:nvPr/>
+        </p:nvSpPr>
+        <p:spPr>
+          <a:xfrm>
+            <a:off x="179512" y="141480"/>
+            <a:ext cx="7776864" cy="448019"/>
+          </a:xfrm>
+          <a:prstGeom prst="rect">
+            <a:avLst/>
+          </a:prstGeom>
+          <a:noFill/>
+        </p:spPr>
+        <p:txBody>
+          <a:bodyPr wrap="square" lIns="77925" tIns="38963" rIns="77925" bIns="38963" rtlCol="0">
+            <a:spAutoFit/>
+          </a:bodyPr>
+          <a:lstStyle/>
+          <a:p>
+            <a:r>
+              <a:rPr lang="ko-KR" altLang="en-US" sz="2400" dirty="0" smtClean="0">
+                <a:latin typeface="HY견고딕" panose="02030600000101010101" pitchFamily="18" charset="-127"/>
+                <a:ea typeface="HY견고딕" panose="02030600000101010101" pitchFamily="18" charset="-127"/>
+              </a:rPr>
+              <a:t>회고 </a:t>
+            </a:r>
+            <a:r>
+              <a:rPr lang="en-US" altLang="ko-KR" sz="2400" dirty="0" smtClean="0">
+                <a:latin typeface="HY견고딕" panose="02030600000101010101" pitchFamily="18" charset="-127"/>
+                <a:ea typeface="HY견고딕" panose="02030600000101010101" pitchFamily="18" charset="-127"/>
+              </a:rPr>
+              <a:t>|</a:t>
+            </a:r>
+            <a:r>
+              <a:rPr lang="en-US" altLang="ko-KR" sz="2400" dirty="0" smtClean="0">
+                <a:latin typeface="HY견고딕" panose="02030600000101010101" pitchFamily="18" charset="-127"/>
+                <a:ea typeface="HY견고딕" panose="02030600000101010101" pitchFamily="18" charset="-127"/>
+              </a:rPr>
+              <a:t> Keep</a:t>
+            </a:r>
+            <a:endParaRPr lang="ko-KR" altLang="en-US" sz="1800" dirty="0">
+              <a:latin typeface="HY견고딕" panose="02030600000101010101" pitchFamily="18" charset="-127"/>
+              <a:ea typeface="HY견고딕" panose="02030600000101010101" pitchFamily="18" charset="-127"/>
+            </a:endParaRPr>
+          </a:p>
+        </p:txBody>
+      </p:sp>
+    </p:spTree>
+    <p:extLst>
+      <p:ext uri="{BB962C8B-B14F-4D97-AF65-F5344CB8AC3E}">
+        <p14:creationId xmlns:p14="http://schemas.microsoft.com/office/powerpoint/2010/main" val="1665158667"/>
+      </p:ext>
+    </p:extLst>
+  </p:cSld>
+  <p:clrMapOvr>
+    <a:masterClrMapping/>
+  </p:clrMapOvr>
+  <p:timing>
+    <p:tnLst>
+      <p:par>
+        <p:cTn id="1" dur="indefinite" restart="never" nodeType="tmRoot"/>
+      </p:par>
+    </p:tnLst>
+  </p:timing>
+</p:sld>
+</file>
+
+<file path=ppt/slides/slide22.xml><?xml version="1.0" encoding="utf-8"?>
+<p:sld xmlns:a="http://schemas.openxmlformats.org/drawingml/2006/main" xmlns:r="http://schemas.openxmlformats.org/officeDocument/2006/relationships" xmlns:p="http://schemas.openxmlformats.org/presentationml/2006/main">
+  <p:cSld>
+    <p:spTree>
+      <p:nvGrpSpPr>
+        <p:cNvPr id="1" name=""/>
+        <p:cNvGrpSpPr/>
+        <p:nvPr/>
+      </p:nvGrpSpPr>
+      <p:grpSpPr>
+        <a:xfrm>
+          <a:off x="0" y="0"/>
+          <a:ext cx="0" cy="0"/>
+          <a:chOff x="0" y="0"/>
+          <a:chExt cx="0" cy="0"/>
+        </a:xfrm>
+      </p:grpSpPr>
+      <p:cxnSp>
+        <p:nvCxnSpPr>
+          <p:cNvPr id="4" name="직선 연결선 3"/>
+          <p:cNvCxnSpPr/>
+          <p:nvPr/>
+        </p:nvCxnSpPr>
+        <p:spPr>
+          <a:xfrm>
+            <a:off x="0" y="735546"/>
+            <a:ext cx="9144000" cy="0"/>
+          </a:xfrm>
+          <a:prstGeom prst="line">
+            <a:avLst/>
+          </a:prstGeom>
+          <a:ln w="25400">
+            <a:solidFill>
+              <a:srgbClr val="5F5F5F"/>
+            </a:solidFill>
+          </a:ln>
+        </p:spPr>
+        <p:style>
+          <a:lnRef idx="1">
+            <a:schemeClr val="accent1"/>
+          </a:lnRef>
+          <a:fillRef idx="0">
+            <a:schemeClr val="accent1"/>
+          </a:fillRef>
+          <a:effectRef idx="0">
+            <a:schemeClr val="accent1"/>
+          </a:effectRef>
+          <a:fontRef idx="minor">
+            <a:schemeClr val="tx1"/>
+          </a:fontRef>
+        </p:style>
+      </p:cxnSp>
+      <p:sp>
+        <p:nvSpPr>
+          <p:cNvPr id="6" name="TextBox 5"/>
+          <p:cNvSpPr txBox="1"/>
+          <p:nvPr/>
+        </p:nvSpPr>
+        <p:spPr>
+          <a:xfrm>
+            <a:off x="179512" y="141480"/>
+            <a:ext cx="7776864" cy="448019"/>
+          </a:xfrm>
+          <a:prstGeom prst="rect">
+            <a:avLst/>
+          </a:prstGeom>
+          <a:noFill/>
+        </p:spPr>
+        <p:txBody>
+          <a:bodyPr wrap="square" lIns="77925" tIns="38963" rIns="77925" bIns="38963" rtlCol="0">
+            <a:spAutoFit/>
+          </a:bodyPr>
+          <a:lstStyle/>
+          <a:p>
+            <a:r>
+              <a:rPr lang="ko-KR" altLang="en-US" sz="2400" dirty="0" smtClean="0">
+                <a:latin typeface="HY견고딕" panose="02030600000101010101" pitchFamily="18" charset="-127"/>
+                <a:ea typeface="HY견고딕" panose="02030600000101010101" pitchFamily="18" charset="-127"/>
+              </a:rPr>
+              <a:t>회고 </a:t>
+            </a:r>
+            <a:r>
+              <a:rPr lang="en-US" altLang="ko-KR" sz="2400" dirty="0" smtClean="0">
+                <a:latin typeface="HY견고딕" panose="02030600000101010101" pitchFamily="18" charset="-127"/>
+                <a:ea typeface="HY견고딕" panose="02030600000101010101" pitchFamily="18" charset="-127"/>
+              </a:rPr>
+              <a:t>|</a:t>
+            </a:r>
+            <a:r>
+              <a:rPr lang="en-US" altLang="ko-KR" sz="2400" dirty="0" smtClean="0">
+                <a:latin typeface="HY견고딕" panose="02030600000101010101" pitchFamily="18" charset="-127"/>
+                <a:ea typeface="HY견고딕" panose="02030600000101010101" pitchFamily="18" charset="-127"/>
+              </a:rPr>
+              <a:t> Problem</a:t>
+            </a:r>
+            <a:endParaRPr lang="ko-KR" altLang="en-US" sz="1800" dirty="0">
+              <a:latin typeface="HY견고딕" panose="02030600000101010101" pitchFamily="18" charset="-127"/>
+              <a:ea typeface="HY견고딕" panose="02030600000101010101" pitchFamily="18" charset="-127"/>
+            </a:endParaRPr>
+          </a:p>
+        </p:txBody>
+      </p:sp>
+    </p:spTree>
+    <p:extLst>
+      <p:ext uri="{BB962C8B-B14F-4D97-AF65-F5344CB8AC3E}">
+        <p14:creationId xmlns:p14="http://schemas.microsoft.com/office/powerpoint/2010/main" val="1173088005"/>
+      </p:ext>
+    </p:extLst>
+  </p:cSld>
+  <p:clrMapOvr>
+    <a:masterClrMapping/>
+  </p:clrMapOvr>
+  <p:timing>
+    <p:tnLst>
+      <p:par>
+        <p:cTn id="1" dur="indefinite" restart="never" nodeType="tmRoot"/>
+      </p:par>
+    </p:tnLst>
+  </p:timing>
+</p:sld>
+</file>
+
+<file path=ppt/slides/slide23.xml><?xml version="1.0" encoding="utf-8"?>
+<p:sld xmlns:a="http://schemas.openxmlformats.org/drawingml/2006/main" xmlns:r="http://schemas.openxmlformats.org/officeDocument/2006/relationships" xmlns:p="http://schemas.openxmlformats.org/presentationml/2006/main">
+  <p:cSld>
+    <p:spTree>
+      <p:nvGrpSpPr>
+        <p:cNvPr id="1" name=""/>
+        <p:cNvGrpSpPr/>
+        <p:nvPr/>
+      </p:nvGrpSpPr>
+      <p:grpSpPr>
+        <a:xfrm>
+          <a:off x="0" y="0"/>
+          <a:ext cx="0" cy="0"/>
+          <a:chOff x="0" y="0"/>
+          <a:chExt cx="0" cy="0"/>
+        </a:xfrm>
+      </p:grpSpPr>
+      <p:cxnSp>
+        <p:nvCxnSpPr>
+          <p:cNvPr id="4" name="직선 연결선 3"/>
+          <p:cNvCxnSpPr/>
+          <p:nvPr/>
+        </p:nvCxnSpPr>
+        <p:spPr>
+          <a:xfrm>
+            <a:off x="0" y="735546"/>
+            <a:ext cx="9144000" cy="0"/>
+          </a:xfrm>
+          <a:prstGeom prst="line">
+            <a:avLst/>
+          </a:prstGeom>
+          <a:ln w="25400">
+            <a:solidFill>
+              <a:srgbClr val="5F5F5F"/>
+            </a:solidFill>
+          </a:ln>
+        </p:spPr>
+        <p:style>
+          <a:lnRef idx="1">
+            <a:schemeClr val="accent1"/>
+          </a:lnRef>
+          <a:fillRef idx="0">
+            <a:schemeClr val="accent1"/>
+          </a:fillRef>
+          <a:effectRef idx="0">
+            <a:schemeClr val="accent1"/>
+          </a:effectRef>
+          <a:fontRef idx="minor">
+            <a:schemeClr val="tx1"/>
+          </a:fontRef>
+        </p:style>
+      </p:cxnSp>
+      <p:sp>
+        <p:nvSpPr>
+          <p:cNvPr id="6" name="TextBox 5"/>
+          <p:cNvSpPr txBox="1"/>
+          <p:nvPr/>
+        </p:nvSpPr>
+        <p:spPr>
+          <a:xfrm>
+            <a:off x="179512" y="141480"/>
+            <a:ext cx="7776864" cy="448019"/>
+          </a:xfrm>
+          <a:prstGeom prst="rect">
+            <a:avLst/>
+          </a:prstGeom>
+          <a:noFill/>
+        </p:spPr>
+        <p:txBody>
+          <a:bodyPr wrap="square" lIns="77925" tIns="38963" rIns="77925" bIns="38963" rtlCol="0">
+            <a:spAutoFit/>
+          </a:bodyPr>
+          <a:lstStyle/>
+          <a:p>
+            <a:r>
+              <a:rPr lang="ko-KR" altLang="en-US" sz="2400" dirty="0" smtClean="0">
+                <a:latin typeface="HY견고딕" panose="02030600000101010101" pitchFamily="18" charset="-127"/>
+                <a:ea typeface="HY견고딕" panose="02030600000101010101" pitchFamily="18" charset="-127"/>
+              </a:rPr>
+              <a:t>회고 </a:t>
+            </a:r>
+            <a:r>
+              <a:rPr lang="en-US" altLang="ko-KR" sz="2400" dirty="0" smtClean="0">
+                <a:latin typeface="HY견고딕" panose="02030600000101010101" pitchFamily="18" charset="-127"/>
+                <a:ea typeface="HY견고딕" panose="02030600000101010101" pitchFamily="18" charset="-127"/>
+              </a:rPr>
+              <a:t>|</a:t>
+            </a:r>
+            <a:r>
+              <a:rPr lang="en-US" altLang="ko-KR" sz="2400" dirty="0" smtClean="0">
+                <a:latin typeface="HY견고딕" panose="02030600000101010101" pitchFamily="18" charset="-127"/>
+                <a:ea typeface="HY견고딕" panose="02030600000101010101" pitchFamily="18" charset="-127"/>
+              </a:rPr>
+              <a:t> Try</a:t>
+            </a:r>
+            <a:endParaRPr lang="ko-KR" altLang="en-US" sz="1800" dirty="0">
+              <a:latin typeface="HY견고딕" panose="02030600000101010101" pitchFamily="18" charset="-127"/>
+              <a:ea typeface="HY견고딕" panose="02030600000101010101" pitchFamily="18" charset="-127"/>
+            </a:endParaRPr>
+          </a:p>
+        </p:txBody>
+      </p:sp>
+    </p:spTree>
+    <p:extLst>
+      <p:ext uri="{BB962C8B-B14F-4D97-AF65-F5344CB8AC3E}">
+        <p14:creationId xmlns:p14="http://schemas.microsoft.com/office/powerpoint/2010/main" val="1674936133"/>
+      </p:ext>
+    </p:extLst>
+  </p:cSld>
+  <p:clrMapOvr>
+    <a:masterClrMapping/>
+  </p:clrMapOvr>
+  <p:timing>
+    <p:tnLst>
+      <p:par>
+        <p:cTn id="1" dur="indefinite" restart="never" nodeType="tmRoot"/>
+      </p:par>
+    </p:tnLst>
+  </p:timing>
+</p:sld>
+</file>
+
 <file path=ppt/slides/slide3.xml><?xml version="1.0" encoding="utf-8"?>
 <p:sld xmlns:a="http://schemas.openxmlformats.org/drawingml/2006/main" xmlns:r="http://schemas.openxmlformats.org/officeDocument/2006/relationships" xmlns:p="http://schemas.openxmlformats.org/presentationml/2006/main">
   <p:cSld>
@@ -4521,14 +6162,7 @@
                 <a:latin typeface="HY견고딕" panose="02030600000101010101" pitchFamily="18" charset="-127"/>
                 <a:ea typeface="HY견고딕" panose="02030600000101010101" pitchFamily="18" charset="-127"/>
               </a:rPr>
-              <a:t>■ </a:t>
-            </a:r>
-            <a:r>
-              <a:rPr lang="ko-KR" altLang="en-US" sz="1400" dirty="0" smtClean="0">
-                <a:latin typeface="HY견고딕" panose="02030600000101010101" pitchFamily="18" charset="-127"/>
-                <a:ea typeface="HY견고딕" panose="02030600000101010101" pitchFamily="18" charset="-127"/>
-              </a:rPr>
-              <a:t>그라운드 룰</a:t>
+              <a:t>■ 그라운드 룰</a:t>
             </a:r>
             <a:endParaRPr lang="en-US" altLang="ko-KR" sz="1400" dirty="0" smtClean="0">
               <a:latin typeface="HY견고딕" panose="02030600000101010101" pitchFamily="18" charset="-127"/>
@@ -6969,14 +8603,7 @@
                 <a:latin typeface="HY견고딕" panose="02030600000101010101" pitchFamily="18" charset="-127"/>
                 <a:ea typeface="HY견고딕" panose="02030600000101010101" pitchFamily="18" charset="-127"/>
               </a:rPr>
-              <a:t>| </a:t>
-            </a:r>
-            <a:r>
-              <a:rPr lang="en-US" altLang="ko-KR" sz="2400" dirty="0" smtClean="0">
-                <a:latin typeface="HY견고딕" panose="02030600000101010101" pitchFamily="18" charset="-127"/>
-                <a:ea typeface="HY견고딕" panose="02030600000101010101" pitchFamily="18" charset="-127"/>
-              </a:rPr>
-              <a:t>Branch </a:t>
+              <a:t>| Branch </a:t>
             </a:r>
             <a:r>
               <a:rPr lang="ko-KR" altLang="en-US" sz="2400" dirty="0" smtClean="0">
@@ -7096,14 +8723,7 @@
                 <a:latin typeface="HY견고딕" panose="02030600000101010101" pitchFamily="18" charset="-127"/>
                 <a:ea typeface="HY견고딕" panose="02030600000101010101" pitchFamily="18" charset="-127"/>
               </a:rPr>
-              <a:t>■ 팀 프로젝트 </a:t>
-            </a:r>
-            <a:r>
-              <a:rPr lang="ko-KR" altLang="en-US" sz="1400" dirty="0" smtClean="0">
-                <a:latin typeface="HY견고딕" panose="02030600000101010101" pitchFamily="18" charset="-127"/>
-                <a:ea typeface="HY견고딕" panose="02030600000101010101" pitchFamily="18" charset="-127"/>
-              </a:rPr>
-              <a:t>요구사항 정리</a:t>
+              <a:t>■ 팀 프로젝트 요구사항 정리</a:t>
             </a:r>
             <a:endParaRPr lang="en-US" altLang="ko-KR" sz="1400" dirty="0" smtClean="0">
               <a:latin typeface="HY견고딕" panose="02030600000101010101" pitchFamily="18" charset="-127"/>
@@ -7152,13 +8772,7 @@
               <a:rPr lang="ko-KR" altLang="en-US" sz="1200" dirty="0" smtClean="0">
                 <a:latin typeface="+mn-ea"/>
               </a:rPr>
-              <a:t>파일 </a:t>
-            </a:r>
-            <a:r>
-              <a:rPr lang="ko-KR" altLang="en-US" sz="1200" dirty="0" smtClean="0">
-                <a:latin typeface="+mn-ea"/>
-              </a:rPr>
-              <a:t>읽기 </a:t>
+              <a:t>파일 읽기 </a:t>
             </a:r>
             <a:r>
               <a:rPr lang="en-US" altLang="ko-KR" sz="1200" dirty="0" smtClean="0">
@@ -7242,13 +8856,7 @@
               <a:rPr lang="ko-KR" altLang="en-US" sz="1200" dirty="0" smtClean="0">
                 <a:latin typeface="+mn-ea"/>
               </a:rPr>
-              <a:t>내용 으로 </a:t>
-            </a:r>
-            <a:r>
-              <a:rPr lang="ko-KR" altLang="en-US" sz="1200" dirty="0" smtClean="0">
-                <a:latin typeface="+mn-ea"/>
-              </a:rPr>
-              <a:t>구분하여 내용 </a:t>
+              <a:t>내용 으로 구분하여 내용 </a:t>
             </a:r>
             <a:r>
               <a:rPr lang="ko-KR" altLang="en-US" sz="1200" dirty="0" err="1" smtClean="0">
@@ -7284,25 +8892,13 @@
               <a:rPr lang="en-US" altLang="ko-KR" sz="1200" dirty="0" smtClean="0">
                 <a:latin typeface="+mn-ea"/>
               </a:rPr>
-              <a:t>: </a:t>
-            </a:r>
-            <a:r>
-              <a:rPr lang="en-US" altLang="ko-KR" sz="1200" dirty="0" smtClean="0">
-                <a:latin typeface="+mn-ea"/>
-              </a:rPr>
-              <a:t>ADD </a:t>
+              <a:t>: ADD </a:t>
             </a:r>
             <a:r>
               <a:rPr lang="ko-KR" altLang="en-US" sz="1200" dirty="0" smtClean="0">
                 <a:latin typeface="+mn-ea"/>
               </a:rPr>
-              <a:t>연산자인 경우 </a:t>
-            </a:r>
-            <a:r>
-              <a:rPr lang="ko-KR" altLang="en-US" sz="1200" dirty="0" smtClean="0">
-                <a:latin typeface="+mn-ea"/>
-              </a:rPr>
-              <a:t>임직원 정보를 담을 </a:t>
+              <a:t>연산자인 경우 임직원 정보를 담을 </a:t>
             </a:r>
             <a:r>
               <a:rPr lang="en-US" altLang="ko-KR" sz="1200" dirty="0" smtClean="0">
@@ -7388,9 +8984,6 @@
               </a:rPr>
               <a:t>)</a:t>
             </a:r>
-            <a:endParaRPr lang="en-US" altLang="ko-KR" sz="1200" dirty="0" smtClean="0">
-              <a:latin typeface="+mn-ea"/>
-            </a:endParaRPr>
           </a:p>
           <a:p>
             <a:pPr marL="285750" indent="-285750">
@@ -7640,43 +9233,31 @@
               <a:rPr lang="ko-KR" altLang="en-US" sz="1200" dirty="0" smtClean="0">
                 <a:latin typeface="+mn-ea"/>
               </a:rPr>
-              <a:t>파일 </a:t>
+              <a:t>파일 만들기 </a:t>
+            </a:r>
+            <a:r>
+              <a:rPr lang="en-US" altLang="ko-KR" sz="1200" dirty="0" smtClean="0">
+                <a:latin typeface="+mn-ea"/>
+              </a:rPr>
+              <a:t>: output</a:t>
             </a:r>
             <a:r>
               <a:rPr lang="ko-KR" altLang="en-US" sz="1200" dirty="0" smtClean="0">
                 <a:latin typeface="+mn-ea"/>
               </a:rPr>
-              <a:t>만들기 </a:t>
+              <a:t> 파일 생성 후</a:t>
             </a:r>
             <a:r>
               <a:rPr lang="en-US" altLang="ko-KR" sz="1200" dirty="0" smtClean="0">
                 <a:latin typeface="+mn-ea"/>
               </a:rPr>
-              <a:t>: output</a:t>
+              <a:t> </a:t>
             </a:r>
             <a:r>
               <a:rPr lang="ko-KR" altLang="en-US" sz="1200" dirty="0" smtClean="0">
                 <a:latin typeface="+mn-ea"/>
               </a:rPr>
-              <a:t> 파일 생성 후</a:t>
-            </a:r>
-            <a:r>
-              <a:rPr lang="en-US" altLang="ko-KR" sz="1200" dirty="0" smtClean="0">
-                <a:latin typeface="+mn-ea"/>
-              </a:rPr>
-              <a:t> </a:t>
-            </a:r>
-            <a:r>
-              <a:rPr lang="ko-KR" altLang="en-US" sz="1200" dirty="0" smtClean="0">
-                <a:latin typeface="+mn-ea"/>
-              </a:rPr>
-              <a:t>각 연산 시</a:t>
-            </a:r>
-            <a:r>
-              <a:rPr lang="ko-KR" altLang="en-US" sz="1200" dirty="0" smtClean="0">
-                <a:latin typeface="+mn-ea"/>
-              </a:rPr>
-              <a:t> 출력에 필요한 내용 생성하여 </a:t>
+              <a:t>각 연산 시 출력에 필요한 내용 생성하여 </a:t>
             </a:r>
             <a:r>
               <a:rPr lang="en-US" altLang="ko-KR" sz="1200" dirty="0" smtClean="0">
@@ -10002,36 +11583,6 @@
       </p:cxnSp>
       <p:sp>
         <p:nvSpPr>
-          <p:cNvPr id="105" name="TextBox 104"/>
-          <p:cNvSpPr txBox="1"/>
-          <p:nvPr/>
-        </p:nvSpPr>
-        <p:spPr>
-          <a:xfrm>
-            <a:off x="1403648" y="3939902"/>
-            <a:ext cx="750526" cy="323165"/>
-          </a:xfrm>
-          <a:prstGeom prst="rect">
-            <a:avLst/>
-          </a:prstGeom>
-          <a:noFill/>
-        </p:spPr>
-        <p:txBody>
-          <a:bodyPr wrap="none" rtlCol="0">
-            <a:spAutoFit/>
-          </a:bodyPr>
-          <a:lstStyle/>
-          <a:p>
-            <a:r>
-              <a:rPr lang="en-US" altLang="ko-KR" dirty="0" smtClean="0"/>
-              <a:t>&lt;use&gt;</a:t>
-            </a:r>
-            <a:endParaRPr lang="ko-KR" altLang="en-US" dirty="0"/>
-          </a:p>
-        </p:txBody>
-      </p:sp>
-      <p:sp>
-        <p:nvSpPr>
           <p:cNvPr id="109" name="TextBox 108"/>
           <p:cNvSpPr txBox="1"/>
           <p:nvPr/>
@@ -10175,7 +11726,7 @@
         </p:nvSpPr>
         <p:spPr>
           <a:xfrm>
-            <a:off x="2084491" y="4046929"/>
+            <a:off x="1547664" y="4046929"/>
             <a:ext cx="1063112" cy="276999"/>
           </a:xfrm>
           <a:prstGeom prst="rect">
